--- a/swm/present/9-software-management-tools.pptx
+++ b/swm/present/9-software-management-tools.pptx
@@ -5,33 +5,34 @@
     <p:sldMasterId id="2147483648" r:id="rId4"/>
   </p:sldMasterIdLst>
   <p:notesMasterIdLst>
-    <p:notesMasterId r:id="rId26"/>
+    <p:notesMasterId r:id="rId27"/>
   </p:notesMasterIdLst>
   <p:handoutMasterIdLst>
-    <p:handoutMasterId r:id="rId27"/>
+    <p:handoutMasterId r:id="rId28"/>
   </p:handoutMasterIdLst>
   <p:sldIdLst>
     <p:sldId id="270" r:id="rId5"/>
-    <p:sldId id="266" r:id="rId6"/>
-    <p:sldId id="260" r:id="rId7"/>
-    <p:sldId id="279" r:id="rId8"/>
-    <p:sldId id="280" r:id="rId9"/>
-    <p:sldId id="281" r:id="rId10"/>
-    <p:sldId id="262" r:id="rId11"/>
-    <p:sldId id="282" r:id="rId12"/>
-    <p:sldId id="283" r:id="rId13"/>
-    <p:sldId id="284" r:id="rId14"/>
-    <p:sldId id="285" r:id="rId15"/>
-    <p:sldId id="286" r:id="rId16"/>
-    <p:sldId id="287" r:id="rId17"/>
-    <p:sldId id="289" r:id="rId18"/>
-    <p:sldId id="290" r:id="rId19"/>
-    <p:sldId id="288" r:id="rId20"/>
-    <p:sldId id="291" r:id="rId21"/>
-    <p:sldId id="292" r:id="rId22"/>
-    <p:sldId id="293" r:id="rId23"/>
-    <p:sldId id="294" r:id="rId24"/>
-    <p:sldId id="269" r:id="rId25"/>
+    <p:sldId id="295" r:id="rId6"/>
+    <p:sldId id="266" r:id="rId7"/>
+    <p:sldId id="260" r:id="rId8"/>
+    <p:sldId id="279" r:id="rId9"/>
+    <p:sldId id="280" r:id="rId10"/>
+    <p:sldId id="281" r:id="rId11"/>
+    <p:sldId id="262" r:id="rId12"/>
+    <p:sldId id="282" r:id="rId13"/>
+    <p:sldId id="283" r:id="rId14"/>
+    <p:sldId id="284" r:id="rId15"/>
+    <p:sldId id="285" r:id="rId16"/>
+    <p:sldId id="286" r:id="rId17"/>
+    <p:sldId id="287" r:id="rId18"/>
+    <p:sldId id="289" r:id="rId19"/>
+    <p:sldId id="290" r:id="rId20"/>
+    <p:sldId id="288" r:id="rId21"/>
+    <p:sldId id="291" r:id="rId22"/>
+    <p:sldId id="292" r:id="rId23"/>
+    <p:sldId id="293" r:id="rId24"/>
+    <p:sldId id="294" r:id="rId25"/>
+    <p:sldId id="269" r:id="rId26"/>
   </p:sldIdLst>
   <p:sldSz cx="12192000" cy="6858000"/>
   <p:notesSz cx="6858000" cy="9144000"/>
@@ -246,7 +247,7 @@
           <a:p>
             <a:fld id="{5A6B64A6-5383-4553-9650-AE943B3D4590}" type="datetimeFigureOut">
               <a:rPr lang="en-US" smtClean="0"/>
-              <a:t>6/1/2019</a:t>
+              <a:t>6/5/2019</a:t>
             </a:fld>
             <a:endParaRPr lang="en-US" dirty="0"/>
           </a:p>
@@ -423,7 +424,7 @@
           <a:p>
             <a:fld id="{639E0DF2-F06A-4107-A20D-CF99C15F57D9}" type="datetimeFigureOut">
               <a:rPr lang="en-US" noProof="0" smtClean="0"/>
-              <a:t>6/1/2019</a:t>
+              <a:t>6/5/2019</a:t>
             </a:fld>
             <a:endParaRPr lang="en-US" noProof="0" dirty="0"/>
           </a:p>
@@ -6456,7 +6457,7 @@
                 <a14:useLocalDpi xmlns:a14="http://schemas.microsoft.com/office/drawing/2010/main"/>
               </a:ext>
               <a:ext uri="{96DAC541-7B7A-43D3-8B79-37D633B846F1}">
-                <asvg:svgBlip xmlns:asvg="http://schemas.microsoft.com/office/drawing/2016/SVG/main" xmlns="" r:embed="rId3"/>
+                <asvg:svgBlip xmlns="" xmlns:asvg="http://schemas.microsoft.com/office/drawing/2016/SVG/main" r:embed="rId3"/>
               </a:ext>
             </a:extLst>
           </a:blip>
@@ -6495,7 +6496,7 @@
                 <a14:useLocalDpi xmlns:a14="http://schemas.microsoft.com/office/drawing/2010/main"/>
               </a:ext>
               <a:ext uri="{96DAC541-7B7A-43D3-8B79-37D633B846F1}">
-                <asvg:svgBlip xmlns:asvg="http://schemas.microsoft.com/office/drawing/2016/SVG/main" xmlns="" r:embed="rId5"/>
+                <asvg:svgBlip xmlns="" xmlns:asvg="http://schemas.microsoft.com/office/drawing/2016/SVG/main" r:embed="rId5"/>
               </a:ext>
             </a:extLst>
           </a:blip>
@@ -6534,7 +6535,7 @@
                 <a14:useLocalDpi xmlns:a14="http://schemas.microsoft.com/office/drawing/2010/main"/>
               </a:ext>
               <a:ext uri="{96DAC541-7B7A-43D3-8B79-37D633B846F1}">
-                <asvg:svgBlip xmlns:asvg="http://schemas.microsoft.com/office/drawing/2016/SVG/main" xmlns="" r:embed="rId7"/>
+                <asvg:svgBlip xmlns="" xmlns:asvg="http://schemas.microsoft.com/office/drawing/2016/SVG/main" r:embed="rId7"/>
               </a:ext>
             </a:extLst>
           </a:blip>
@@ -6573,7 +6574,7 @@
                 <a14:useLocalDpi xmlns:a14="http://schemas.microsoft.com/office/drawing/2010/main"/>
               </a:ext>
               <a:ext uri="{96DAC541-7B7A-43D3-8B79-37D633B846F1}">
-                <asvg:svgBlip xmlns:asvg="http://schemas.microsoft.com/office/drawing/2016/SVG/main" xmlns="" r:embed="rId9"/>
+                <asvg:svgBlip xmlns="" xmlns:asvg="http://schemas.microsoft.com/office/drawing/2016/SVG/main" r:embed="rId9"/>
               </a:ext>
             </a:extLst>
           </a:blip>
@@ -7509,7 +7510,7 @@
                 <a14:useLocalDpi xmlns:a14="http://schemas.microsoft.com/office/drawing/2010/main"/>
               </a:ext>
               <a:ext uri="{96DAC541-7B7A-43D3-8B79-37D633B846F1}">
-                <asvg:svgBlip xmlns:asvg="http://schemas.microsoft.com/office/drawing/2016/SVG/main" xmlns="" r:embed="rId3"/>
+                <asvg:svgBlip xmlns="" xmlns:asvg="http://schemas.microsoft.com/office/drawing/2016/SVG/main" r:embed="rId3"/>
               </a:ext>
             </a:extLst>
           </a:blip>
@@ -7548,7 +7549,7 @@
                 <a14:useLocalDpi xmlns:a14="http://schemas.microsoft.com/office/drawing/2010/main"/>
               </a:ext>
               <a:ext uri="{96DAC541-7B7A-43D3-8B79-37D633B846F1}">
-                <asvg:svgBlip xmlns:asvg="http://schemas.microsoft.com/office/drawing/2016/SVG/main" xmlns="" r:embed="rId5"/>
+                <asvg:svgBlip xmlns="" xmlns:asvg="http://schemas.microsoft.com/office/drawing/2016/SVG/main" r:embed="rId5"/>
               </a:ext>
             </a:extLst>
           </a:blip>
@@ -7587,7 +7588,7 @@
                 <a14:useLocalDpi xmlns:a14="http://schemas.microsoft.com/office/drawing/2010/main"/>
               </a:ext>
               <a:ext uri="{96DAC541-7B7A-43D3-8B79-37D633B846F1}">
-                <asvg:svgBlip xmlns:asvg="http://schemas.microsoft.com/office/drawing/2016/SVG/main" xmlns="" r:embed="rId7"/>
+                <asvg:svgBlip xmlns="" xmlns:asvg="http://schemas.microsoft.com/office/drawing/2016/SVG/main" r:embed="rId7"/>
               </a:ext>
             </a:extLst>
           </a:blip>
@@ -7626,7 +7627,7 @@
                 <a14:useLocalDpi xmlns:a14="http://schemas.microsoft.com/office/drawing/2010/main"/>
               </a:ext>
               <a:ext uri="{96DAC541-7B7A-43D3-8B79-37D633B846F1}">
-                <asvg:svgBlip xmlns:asvg="http://schemas.microsoft.com/office/drawing/2016/SVG/main" xmlns="" r:embed="rId9"/>
+                <asvg:svgBlip xmlns="" xmlns:asvg="http://schemas.microsoft.com/office/drawing/2016/SVG/main" r:embed="rId9"/>
               </a:ext>
             </a:extLst>
           </a:blip>
@@ -22059,10 +22060,10 @@
       </p:grpSpPr>
       <p:sp>
         <p:nvSpPr>
-          <p:cNvPr id="17" name="Title 16">
+          <p:cNvPr id="22" name="Title 21">
             <a:extLst>
               <a:ext uri="{FF2B5EF4-FFF2-40B4-BE49-F238E27FC236}">
-                <a16:creationId xmlns:a16="http://schemas.microsoft.com/office/drawing/2014/main" id="{96B69F7F-7BDF-4049-AB94-D24D1055CFD1}"/>
+                <a16:creationId xmlns:a16="http://schemas.microsoft.com/office/drawing/2014/main" id="{F635AA92-1D29-4831-89E4-1B49C265FA6C}"/>
               </a:ext>
             </a:extLst>
           </p:cNvPr>
@@ -22073,155 +22074,110 @@
             <p:ph type="title"/>
           </p:nvPr>
         </p:nvSpPr>
-        <p:spPr>
-          <a:xfrm>
-            <a:off x="640079" y="-155981"/>
-            <a:ext cx="5910095" cy="1480711"/>
-          </a:xfrm>
-        </p:spPr>
+        <p:spPr/>
         <p:txBody>
           <a:bodyPr/>
           <a:lstStyle/>
           <a:p>
             <a:r>
               <a:rPr lang="en-US" dirty="0" smtClean="0"/>
-              <a:t>Pros &amp; Cons</a:t>
+              <a:t>Microsoft Project</a:t>
             </a:r>
-            <a:endParaRPr lang="en-US" dirty="0"/>
+            <a:endParaRPr lang="en-GB" dirty="0"/>
           </a:p>
         </p:txBody>
       </p:sp>
       <p:sp>
         <p:nvSpPr>
-          <p:cNvPr id="19" name="Text Placeholder 18">
-            <a:extLst>
-              <a:ext uri="{FF2B5EF4-FFF2-40B4-BE49-F238E27FC236}">
-                <a16:creationId xmlns:a16="http://schemas.microsoft.com/office/drawing/2014/main" id="{4024D790-0AE9-488A-A1A9-F732CD7A0F1E}"/>
-              </a:ext>
-            </a:extLst>
-          </p:cNvPr>
+          <p:cNvPr id="5" name="Text Placeholder 4"/>
           <p:cNvSpPr>
             <a:spLocks noGrp="1"/>
           </p:cNvSpPr>
           <p:nvPr>
-            <p:ph type="body" sz="quarter" idx="15"/>
+            <p:ph type="body" idx="1"/>
           </p:nvPr>
         </p:nvSpPr>
-        <p:spPr>
-          <a:xfrm>
-            <a:off x="640080" y="1865724"/>
-            <a:ext cx="5608320" cy="3653188"/>
-          </a:xfrm>
-        </p:spPr>
+        <p:spPr/>
         <p:txBody>
           <a:bodyPr/>
           <a:lstStyle/>
           <a:p>
             <a:r>
-              <a:rPr lang="en-US" sz="2400" dirty="0" smtClean="0"/>
-              <a:t>Feature rich</a:t>
+              <a:rPr lang="en-US" dirty="0"/>
+              <a:t>With agile in </a:t>
             </a:r>
-          </a:p>
-          <a:p>
             <a:r>
-              <a:rPr lang="en-US" sz="2400" dirty="0" smtClean="0"/>
-              <a:t>Support multiple types of project</a:t>
+              <a:rPr lang="en-US" b="1" dirty="0"/>
+              <a:t>Microsoft Project</a:t>
             </a:r>
-          </a:p>
-          <a:p>
             <a:r>
-              <a:rPr lang="en-US" sz="2400" dirty="0" smtClean="0"/>
-              <a:t>Can work offline</a:t>
+              <a:rPr lang="en-US" dirty="0"/>
+              <a:t>, you can manage agile projects by using simple, visual task boards that support Scrum, Kanban, or custom workflows. Choose whatever methodology makes sense for your </a:t>
             </a:r>
-            <a:endParaRPr lang="en-US" sz="2400" dirty="0"/>
+            <a:r>
+              <a:rPr lang="en-US" b="1" dirty="0"/>
+              <a:t>project</a:t>
+            </a:r>
+            <a:r>
+              <a:rPr lang="en-US" dirty="0"/>
+              <a:t>: agile, waterfall, or hybrid. </a:t>
+            </a:r>
           </a:p>
         </p:txBody>
       </p:sp>
-      <p:sp>
-        <p:nvSpPr>
-          <p:cNvPr id="20" name="Text Placeholder 19">
-            <a:extLst>
-              <a:ext uri="{FF2B5EF4-FFF2-40B4-BE49-F238E27FC236}">
-                <a16:creationId xmlns:a16="http://schemas.microsoft.com/office/drawing/2014/main" id="{EF7D456B-7C3B-486F-804B-C2860F61E5F7}"/>
-              </a:ext>
-            </a:extLst>
-          </p:cNvPr>
-          <p:cNvSpPr>
-            <a:spLocks noGrp="1"/>
-          </p:cNvSpPr>
+      <p:pic>
+        <p:nvPicPr>
+          <p:cNvPr id="3" name="Picture Placeholder 2"/>
+          <p:cNvPicPr>
+            <a:picLocks noGrp="1" noChangeAspect="1"/>
+          </p:cNvPicPr>
           <p:nvPr>
-            <p:ph type="body" sz="quarter" idx="16"/>
+            <p:ph type="pic" sz="quarter" idx="14"/>
           </p:nvPr>
-        </p:nvSpPr>
+        </p:nvPicPr>
+        <p:blipFill>
+          <a:blip r:embed="rId2">
+            <a:extLst>
+              <a:ext uri="{28A0092B-C50C-407E-A947-70E740481C1C}">
+                <a14:useLocalDpi xmlns:a14="http://schemas.microsoft.com/office/drawing/2010/main" val="0"/>
+              </a:ext>
+            </a:extLst>
+          </a:blip>
+          <a:srcRect l="21861" r="21861"/>
+          <a:stretch>
+            <a:fillRect/>
+          </a:stretch>
+        </p:blipFill>
+        <p:spPr/>
+      </p:pic>
+      <p:pic>
+        <p:nvPicPr>
+          <p:cNvPr id="7" name="Picture 6"/>
+          <p:cNvPicPr>
+            <a:picLocks noChangeAspect="1"/>
+          </p:cNvPicPr>
+          <p:nvPr/>
+        </p:nvPicPr>
+        <p:blipFill>
+          <a:blip r:embed="rId3"/>
+          <a:stretch>
+            <a:fillRect/>
+          </a:stretch>
+        </p:blipFill>
         <p:spPr>
           <a:xfrm>
-            <a:off x="6622992" y="1865724"/>
-            <a:ext cx="4997499" cy="3653188"/>
-          </a:xfrm>
+            <a:off x="831849" y="335810"/>
+            <a:ext cx="1495425" cy="1495425"/>
+          </a:xfrm>
+          <a:prstGeom prst="rect">
+            <a:avLst/>
+          </a:prstGeom>
         </p:spPr>
-        <p:txBody>
-          <a:bodyPr/>
-          <a:lstStyle/>
-          <a:p>
-            <a:r>
-              <a:rPr lang="en-US" sz="2400" dirty="0" smtClean="0"/>
-              <a:t>It’s expensive</a:t>
-            </a:r>
-          </a:p>
-          <a:p>
-            <a:r>
-              <a:rPr lang="en-US" sz="2400" dirty="0" smtClean="0"/>
-              <a:t>Platform dependent</a:t>
-            </a:r>
-          </a:p>
-          <a:p>
-            <a:r>
-              <a:rPr lang="en-US" sz="2400" dirty="0" smtClean="0"/>
-              <a:t>Must install to use</a:t>
-            </a:r>
-            <a:endParaRPr lang="en-US" sz="2400" dirty="0"/>
-          </a:p>
-        </p:txBody>
-      </p:sp>
-      <p:sp>
-        <p:nvSpPr>
-          <p:cNvPr id="53" name="Slide Number Placeholder 52">
-            <a:extLst>
-              <a:ext uri="{FF2B5EF4-FFF2-40B4-BE49-F238E27FC236}">
-                <a16:creationId xmlns:a16="http://schemas.microsoft.com/office/drawing/2014/main" id="{D674A398-A2D9-421A-AAC4-14E16A9A1488}"/>
-              </a:ext>
-            </a:extLst>
-          </p:cNvPr>
-          <p:cNvSpPr>
-            <a:spLocks noGrp="1"/>
-          </p:cNvSpPr>
-          <p:nvPr>
-            <p:ph type="sldNum" sz="quarter" idx="19"/>
-          </p:nvPr>
-        </p:nvSpPr>
-        <p:spPr>
-          <a:xfrm>
-            <a:off x="11230806" y="6315166"/>
-            <a:ext cx="389686" cy="393610"/>
-          </a:xfrm>
-        </p:spPr>
-        <p:txBody>
-          <a:bodyPr/>
-          <a:lstStyle/>
-          <a:p>
-            <a:fld id="{DCB4E619-4CA9-4A22-920F-20396BF50470}" type="slidenum">
-              <a:rPr lang="en-US" smtClean="0"/>
-              <a:pPr/>
-              <a:t>10</a:t>
-            </a:fld>
-            <a:endParaRPr lang="en-US" dirty="0"/>
-          </a:p>
-        </p:txBody>
-      </p:sp>
+      </p:pic>
     </p:spTree>
     <p:extLst>
       <p:ext uri="{BB962C8B-B14F-4D97-AF65-F5344CB8AC3E}">
-        <p14:creationId xmlns:p14="http://schemas.microsoft.com/office/powerpoint/2010/main" val="3298541430"/>
+        <p14:creationId xmlns:p14="http://schemas.microsoft.com/office/powerpoint/2010/main" val="1432470125"/>
       </p:ext>
     </p:extLst>
   </p:cSld>
@@ -22257,10 +22213,10 @@
       </p:grpSpPr>
       <p:sp>
         <p:nvSpPr>
-          <p:cNvPr id="22" name="Title 21">
+          <p:cNvPr id="17" name="Title 16">
             <a:extLst>
               <a:ext uri="{FF2B5EF4-FFF2-40B4-BE49-F238E27FC236}">
-                <a16:creationId xmlns:a16="http://schemas.microsoft.com/office/drawing/2014/main" id="{F635AA92-1D29-4831-89E4-1B49C265FA6C}"/>
+                <a16:creationId xmlns:a16="http://schemas.microsoft.com/office/drawing/2014/main" id="{96B69F7F-7BDF-4049-AB94-D24D1055CFD1}"/>
               </a:ext>
             </a:extLst>
           </p:cNvPr>
@@ -22271,25 +22227,30 @@
             <p:ph type="title"/>
           </p:nvPr>
         </p:nvSpPr>
-        <p:spPr/>
+        <p:spPr>
+          <a:xfrm>
+            <a:off x="640079" y="-155981"/>
+            <a:ext cx="5910095" cy="1480711"/>
+          </a:xfrm>
+        </p:spPr>
         <p:txBody>
           <a:bodyPr/>
           <a:lstStyle/>
           <a:p>
             <a:r>
-              <a:rPr lang="en-GB" dirty="0" smtClean="0"/>
-              <a:t>REDMINE</a:t>
+              <a:rPr lang="en-US" dirty="0" smtClean="0"/>
+              <a:t>Pros &amp; Cons</a:t>
             </a:r>
-            <a:endParaRPr lang="en-GB" dirty="0"/>
+            <a:endParaRPr lang="en-US" dirty="0"/>
           </a:p>
         </p:txBody>
       </p:sp>
       <p:sp>
         <p:nvSpPr>
-          <p:cNvPr id="26" name="Text Placeholder 25">
+          <p:cNvPr id="19" name="Text Placeholder 18">
             <a:extLst>
               <a:ext uri="{FF2B5EF4-FFF2-40B4-BE49-F238E27FC236}">
-                <a16:creationId xmlns:a16="http://schemas.microsoft.com/office/drawing/2014/main" id="{15AFB5E9-384C-4F94-802F-F7BDC044F196}"/>
+                <a16:creationId xmlns:a16="http://schemas.microsoft.com/office/drawing/2014/main" id="{4024D790-0AE9-488A-A1A9-F732CD7A0F1E}"/>
               </a:ext>
             </a:extLst>
           </p:cNvPr>
@@ -22297,102 +22258,124 @@
             <a:spLocks noGrp="1"/>
           </p:cNvSpPr>
           <p:nvPr>
-            <p:ph type="body" idx="1"/>
+            <p:ph type="body" sz="quarter" idx="15"/>
           </p:nvPr>
         </p:nvSpPr>
-        <p:spPr/>
+        <p:spPr>
+          <a:xfrm>
+            <a:off x="640080" y="1865724"/>
+            <a:ext cx="5608320" cy="3653188"/>
+          </a:xfrm>
+        </p:spPr>
         <p:txBody>
           <a:bodyPr/>
           <a:lstStyle/>
           <a:p>
             <a:r>
-              <a:rPr lang="en-US" dirty="0" err="1"/>
-              <a:t>Redmine</a:t>
+              <a:rPr lang="en-US" sz="2400" dirty="0" smtClean="0"/>
+              <a:t>Feature rich</a:t>
             </a:r>
+          </a:p>
+          <a:p>
             <a:r>
-              <a:rPr lang="en-US" dirty="0"/>
-              <a:t> is a flexible project management web application. Written using the Ruby on Rails framework, it is cross-platform and cross-database.</a:t>
+              <a:rPr lang="en-US" sz="2400" dirty="0" smtClean="0"/>
+              <a:t>Support multiple types of project</a:t>
             </a:r>
           </a:p>
           <a:p>
             <a:r>
-              <a:rPr lang="en-US" dirty="0" err="1"/>
-              <a:t>Redmine</a:t>
+              <a:rPr lang="en-US" sz="2400" dirty="0" smtClean="0"/>
+              <a:t>Can work offline</a:t>
             </a:r>
-            <a:r>
-              <a:rPr lang="en-US" dirty="0"/>
-              <a:t> is open source and released under the terms of the </a:t>
-            </a:r>
-            <a:r>
-              <a:rPr lang="en-US" dirty="0" smtClean="0"/>
-              <a:t>GPL.</a:t>
-            </a:r>
-            <a:endParaRPr lang="en-US" dirty="0"/>
-          </a:p>
-          <a:p>
-            <a:endParaRPr lang="en-US" dirty="0"/>
+            <a:endParaRPr lang="en-US" sz="2400" dirty="0"/>
           </a:p>
         </p:txBody>
       </p:sp>
-      <p:pic>
-        <p:nvPicPr>
-          <p:cNvPr id="6" name="Picture Placeholder 5"/>
-          <p:cNvPicPr>
-            <a:picLocks noGrp="1" noChangeAspect="1"/>
-          </p:cNvPicPr>
+      <p:sp>
+        <p:nvSpPr>
+          <p:cNvPr id="20" name="Text Placeholder 19">
+            <a:extLst>
+              <a:ext uri="{FF2B5EF4-FFF2-40B4-BE49-F238E27FC236}">
+                <a16:creationId xmlns:a16="http://schemas.microsoft.com/office/drawing/2014/main" id="{EF7D456B-7C3B-486F-804B-C2860F61E5F7}"/>
+              </a:ext>
+            </a:extLst>
+          </p:cNvPr>
+          <p:cNvSpPr>
+            <a:spLocks noGrp="1"/>
+          </p:cNvSpPr>
           <p:nvPr>
-            <p:ph type="pic" sz="quarter" idx="14"/>
+            <p:ph type="body" sz="quarter" idx="16"/>
           </p:nvPr>
-        </p:nvPicPr>
-        <p:blipFill>
-          <a:blip r:embed="rId2">
-            <a:extLst>
-              <a:ext uri="{28A0092B-C50C-407E-A947-70E740481C1C}">
-                <a14:useLocalDpi xmlns:a14="http://schemas.microsoft.com/office/drawing/2010/main" val="0"/>
-              </a:ext>
-            </a:extLst>
-          </a:blip>
-          <a:srcRect l="21861" r="21861"/>
-          <a:stretch>
-            <a:fillRect/>
-          </a:stretch>
-        </p:blipFill>
-        <p:spPr/>
-      </p:pic>
-      <p:pic>
-        <p:nvPicPr>
-          <p:cNvPr id="8" name="Picture 7"/>
-          <p:cNvPicPr>
-            <a:picLocks noChangeAspect="1"/>
-          </p:cNvPicPr>
-          <p:nvPr/>
-        </p:nvPicPr>
-        <p:blipFill>
-          <a:blip r:embed="rId3">
-            <a:extLst>
-              <a:ext uri="{28A0092B-C50C-407E-A947-70E740481C1C}">
-                <a14:useLocalDpi xmlns:a14="http://schemas.microsoft.com/office/drawing/2010/main" val="0"/>
-              </a:ext>
-            </a:extLst>
-          </a:blip>
-          <a:stretch>
-            <a:fillRect/>
-          </a:stretch>
-        </p:blipFill>
+        </p:nvSpPr>
         <p:spPr>
           <a:xfrm>
-            <a:off x="6435366" y="983891"/>
-            <a:ext cx="5572125" cy="3714750"/>
-          </a:xfrm>
-          <a:prstGeom prst="rect">
-            <a:avLst/>
-          </a:prstGeom>
+            <a:off x="6622992" y="1865724"/>
+            <a:ext cx="4997499" cy="3653188"/>
+          </a:xfrm>
         </p:spPr>
-      </p:pic>
+        <p:txBody>
+          <a:bodyPr/>
+          <a:lstStyle/>
+          <a:p>
+            <a:r>
+              <a:rPr lang="en-US" sz="2400" dirty="0" smtClean="0"/>
+              <a:t>It’s expensive</a:t>
+            </a:r>
+          </a:p>
+          <a:p>
+            <a:r>
+              <a:rPr lang="en-US" sz="2400" dirty="0" smtClean="0"/>
+              <a:t>Platform dependent</a:t>
+            </a:r>
+          </a:p>
+          <a:p>
+            <a:r>
+              <a:rPr lang="en-US" sz="2400" dirty="0" smtClean="0"/>
+              <a:t>Must install to use</a:t>
+            </a:r>
+            <a:endParaRPr lang="en-US" sz="2400" dirty="0"/>
+          </a:p>
+        </p:txBody>
+      </p:sp>
+      <p:sp>
+        <p:nvSpPr>
+          <p:cNvPr id="53" name="Slide Number Placeholder 52">
+            <a:extLst>
+              <a:ext uri="{FF2B5EF4-FFF2-40B4-BE49-F238E27FC236}">
+                <a16:creationId xmlns:a16="http://schemas.microsoft.com/office/drawing/2014/main" id="{D674A398-A2D9-421A-AAC4-14E16A9A1488}"/>
+              </a:ext>
+            </a:extLst>
+          </p:cNvPr>
+          <p:cNvSpPr>
+            <a:spLocks noGrp="1"/>
+          </p:cNvSpPr>
+          <p:nvPr>
+            <p:ph type="sldNum" sz="quarter" idx="19"/>
+          </p:nvPr>
+        </p:nvSpPr>
+        <p:spPr>
+          <a:xfrm>
+            <a:off x="11230806" y="6315166"/>
+            <a:ext cx="389686" cy="393610"/>
+          </a:xfrm>
+        </p:spPr>
+        <p:txBody>
+          <a:bodyPr/>
+          <a:lstStyle/>
+          <a:p>
+            <a:fld id="{DCB4E619-4CA9-4A22-920F-20396BF50470}" type="slidenum">
+              <a:rPr lang="en-US" smtClean="0"/>
+              <a:pPr/>
+              <a:t>11</a:t>
+            </a:fld>
+            <a:endParaRPr lang="en-US" dirty="0"/>
+          </a:p>
+        </p:txBody>
+      </p:sp>
     </p:spTree>
     <p:extLst>
       <p:ext uri="{BB962C8B-B14F-4D97-AF65-F5344CB8AC3E}">
-        <p14:creationId xmlns:p14="http://schemas.microsoft.com/office/powerpoint/2010/main" val="57987677"/>
+        <p14:creationId xmlns:p14="http://schemas.microsoft.com/office/powerpoint/2010/main" val="3298541430"/>
       </p:ext>
     </p:extLst>
   </p:cSld>
@@ -22428,10 +22411,10 @@
       </p:grpSpPr>
       <p:sp>
         <p:nvSpPr>
-          <p:cNvPr id="17" name="Title 16">
+          <p:cNvPr id="22" name="Title 21">
             <a:extLst>
               <a:ext uri="{FF2B5EF4-FFF2-40B4-BE49-F238E27FC236}">
-                <a16:creationId xmlns:a16="http://schemas.microsoft.com/office/drawing/2014/main" id="{96B69F7F-7BDF-4049-AB94-D24D1055CFD1}"/>
+                <a16:creationId xmlns:a16="http://schemas.microsoft.com/office/drawing/2014/main" id="{F635AA92-1D29-4831-89E4-1B49C265FA6C}"/>
               </a:ext>
             </a:extLst>
           </p:cNvPr>
@@ -22442,30 +22425,25 @@
             <p:ph type="title"/>
           </p:nvPr>
         </p:nvSpPr>
-        <p:spPr>
-          <a:xfrm>
-            <a:off x="640079" y="-155981"/>
-            <a:ext cx="5910095" cy="1480711"/>
-          </a:xfrm>
-        </p:spPr>
+        <p:spPr/>
         <p:txBody>
           <a:bodyPr/>
           <a:lstStyle/>
           <a:p>
             <a:r>
-              <a:rPr lang="en-US" dirty="0" smtClean="0"/>
-              <a:t>Pros &amp; Cons</a:t>
+              <a:rPr lang="en-GB" dirty="0" smtClean="0"/>
+              <a:t>REDMINE</a:t>
             </a:r>
-            <a:endParaRPr lang="en-US" dirty="0"/>
+            <a:endParaRPr lang="en-GB" dirty="0"/>
           </a:p>
         </p:txBody>
       </p:sp>
       <p:sp>
         <p:nvSpPr>
-          <p:cNvPr id="19" name="Text Placeholder 18">
+          <p:cNvPr id="26" name="Text Placeholder 25">
             <a:extLst>
               <a:ext uri="{FF2B5EF4-FFF2-40B4-BE49-F238E27FC236}">
-                <a16:creationId xmlns:a16="http://schemas.microsoft.com/office/drawing/2014/main" id="{4024D790-0AE9-488A-A1A9-F732CD7A0F1E}"/>
+                <a16:creationId xmlns:a16="http://schemas.microsoft.com/office/drawing/2014/main" id="{15AFB5E9-384C-4F94-802F-F7BDC044F196}"/>
               </a:ext>
             </a:extLst>
           </p:cNvPr>
@@ -22473,156 +22451,102 @@
             <a:spLocks noGrp="1"/>
           </p:cNvSpPr>
           <p:nvPr>
-            <p:ph type="body" sz="quarter" idx="15"/>
+            <p:ph type="body" idx="1"/>
           </p:nvPr>
         </p:nvSpPr>
-        <p:spPr>
-          <a:xfrm>
-            <a:off x="640080" y="1865724"/>
-            <a:ext cx="5608320" cy="3653188"/>
-          </a:xfrm>
-        </p:spPr>
+        <p:spPr/>
         <p:txBody>
           <a:bodyPr/>
           <a:lstStyle/>
           <a:p>
             <a:r>
-              <a:rPr lang="en-US" sz="2400" dirty="0" smtClean="0"/>
-              <a:t>Free and open source</a:t>
-            </a:r>
-          </a:p>
-          <a:p>
-            <a:r>
-              <a:rPr lang="en-US" sz="2400" dirty="0" smtClean="0"/>
-              <a:t>Self hosting</a:t>
-            </a:r>
-          </a:p>
-          <a:p>
-            <a:r>
-              <a:rPr lang="en-US" sz="2400" dirty="0" smtClean="0"/>
-              <a:t>Cross database</a:t>
-            </a:r>
-          </a:p>
-          <a:p>
-            <a:r>
-              <a:rPr lang="en-US" sz="2400" dirty="0" smtClean="0"/>
-              <a:t>Easily customization</a:t>
-            </a:r>
-          </a:p>
-          <a:p>
-            <a:r>
-              <a:rPr lang="en-US" sz="2400" dirty="0" smtClean="0"/>
-              <a:t>Multiple </a:t>
-            </a:r>
-            <a:r>
-              <a:rPr lang="en-US" sz="2400" dirty="0" err="1" smtClean="0"/>
-              <a:t>addons</a:t>
-            </a:r>
-            <a:endParaRPr lang="en-US" sz="2400" dirty="0"/>
-          </a:p>
-        </p:txBody>
-      </p:sp>
-      <p:sp>
-        <p:nvSpPr>
-          <p:cNvPr id="20" name="Text Placeholder 19">
-            <a:extLst>
-              <a:ext uri="{FF2B5EF4-FFF2-40B4-BE49-F238E27FC236}">
-                <a16:creationId xmlns:a16="http://schemas.microsoft.com/office/drawing/2014/main" id="{EF7D456B-7C3B-486F-804B-C2860F61E5F7}"/>
-              </a:ext>
-            </a:extLst>
-          </p:cNvPr>
-          <p:cNvSpPr>
-            <a:spLocks noGrp="1"/>
-          </p:cNvSpPr>
-          <p:nvPr>
-            <p:ph type="body" sz="quarter" idx="16"/>
-          </p:nvPr>
-        </p:nvSpPr>
-        <p:spPr>
-          <a:xfrm>
-            <a:off x="6622992" y="1865724"/>
-            <a:ext cx="4997499" cy="3653188"/>
-          </a:xfrm>
-        </p:spPr>
-        <p:txBody>
-          <a:bodyPr/>
-          <a:lstStyle/>
-          <a:p>
-            <a:r>
-              <a:rPr lang="en-US" sz="2400" dirty="0" smtClean="0"/>
-              <a:t>Setting </a:t>
-            </a:r>
-            <a:r>
-              <a:rPr lang="en-US" sz="2400" dirty="0" err="1" smtClean="0"/>
+              <a:rPr lang="en-US" dirty="0" err="1"/>
               <a:t>Redmine</a:t>
             </a:r>
             <a:r>
-              <a:rPr lang="en-US" sz="2400" dirty="0" smtClean="0"/>
-              <a:t> is time confusing and require tech-</a:t>
+              <a:rPr lang="en-US" dirty="0"/>
+              <a:t> is a flexible project management web application. Written using the Ruby on Rails framework, it is cross-platform and cross-database.</a:t>
+            </a:r>
+          </a:p>
+          <a:p>
+            <a:r>
+              <a:rPr lang="en-US" dirty="0" err="1"/>
+              <a:t>Redmine</a:t>
             </a:r>
             <a:r>
-              <a:rPr lang="en-US" sz="2400" dirty="0" err="1" smtClean="0"/>
-              <a:t>savy</a:t>
+              <a:rPr lang="en-US" dirty="0"/>
+              <a:t> is open source and released under the terms of the </a:t>
             </a:r>
             <a:r>
-              <a:rPr lang="en-US" sz="2400" dirty="0" smtClean="0"/>
-              <a:t> knowledge.</a:t>
+              <a:rPr lang="en-US" dirty="0" smtClean="0"/>
+              <a:t>GPL.</a:t>
             </a:r>
-          </a:p>
-          <a:p>
-            <a:r>
-              <a:rPr lang="en-US" sz="2400" dirty="0" smtClean="0"/>
-              <a:t>High server memory usage</a:t>
-            </a:r>
-          </a:p>
-          <a:p>
-            <a:r>
-              <a:rPr lang="en-US" sz="2400" dirty="0" smtClean="0"/>
-              <a:t>Outdated UI – UX</a:t>
-            </a:r>
-            <a:endParaRPr lang="en-US" sz="2400" dirty="0"/>
+            <a:endParaRPr lang="en-US" dirty="0"/>
+          </a:p>
+          <a:p>
+            <a:endParaRPr lang="en-US" dirty="0"/>
           </a:p>
         </p:txBody>
       </p:sp>
-      <p:sp>
-        <p:nvSpPr>
-          <p:cNvPr id="53" name="Slide Number Placeholder 52">
-            <a:extLst>
-              <a:ext uri="{FF2B5EF4-FFF2-40B4-BE49-F238E27FC236}">
-                <a16:creationId xmlns:a16="http://schemas.microsoft.com/office/drawing/2014/main" id="{D674A398-A2D9-421A-AAC4-14E16A9A1488}"/>
-              </a:ext>
-            </a:extLst>
-          </p:cNvPr>
-          <p:cNvSpPr>
-            <a:spLocks noGrp="1"/>
-          </p:cNvSpPr>
+      <p:pic>
+        <p:nvPicPr>
+          <p:cNvPr id="6" name="Picture Placeholder 5"/>
+          <p:cNvPicPr>
+            <a:picLocks noGrp="1" noChangeAspect="1"/>
+          </p:cNvPicPr>
           <p:nvPr>
-            <p:ph type="sldNum" sz="quarter" idx="19"/>
+            <p:ph type="pic" sz="quarter" idx="14"/>
           </p:nvPr>
-        </p:nvSpPr>
+        </p:nvPicPr>
+        <p:blipFill>
+          <a:blip r:embed="rId2">
+            <a:extLst>
+              <a:ext uri="{28A0092B-C50C-407E-A947-70E740481C1C}">
+                <a14:useLocalDpi xmlns:a14="http://schemas.microsoft.com/office/drawing/2010/main" val="0"/>
+              </a:ext>
+            </a:extLst>
+          </a:blip>
+          <a:srcRect l="21861" r="21861"/>
+          <a:stretch>
+            <a:fillRect/>
+          </a:stretch>
+        </p:blipFill>
+        <p:spPr/>
+      </p:pic>
+      <p:pic>
+        <p:nvPicPr>
+          <p:cNvPr id="8" name="Picture 7"/>
+          <p:cNvPicPr>
+            <a:picLocks noChangeAspect="1"/>
+          </p:cNvPicPr>
+          <p:nvPr/>
+        </p:nvPicPr>
+        <p:blipFill>
+          <a:blip r:embed="rId3">
+            <a:extLst>
+              <a:ext uri="{28A0092B-C50C-407E-A947-70E740481C1C}">
+                <a14:useLocalDpi xmlns:a14="http://schemas.microsoft.com/office/drawing/2010/main" val="0"/>
+              </a:ext>
+            </a:extLst>
+          </a:blip>
+          <a:stretch>
+            <a:fillRect/>
+          </a:stretch>
+        </p:blipFill>
         <p:spPr>
           <a:xfrm>
-            <a:off x="11230806" y="6315166"/>
-            <a:ext cx="389686" cy="393610"/>
-          </a:xfrm>
+            <a:off x="6435366" y="983891"/>
+            <a:ext cx="5572125" cy="3714750"/>
+          </a:xfrm>
+          <a:prstGeom prst="rect">
+            <a:avLst/>
+          </a:prstGeom>
         </p:spPr>
-        <p:txBody>
-          <a:bodyPr/>
-          <a:lstStyle/>
-          <a:p>
-            <a:fld id="{DCB4E619-4CA9-4A22-920F-20396BF50470}" type="slidenum">
-              <a:rPr lang="en-US" smtClean="0"/>
-              <a:pPr/>
-              <a:t>12</a:t>
-            </a:fld>
-            <a:endParaRPr lang="en-US" dirty="0"/>
-          </a:p>
-        </p:txBody>
-      </p:sp>
+      </p:pic>
     </p:spTree>
     <p:extLst>
       <p:ext uri="{BB962C8B-B14F-4D97-AF65-F5344CB8AC3E}">
-        <p14:creationId xmlns:p14="http://schemas.microsoft.com/office/powerpoint/2010/main" val="3649715721"/>
+        <p14:creationId xmlns:p14="http://schemas.microsoft.com/office/powerpoint/2010/main" val="57987677"/>
       </p:ext>
     </p:extLst>
   </p:cSld>
@@ -22658,10 +22582,10 @@
       </p:grpSpPr>
       <p:sp>
         <p:nvSpPr>
-          <p:cNvPr id="22" name="Title 21">
+          <p:cNvPr id="17" name="Title 16">
             <a:extLst>
               <a:ext uri="{FF2B5EF4-FFF2-40B4-BE49-F238E27FC236}">
-                <a16:creationId xmlns:a16="http://schemas.microsoft.com/office/drawing/2014/main" id="{F635AA92-1D29-4831-89E4-1B49C265FA6C}"/>
+                <a16:creationId xmlns:a16="http://schemas.microsoft.com/office/drawing/2014/main" id="{96B69F7F-7BDF-4049-AB94-D24D1055CFD1}"/>
               </a:ext>
             </a:extLst>
           </p:cNvPr>
@@ -22672,100 +22596,187 @@
             <p:ph type="title"/>
           </p:nvPr>
         </p:nvSpPr>
-        <p:spPr/>
+        <p:spPr>
+          <a:xfrm>
+            <a:off x="640079" y="-155981"/>
+            <a:ext cx="5910095" cy="1480711"/>
+          </a:xfrm>
+        </p:spPr>
         <p:txBody>
           <a:bodyPr/>
           <a:lstStyle/>
           <a:p>
             <a:r>
               <a:rPr lang="en-US" dirty="0" smtClean="0"/>
-              <a:t>ZOHO</a:t>
+              <a:t>Pros &amp; Cons</a:t>
             </a:r>
-            <a:endParaRPr lang="en-GB" dirty="0"/>
+            <a:endParaRPr lang="en-US" dirty="0"/>
           </a:p>
         </p:txBody>
       </p:sp>
       <p:sp>
         <p:nvSpPr>
-          <p:cNvPr id="5" name="Text Placeholder 4"/>
+          <p:cNvPr id="19" name="Text Placeholder 18">
+            <a:extLst>
+              <a:ext uri="{FF2B5EF4-FFF2-40B4-BE49-F238E27FC236}">
+                <a16:creationId xmlns:a16="http://schemas.microsoft.com/office/drawing/2014/main" id="{4024D790-0AE9-488A-A1A9-F732CD7A0F1E}"/>
+              </a:ext>
+            </a:extLst>
+          </p:cNvPr>
           <p:cNvSpPr>
             <a:spLocks noGrp="1"/>
           </p:cNvSpPr>
           <p:nvPr>
-            <p:ph type="body" idx="1"/>
+            <p:ph type="body" sz="quarter" idx="15"/>
           </p:nvPr>
         </p:nvSpPr>
-        <p:spPr/>
+        <p:spPr>
+          <a:xfrm>
+            <a:off x="640080" y="1865724"/>
+            <a:ext cx="5608320" cy="3653188"/>
+          </a:xfrm>
+        </p:spPr>
         <p:txBody>
           <a:bodyPr/>
           <a:lstStyle/>
           <a:p>
             <a:r>
-              <a:rPr lang="en-US" dirty="0"/>
-              <a:t>Unique and powerful suite of software to run your entire business, brought to you by a company with the long term vision to transform the way you work. </a:t>
+              <a:rPr lang="en-US" sz="2400" dirty="0" smtClean="0"/>
+              <a:t>Free and open source</a:t>
             </a:r>
+          </a:p>
+          <a:p>
+            <a:r>
+              <a:rPr lang="en-US" sz="2400" dirty="0" smtClean="0"/>
+              <a:t>Self hosting</a:t>
+            </a:r>
+          </a:p>
+          <a:p>
+            <a:r>
+              <a:rPr lang="en-US" sz="2400" dirty="0" smtClean="0"/>
+              <a:t>Cross database</a:t>
+            </a:r>
+          </a:p>
+          <a:p>
+            <a:r>
+              <a:rPr lang="en-US" sz="2400" dirty="0" smtClean="0"/>
+              <a:t>Easily customization</a:t>
+            </a:r>
+          </a:p>
+          <a:p>
+            <a:r>
+              <a:rPr lang="en-US" sz="2400" dirty="0" smtClean="0"/>
+              <a:t>Multiple </a:t>
+            </a:r>
+            <a:r>
+              <a:rPr lang="en-US" sz="2400" dirty="0" err="1" smtClean="0"/>
+              <a:t>addons</a:t>
+            </a:r>
+            <a:endParaRPr lang="en-US" sz="2400" dirty="0"/>
           </a:p>
         </p:txBody>
       </p:sp>
-      <p:pic>
-        <p:nvPicPr>
-          <p:cNvPr id="4" name="Picture Placeholder 3"/>
-          <p:cNvPicPr>
-            <a:picLocks noGrp="1" noChangeAspect="1"/>
-          </p:cNvPicPr>
+      <p:sp>
+        <p:nvSpPr>
+          <p:cNvPr id="20" name="Text Placeholder 19">
+            <a:extLst>
+              <a:ext uri="{FF2B5EF4-FFF2-40B4-BE49-F238E27FC236}">
+                <a16:creationId xmlns:a16="http://schemas.microsoft.com/office/drawing/2014/main" id="{EF7D456B-7C3B-486F-804B-C2860F61E5F7}"/>
+              </a:ext>
+            </a:extLst>
+          </p:cNvPr>
+          <p:cNvSpPr>
+            <a:spLocks noGrp="1"/>
+          </p:cNvSpPr>
           <p:nvPr>
-            <p:ph type="pic" sz="quarter" idx="14"/>
+            <p:ph type="body" sz="quarter" idx="16"/>
           </p:nvPr>
-        </p:nvPicPr>
-        <p:blipFill>
-          <a:blip r:embed="rId2">
-            <a:extLst>
-              <a:ext uri="{28A0092B-C50C-407E-A947-70E740481C1C}">
-                <a14:useLocalDpi xmlns:a14="http://schemas.microsoft.com/office/drawing/2010/main" val="0"/>
-              </a:ext>
-            </a:extLst>
-          </a:blip>
-          <a:srcRect l="21239" r="21239"/>
-          <a:stretch>
-            <a:fillRect/>
-          </a:stretch>
-        </p:blipFill>
-        <p:spPr/>
-      </p:pic>
-      <p:pic>
-        <p:nvPicPr>
-          <p:cNvPr id="8" name="Picture 7"/>
-          <p:cNvPicPr>
-            <a:picLocks noChangeAspect="1"/>
-          </p:cNvPicPr>
-          <p:nvPr/>
-        </p:nvPicPr>
-        <p:blipFill>
-          <a:blip r:embed="rId3">
-            <a:extLst>
-              <a:ext uri="{28A0092B-C50C-407E-A947-70E740481C1C}">
-                <a14:useLocalDpi xmlns:a14="http://schemas.microsoft.com/office/drawing/2010/main" val="0"/>
-              </a:ext>
-            </a:extLst>
-          </a:blip>
-          <a:stretch>
-            <a:fillRect/>
-          </a:stretch>
-        </p:blipFill>
+        </p:nvSpPr>
         <p:spPr>
           <a:xfrm>
-            <a:off x="831849" y="539750"/>
-            <a:ext cx="2095500" cy="723900"/>
-          </a:xfrm>
-          <a:prstGeom prst="rect">
-            <a:avLst/>
-          </a:prstGeom>
+            <a:off x="6622992" y="1865724"/>
+            <a:ext cx="4997499" cy="3653188"/>
+          </a:xfrm>
         </p:spPr>
-      </p:pic>
+        <p:txBody>
+          <a:bodyPr/>
+          <a:lstStyle/>
+          <a:p>
+            <a:r>
+              <a:rPr lang="en-US" sz="2400" dirty="0" smtClean="0"/>
+              <a:t>Setting </a:t>
+            </a:r>
+            <a:r>
+              <a:rPr lang="en-US" sz="2400" dirty="0" err="1" smtClean="0"/>
+              <a:t>Redmine</a:t>
+            </a:r>
+            <a:r>
+              <a:rPr lang="en-US" sz="2400" dirty="0" smtClean="0"/>
+              <a:t> is time confusing and require tech-</a:t>
+            </a:r>
+            <a:r>
+              <a:rPr lang="en-US" sz="2400" dirty="0" err="1" smtClean="0"/>
+              <a:t>savy</a:t>
+            </a:r>
+            <a:r>
+              <a:rPr lang="en-US" sz="2400" dirty="0" smtClean="0"/>
+              <a:t> knowledge.</a:t>
+            </a:r>
+          </a:p>
+          <a:p>
+            <a:r>
+              <a:rPr lang="en-US" sz="2400" dirty="0" smtClean="0"/>
+              <a:t>High server memory usage</a:t>
+            </a:r>
+          </a:p>
+          <a:p>
+            <a:r>
+              <a:rPr lang="en-US" sz="2400" dirty="0" smtClean="0"/>
+              <a:t>Outdated UI – UX</a:t>
+            </a:r>
+            <a:endParaRPr lang="en-US" sz="2400" dirty="0"/>
+          </a:p>
+        </p:txBody>
+      </p:sp>
+      <p:sp>
+        <p:nvSpPr>
+          <p:cNvPr id="53" name="Slide Number Placeholder 52">
+            <a:extLst>
+              <a:ext uri="{FF2B5EF4-FFF2-40B4-BE49-F238E27FC236}">
+                <a16:creationId xmlns:a16="http://schemas.microsoft.com/office/drawing/2014/main" id="{D674A398-A2D9-421A-AAC4-14E16A9A1488}"/>
+              </a:ext>
+            </a:extLst>
+          </p:cNvPr>
+          <p:cNvSpPr>
+            <a:spLocks noGrp="1"/>
+          </p:cNvSpPr>
+          <p:nvPr>
+            <p:ph type="sldNum" sz="quarter" idx="19"/>
+          </p:nvPr>
+        </p:nvSpPr>
+        <p:spPr>
+          <a:xfrm>
+            <a:off x="11230806" y="6315166"/>
+            <a:ext cx="389686" cy="393610"/>
+          </a:xfrm>
+        </p:spPr>
+        <p:txBody>
+          <a:bodyPr/>
+          <a:lstStyle/>
+          <a:p>
+            <a:fld id="{DCB4E619-4CA9-4A22-920F-20396BF50470}" type="slidenum">
+              <a:rPr lang="en-US" smtClean="0"/>
+              <a:pPr/>
+              <a:t>13</a:t>
+            </a:fld>
+            <a:endParaRPr lang="en-US" dirty="0"/>
+          </a:p>
+        </p:txBody>
+      </p:sp>
     </p:spTree>
     <p:extLst>
       <p:ext uri="{BB962C8B-B14F-4D97-AF65-F5344CB8AC3E}">
-        <p14:creationId xmlns:p14="http://schemas.microsoft.com/office/powerpoint/2010/main" val="1606965739"/>
+        <p14:creationId xmlns:p14="http://schemas.microsoft.com/office/powerpoint/2010/main" val="3649715721"/>
       </p:ext>
     </p:extLst>
   </p:cSld>
@@ -22801,10 +22812,10 @@
       </p:grpSpPr>
       <p:sp>
         <p:nvSpPr>
-          <p:cNvPr id="17" name="Title 16">
+          <p:cNvPr id="22" name="Title 21">
             <a:extLst>
               <a:ext uri="{FF2B5EF4-FFF2-40B4-BE49-F238E27FC236}">
-                <a16:creationId xmlns:a16="http://schemas.microsoft.com/office/drawing/2014/main" id="{96B69F7F-7BDF-4049-AB94-D24D1055CFD1}"/>
+                <a16:creationId xmlns:a16="http://schemas.microsoft.com/office/drawing/2014/main" id="{F635AA92-1D29-4831-89E4-1B49C265FA6C}"/>
               </a:ext>
             </a:extLst>
           </p:cNvPr>
@@ -22815,187 +22826,100 @@
             <p:ph type="title"/>
           </p:nvPr>
         </p:nvSpPr>
-        <p:spPr>
-          <a:xfrm>
-            <a:off x="640079" y="-155981"/>
-            <a:ext cx="5910095" cy="1480711"/>
-          </a:xfrm>
-        </p:spPr>
+        <p:spPr/>
         <p:txBody>
           <a:bodyPr/>
           <a:lstStyle/>
           <a:p>
             <a:r>
               <a:rPr lang="en-US" dirty="0" smtClean="0"/>
-              <a:t>Pros &amp; Cons</a:t>
+              <a:t>ZOHO</a:t>
             </a:r>
-            <a:endParaRPr lang="en-US" dirty="0"/>
+            <a:endParaRPr lang="en-GB" dirty="0"/>
           </a:p>
         </p:txBody>
       </p:sp>
       <p:sp>
         <p:nvSpPr>
-          <p:cNvPr id="19" name="Text Placeholder 18">
-            <a:extLst>
-              <a:ext uri="{FF2B5EF4-FFF2-40B4-BE49-F238E27FC236}">
-                <a16:creationId xmlns:a16="http://schemas.microsoft.com/office/drawing/2014/main" id="{4024D790-0AE9-488A-A1A9-F732CD7A0F1E}"/>
-              </a:ext>
-            </a:extLst>
-          </p:cNvPr>
+          <p:cNvPr id="5" name="Text Placeholder 4"/>
           <p:cNvSpPr>
             <a:spLocks noGrp="1"/>
           </p:cNvSpPr>
           <p:nvPr>
-            <p:ph type="body" sz="quarter" idx="15"/>
+            <p:ph type="body" idx="1"/>
           </p:nvPr>
         </p:nvSpPr>
-        <p:spPr>
-          <a:xfrm>
-            <a:off x="640080" y="1865724"/>
-            <a:ext cx="5608320" cy="3653188"/>
-          </a:xfrm>
-        </p:spPr>
+        <p:spPr/>
         <p:txBody>
           <a:bodyPr/>
           <a:lstStyle/>
           <a:p>
             <a:r>
-              <a:rPr lang="en-US" sz="2400" dirty="0" smtClean="0"/>
-              <a:t>Free and open source</a:t>
+              <a:rPr lang="en-US" dirty="0"/>
+              <a:t>Unique and powerful suite of software to run your entire business, brought to you by a company with the long term vision to transform the way you work. </a:t>
             </a:r>
-          </a:p>
-          <a:p>
-            <a:r>
-              <a:rPr lang="en-US" sz="2400" dirty="0" smtClean="0"/>
-              <a:t>Self hosting</a:t>
-            </a:r>
-          </a:p>
-          <a:p>
-            <a:r>
-              <a:rPr lang="en-US" sz="2400" dirty="0" smtClean="0"/>
-              <a:t>Cross database</a:t>
-            </a:r>
-          </a:p>
-          <a:p>
-            <a:r>
-              <a:rPr lang="en-US" sz="2400" dirty="0" smtClean="0"/>
-              <a:t>Easily customization</a:t>
-            </a:r>
-          </a:p>
-          <a:p>
-            <a:r>
-              <a:rPr lang="en-US" sz="2400" dirty="0" smtClean="0"/>
-              <a:t>Multiple </a:t>
-            </a:r>
-            <a:r>
-              <a:rPr lang="en-US" sz="2400" dirty="0" err="1" smtClean="0"/>
-              <a:t>addons</a:t>
-            </a:r>
-            <a:endParaRPr lang="en-US" sz="2400" dirty="0"/>
           </a:p>
         </p:txBody>
       </p:sp>
-      <p:sp>
-        <p:nvSpPr>
-          <p:cNvPr id="20" name="Text Placeholder 19">
-            <a:extLst>
-              <a:ext uri="{FF2B5EF4-FFF2-40B4-BE49-F238E27FC236}">
-                <a16:creationId xmlns:a16="http://schemas.microsoft.com/office/drawing/2014/main" id="{EF7D456B-7C3B-486F-804B-C2860F61E5F7}"/>
-              </a:ext>
-            </a:extLst>
-          </p:cNvPr>
-          <p:cNvSpPr>
-            <a:spLocks noGrp="1"/>
-          </p:cNvSpPr>
+      <p:pic>
+        <p:nvPicPr>
+          <p:cNvPr id="4" name="Picture Placeholder 3"/>
+          <p:cNvPicPr>
+            <a:picLocks noGrp="1" noChangeAspect="1"/>
+          </p:cNvPicPr>
           <p:nvPr>
-            <p:ph type="body" sz="quarter" idx="16"/>
+            <p:ph type="pic" sz="quarter" idx="14"/>
           </p:nvPr>
-        </p:nvSpPr>
+        </p:nvPicPr>
+        <p:blipFill>
+          <a:blip r:embed="rId2">
+            <a:extLst>
+              <a:ext uri="{28A0092B-C50C-407E-A947-70E740481C1C}">
+                <a14:useLocalDpi xmlns:a14="http://schemas.microsoft.com/office/drawing/2010/main" val="0"/>
+              </a:ext>
+            </a:extLst>
+          </a:blip>
+          <a:srcRect l="21239" r="21239"/>
+          <a:stretch>
+            <a:fillRect/>
+          </a:stretch>
+        </p:blipFill>
+        <p:spPr/>
+      </p:pic>
+      <p:pic>
+        <p:nvPicPr>
+          <p:cNvPr id="8" name="Picture 7"/>
+          <p:cNvPicPr>
+            <a:picLocks noChangeAspect="1"/>
+          </p:cNvPicPr>
+          <p:nvPr/>
+        </p:nvPicPr>
+        <p:blipFill>
+          <a:blip r:embed="rId3">
+            <a:extLst>
+              <a:ext uri="{28A0092B-C50C-407E-A947-70E740481C1C}">
+                <a14:useLocalDpi xmlns:a14="http://schemas.microsoft.com/office/drawing/2010/main" val="0"/>
+              </a:ext>
+            </a:extLst>
+          </a:blip>
+          <a:stretch>
+            <a:fillRect/>
+          </a:stretch>
+        </p:blipFill>
         <p:spPr>
           <a:xfrm>
-            <a:off x="6622992" y="1865724"/>
-            <a:ext cx="4997499" cy="3653188"/>
-          </a:xfrm>
+            <a:off x="831849" y="539750"/>
+            <a:ext cx="2095500" cy="723900"/>
+          </a:xfrm>
+          <a:prstGeom prst="rect">
+            <a:avLst/>
+          </a:prstGeom>
         </p:spPr>
-        <p:txBody>
-          <a:bodyPr/>
-          <a:lstStyle/>
-          <a:p>
-            <a:r>
-              <a:rPr lang="en-US" sz="2400" dirty="0" smtClean="0"/>
-              <a:t>Setting </a:t>
-            </a:r>
-            <a:r>
-              <a:rPr lang="en-US" sz="2400" dirty="0" err="1" smtClean="0"/>
-              <a:t>Redmine</a:t>
-            </a:r>
-            <a:r>
-              <a:rPr lang="en-US" sz="2400" dirty="0" smtClean="0"/>
-              <a:t> is time confusing and require tech-</a:t>
-            </a:r>
-            <a:r>
-              <a:rPr lang="en-US" sz="2400" dirty="0" err="1" smtClean="0"/>
-              <a:t>savy</a:t>
-            </a:r>
-            <a:r>
-              <a:rPr lang="en-US" sz="2400" dirty="0" smtClean="0"/>
-              <a:t> knowledge.</a:t>
-            </a:r>
-          </a:p>
-          <a:p>
-            <a:r>
-              <a:rPr lang="en-US" sz="2400" dirty="0" smtClean="0"/>
-              <a:t>High server memory usage</a:t>
-            </a:r>
-          </a:p>
-          <a:p>
-            <a:r>
-              <a:rPr lang="en-US" sz="2400" dirty="0" smtClean="0"/>
-              <a:t>Outdated UI – UX</a:t>
-            </a:r>
-            <a:endParaRPr lang="en-US" sz="2400" dirty="0"/>
-          </a:p>
-        </p:txBody>
-      </p:sp>
-      <p:sp>
-        <p:nvSpPr>
-          <p:cNvPr id="53" name="Slide Number Placeholder 52">
-            <a:extLst>
-              <a:ext uri="{FF2B5EF4-FFF2-40B4-BE49-F238E27FC236}">
-                <a16:creationId xmlns:a16="http://schemas.microsoft.com/office/drawing/2014/main" id="{D674A398-A2D9-421A-AAC4-14E16A9A1488}"/>
-              </a:ext>
-            </a:extLst>
-          </p:cNvPr>
-          <p:cNvSpPr>
-            <a:spLocks noGrp="1"/>
-          </p:cNvSpPr>
-          <p:nvPr>
-            <p:ph type="sldNum" sz="quarter" idx="19"/>
-          </p:nvPr>
-        </p:nvSpPr>
-        <p:spPr>
-          <a:xfrm>
-            <a:off x="11230806" y="6315166"/>
-            <a:ext cx="389686" cy="393610"/>
-          </a:xfrm>
-        </p:spPr>
-        <p:txBody>
-          <a:bodyPr/>
-          <a:lstStyle/>
-          <a:p>
-            <a:fld id="{DCB4E619-4CA9-4A22-920F-20396BF50470}" type="slidenum">
-              <a:rPr lang="en-US" smtClean="0"/>
-              <a:pPr/>
-              <a:t>14</a:t>
-            </a:fld>
-            <a:endParaRPr lang="en-US" dirty="0"/>
-          </a:p>
-        </p:txBody>
-      </p:sp>
+      </p:pic>
     </p:spTree>
     <p:extLst>
       <p:ext uri="{BB962C8B-B14F-4D97-AF65-F5344CB8AC3E}">
-        <p14:creationId xmlns:p14="http://schemas.microsoft.com/office/powerpoint/2010/main" val="1498540431"/>
+        <p14:creationId xmlns:p14="http://schemas.microsoft.com/office/powerpoint/2010/main" val="1606965739"/>
       </p:ext>
     </p:extLst>
   </p:cSld>
@@ -23031,10 +22955,10 @@
       </p:grpSpPr>
       <p:sp>
         <p:nvSpPr>
-          <p:cNvPr id="22" name="Title 21">
+          <p:cNvPr id="17" name="Title 16">
             <a:extLst>
               <a:ext uri="{FF2B5EF4-FFF2-40B4-BE49-F238E27FC236}">
-                <a16:creationId xmlns:a16="http://schemas.microsoft.com/office/drawing/2014/main" id="{F635AA92-1D29-4831-89E4-1B49C265FA6C}"/>
+                <a16:creationId xmlns:a16="http://schemas.microsoft.com/office/drawing/2014/main" id="{96B69F7F-7BDF-4049-AB94-D24D1055CFD1}"/>
               </a:ext>
             </a:extLst>
           </p:cNvPr>
@@ -23045,112 +22969,187 @@
             <p:ph type="title"/>
           </p:nvPr>
         </p:nvSpPr>
-        <p:spPr/>
+        <p:spPr>
+          <a:xfrm>
+            <a:off x="640079" y="-155981"/>
+            <a:ext cx="5910095" cy="1480711"/>
+          </a:xfrm>
+        </p:spPr>
         <p:txBody>
           <a:bodyPr/>
           <a:lstStyle/>
           <a:p>
             <a:r>
               <a:rPr lang="en-US" dirty="0" smtClean="0"/>
-              <a:t>WRIKE</a:t>
+              <a:t>Pros &amp; Cons</a:t>
             </a:r>
-            <a:endParaRPr lang="en-GB" dirty="0"/>
+            <a:endParaRPr lang="en-US" dirty="0"/>
           </a:p>
         </p:txBody>
       </p:sp>
       <p:sp>
         <p:nvSpPr>
-          <p:cNvPr id="5" name="Text Placeholder 4"/>
+          <p:cNvPr id="19" name="Text Placeholder 18">
+            <a:extLst>
+              <a:ext uri="{FF2B5EF4-FFF2-40B4-BE49-F238E27FC236}">
+                <a16:creationId xmlns:a16="http://schemas.microsoft.com/office/drawing/2014/main" id="{4024D790-0AE9-488A-A1A9-F732CD7A0F1E}"/>
+              </a:ext>
+            </a:extLst>
+          </p:cNvPr>
           <p:cNvSpPr>
             <a:spLocks noGrp="1"/>
           </p:cNvSpPr>
           <p:nvPr>
-            <p:ph type="body" idx="1"/>
+            <p:ph type="body" sz="quarter" idx="15"/>
           </p:nvPr>
         </p:nvSpPr>
-        <p:spPr/>
+        <p:spPr>
+          <a:xfrm>
+            <a:off x="640080" y="1865724"/>
+            <a:ext cx="5608320" cy="3653188"/>
+          </a:xfrm>
+        </p:spPr>
         <p:txBody>
           <a:bodyPr/>
           <a:lstStyle/>
           <a:p>
             <a:r>
-              <a:rPr lang="en-US" b="1" dirty="0" err="1"/>
-              <a:t>Wrike</a:t>
+              <a:rPr lang="en-US" sz="2400" dirty="0" smtClean="0"/>
+              <a:t>Free and open source</a:t>
+            </a:r>
+          </a:p>
+          <a:p>
+            <a:r>
+              <a:rPr lang="en-US" sz="2400" dirty="0" smtClean="0"/>
+              <a:t>Self hosting</a:t>
+            </a:r>
+          </a:p>
+          <a:p>
+            <a:r>
+              <a:rPr lang="en-US" sz="2400" dirty="0" smtClean="0"/>
+              <a:t>Cross database</a:t>
+            </a:r>
+          </a:p>
+          <a:p>
+            <a:r>
+              <a:rPr lang="en-US" sz="2400" dirty="0" smtClean="0"/>
+              <a:t>Easily customization</a:t>
+            </a:r>
+          </a:p>
+          <a:p>
+            <a:r>
+              <a:rPr lang="en-US" sz="2400" dirty="0" smtClean="0"/>
+              <a:t>Multiple </a:t>
             </a:r>
             <a:r>
-              <a:rPr lang="en-US" dirty="0"/>
-              <a:t> is an online project management </a:t>
+              <a:rPr lang="en-US" sz="2400" dirty="0" err="1" smtClean="0"/>
+              <a:t>addons</a:t>
+            </a:r>
+            <a:endParaRPr lang="en-US" sz="2400" dirty="0"/>
+          </a:p>
+        </p:txBody>
+      </p:sp>
+      <p:sp>
+        <p:nvSpPr>
+          <p:cNvPr id="20" name="Text Placeholder 19">
+            <a:extLst>
+              <a:ext uri="{FF2B5EF4-FFF2-40B4-BE49-F238E27FC236}">
+                <a16:creationId xmlns:a16="http://schemas.microsoft.com/office/drawing/2014/main" id="{EF7D456B-7C3B-486F-804B-C2860F61E5F7}"/>
+              </a:ext>
+            </a:extLst>
+          </p:cNvPr>
+          <p:cNvSpPr>
+            <a:spLocks noGrp="1"/>
+          </p:cNvSpPr>
+          <p:nvPr>
+            <p:ph type="body" sz="quarter" idx="16"/>
+          </p:nvPr>
+        </p:nvSpPr>
+        <p:spPr>
+          <a:xfrm>
+            <a:off x="6622992" y="1865724"/>
+            <a:ext cx="4997499" cy="3653188"/>
+          </a:xfrm>
+        </p:spPr>
+        <p:txBody>
+          <a:bodyPr/>
+          <a:lstStyle/>
+          <a:p>
+            <a:r>
+              <a:rPr lang="en-US" sz="2400" dirty="0" smtClean="0"/>
+              <a:t>Setting </a:t>
             </a:r>
             <a:r>
-              <a:rPr lang="en-US" dirty="0" smtClean="0"/>
-              <a:t>software include </a:t>
+              <a:rPr lang="en-US" sz="2400" dirty="0" err="1" smtClean="0"/>
+              <a:t>Redmine</a:t>
             </a:r>
             <a:r>
-              <a:rPr lang="en-US" dirty="0"/>
-              <a:t>time tracking, project planning and organization, an interactive timeline, communication and online collaboration features for teams of any size. </a:t>
+              <a:rPr lang="en-US" sz="2400" dirty="0" smtClean="0"/>
+              <a:t> is time confusing and require tech-</a:t>
             </a:r>
+            <a:r>
+              <a:rPr lang="en-US" sz="2400" dirty="0" err="1" smtClean="0"/>
+              <a:t>savy</a:t>
+            </a:r>
+            <a:r>
+              <a:rPr lang="en-US" sz="2400" dirty="0" smtClean="0"/>
+              <a:t> knowledge.</a:t>
+            </a:r>
+          </a:p>
+          <a:p>
+            <a:r>
+              <a:rPr lang="en-US" sz="2400" dirty="0" smtClean="0"/>
+              <a:t>High server memory usage</a:t>
+            </a:r>
+          </a:p>
+          <a:p>
+            <a:r>
+              <a:rPr lang="en-US" sz="2400" dirty="0" smtClean="0"/>
+              <a:t>Outdated UI – UX</a:t>
+            </a:r>
+            <a:endParaRPr lang="en-US" sz="2400" dirty="0"/>
           </a:p>
         </p:txBody>
       </p:sp>
-      <p:pic>
-        <p:nvPicPr>
-          <p:cNvPr id="2" name="Picture 1"/>
-          <p:cNvPicPr>
-            <a:picLocks noChangeAspect="1"/>
-          </p:cNvPicPr>
-          <p:nvPr/>
-        </p:nvPicPr>
-        <p:blipFill>
-          <a:blip r:embed="rId2">
-            <a:extLst>
-              <a:ext uri="{28A0092B-C50C-407E-A947-70E740481C1C}">
-                <a14:useLocalDpi xmlns:a14="http://schemas.microsoft.com/office/drawing/2010/main" val="0"/>
-              </a:ext>
-            </a:extLst>
-          </a:blip>
-          <a:stretch>
-            <a:fillRect/>
-          </a:stretch>
-        </p:blipFill>
+      <p:sp>
+        <p:nvSpPr>
+          <p:cNvPr id="53" name="Slide Number Placeholder 52">
+            <a:extLst>
+              <a:ext uri="{FF2B5EF4-FFF2-40B4-BE49-F238E27FC236}">
+                <a16:creationId xmlns:a16="http://schemas.microsoft.com/office/drawing/2014/main" id="{D674A398-A2D9-421A-AAC4-14E16A9A1488}"/>
+              </a:ext>
+            </a:extLst>
+          </p:cNvPr>
+          <p:cNvSpPr>
+            <a:spLocks noGrp="1"/>
+          </p:cNvSpPr>
+          <p:nvPr>
+            <p:ph type="sldNum" sz="quarter" idx="19"/>
+          </p:nvPr>
+        </p:nvSpPr>
         <p:spPr>
           <a:xfrm>
-            <a:off x="831849" y="335810"/>
-            <a:ext cx="2095500" cy="704850"/>
-          </a:xfrm>
-          <a:prstGeom prst="rect">
-            <a:avLst/>
-          </a:prstGeom>
+            <a:off x="11230806" y="6315166"/>
+            <a:ext cx="389686" cy="393610"/>
+          </a:xfrm>
         </p:spPr>
-      </p:pic>
-      <p:pic>
-        <p:nvPicPr>
-          <p:cNvPr id="6" name="Picture Placeholder 5"/>
-          <p:cNvPicPr>
-            <a:picLocks noGrp="1" noChangeAspect="1"/>
-          </p:cNvPicPr>
-          <p:nvPr>
-            <p:ph type="pic" sz="quarter" idx="14"/>
-          </p:nvPr>
-        </p:nvPicPr>
-        <p:blipFill>
-          <a:blip r:embed="rId3">
-            <a:extLst>
-              <a:ext uri="{28A0092B-C50C-407E-A947-70E740481C1C}">
-                <a14:useLocalDpi xmlns:a14="http://schemas.microsoft.com/office/drawing/2010/main" val="0"/>
-              </a:ext>
-            </a:extLst>
-          </a:blip>
-          <a:srcRect l="12500" r="12500"/>
-          <a:stretch>
-            <a:fillRect/>
-          </a:stretch>
-        </p:blipFill>
-        <p:spPr/>
-      </p:pic>
+        <p:txBody>
+          <a:bodyPr/>
+          <a:lstStyle/>
+          <a:p>
+            <a:fld id="{DCB4E619-4CA9-4A22-920F-20396BF50470}" type="slidenum">
+              <a:rPr lang="en-US" smtClean="0"/>
+              <a:pPr/>
+              <a:t>15</a:t>
+            </a:fld>
+            <a:endParaRPr lang="en-US" dirty="0"/>
+          </a:p>
+        </p:txBody>
+      </p:sp>
     </p:spTree>
     <p:extLst>
       <p:ext uri="{BB962C8B-B14F-4D97-AF65-F5344CB8AC3E}">
-        <p14:creationId xmlns:p14="http://schemas.microsoft.com/office/powerpoint/2010/main" val="1512283267"/>
+        <p14:creationId xmlns:p14="http://schemas.microsoft.com/office/powerpoint/2010/main" val="1498540431"/>
       </p:ext>
     </p:extLst>
   </p:cSld>
@@ -23186,10 +23185,10 @@
       </p:grpSpPr>
       <p:sp>
         <p:nvSpPr>
-          <p:cNvPr id="17" name="Title 16">
+          <p:cNvPr id="22" name="Title 21">
             <a:extLst>
               <a:ext uri="{FF2B5EF4-FFF2-40B4-BE49-F238E27FC236}">
-                <a16:creationId xmlns:a16="http://schemas.microsoft.com/office/drawing/2014/main" id="{96B69F7F-7BDF-4049-AB94-D24D1055CFD1}"/>
+                <a16:creationId xmlns:a16="http://schemas.microsoft.com/office/drawing/2014/main" id="{F635AA92-1D29-4831-89E4-1B49C265FA6C}"/>
               </a:ext>
             </a:extLst>
           </p:cNvPr>
@@ -23200,149 +23199,112 @@
             <p:ph type="title"/>
           </p:nvPr>
         </p:nvSpPr>
-        <p:spPr>
-          <a:xfrm>
-            <a:off x="640079" y="-155981"/>
-            <a:ext cx="5910095" cy="1480711"/>
-          </a:xfrm>
-        </p:spPr>
+        <p:spPr/>
         <p:txBody>
           <a:bodyPr/>
           <a:lstStyle/>
           <a:p>
             <a:r>
               <a:rPr lang="en-US" dirty="0" smtClean="0"/>
-              <a:t>Pros &amp; Cons</a:t>
+              <a:t>WRIKE</a:t>
             </a:r>
-            <a:endParaRPr lang="en-US" dirty="0"/>
+            <a:endParaRPr lang="en-GB" dirty="0"/>
           </a:p>
         </p:txBody>
       </p:sp>
       <p:sp>
         <p:nvSpPr>
-          <p:cNvPr id="19" name="Text Placeholder 18">
-            <a:extLst>
-              <a:ext uri="{FF2B5EF4-FFF2-40B4-BE49-F238E27FC236}">
-                <a16:creationId xmlns:a16="http://schemas.microsoft.com/office/drawing/2014/main" id="{4024D790-0AE9-488A-A1A9-F732CD7A0F1E}"/>
-              </a:ext>
-            </a:extLst>
-          </p:cNvPr>
+          <p:cNvPr id="5" name="Text Placeholder 4"/>
           <p:cNvSpPr>
             <a:spLocks noGrp="1"/>
           </p:cNvSpPr>
           <p:nvPr>
-            <p:ph type="body" sz="quarter" idx="15"/>
+            <p:ph type="body" idx="1"/>
           </p:nvPr>
         </p:nvSpPr>
-        <p:spPr>
-          <a:xfrm>
-            <a:off x="640080" y="1865724"/>
-            <a:ext cx="5608320" cy="3653188"/>
-          </a:xfrm>
-        </p:spPr>
+        <p:spPr/>
         <p:txBody>
           <a:bodyPr/>
           <a:lstStyle/>
           <a:p>
             <a:r>
-              <a:rPr lang="en-US" sz="2400" dirty="0" smtClean="0"/>
-              <a:t>Great collaboration</a:t>
+              <a:rPr lang="en-US" b="1" dirty="0" err="1"/>
+              <a:t>Wrike</a:t>
             </a:r>
-          </a:p>
-          <a:p>
             <a:r>
-              <a:rPr lang="en-US" sz="2400" dirty="0" smtClean="0"/>
-              <a:t>Comprehensive arrangement of tasks</a:t>
+              <a:rPr lang="en-US" dirty="0"/>
+              <a:t> is an online project management </a:t>
             </a:r>
-          </a:p>
-          <a:p>
             <a:r>
-              <a:rPr lang="en-US" sz="2400" dirty="0" smtClean="0"/>
-              <a:t>Free for small teams</a:t>
+              <a:rPr lang="en-US" dirty="0" smtClean="0"/>
+              <a:t>software include </a:t>
             </a:r>
-          </a:p>
-          <a:p>
             <a:r>
-              <a:rPr lang="en-US" sz="2400" dirty="0" smtClean="0"/>
-              <a:t>Excellent monitoring and reporting</a:t>
+              <a:rPr lang="en-US" dirty="0"/>
+              <a:t>time tracking, project planning and organization, an interactive timeline, communication and online collaboration features for teams of any size. </a:t>
             </a:r>
-            <a:endParaRPr lang="en-US" sz="2400" dirty="0"/>
           </a:p>
         </p:txBody>
       </p:sp>
-      <p:sp>
-        <p:nvSpPr>
-          <p:cNvPr id="20" name="Text Placeholder 19">
-            <a:extLst>
-              <a:ext uri="{FF2B5EF4-FFF2-40B4-BE49-F238E27FC236}">
-                <a16:creationId xmlns:a16="http://schemas.microsoft.com/office/drawing/2014/main" id="{EF7D456B-7C3B-486F-804B-C2860F61E5F7}"/>
-              </a:ext>
-            </a:extLst>
-          </p:cNvPr>
-          <p:cNvSpPr>
-            <a:spLocks noGrp="1"/>
-          </p:cNvSpPr>
-          <p:nvPr>
-            <p:ph type="body" sz="quarter" idx="16"/>
-          </p:nvPr>
-        </p:nvSpPr>
+      <p:pic>
+        <p:nvPicPr>
+          <p:cNvPr id="2" name="Picture 1"/>
+          <p:cNvPicPr>
+            <a:picLocks noChangeAspect="1"/>
+          </p:cNvPicPr>
+          <p:nvPr/>
+        </p:nvPicPr>
+        <p:blipFill>
+          <a:blip r:embed="rId2">
+            <a:extLst>
+              <a:ext uri="{28A0092B-C50C-407E-A947-70E740481C1C}">
+                <a14:useLocalDpi xmlns:a14="http://schemas.microsoft.com/office/drawing/2010/main" val="0"/>
+              </a:ext>
+            </a:extLst>
+          </a:blip>
+          <a:stretch>
+            <a:fillRect/>
+          </a:stretch>
+        </p:blipFill>
         <p:spPr>
           <a:xfrm>
-            <a:off x="6622992" y="1865724"/>
-            <a:ext cx="4997499" cy="3653188"/>
-          </a:xfrm>
+            <a:off x="831849" y="335810"/>
+            <a:ext cx="2095500" cy="704850"/>
+          </a:xfrm>
+          <a:prstGeom prst="rect">
+            <a:avLst/>
+          </a:prstGeom>
         </p:spPr>
-        <p:txBody>
-          <a:bodyPr/>
-          <a:lstStyle/>
-          <a:p>
-            <a:r>
-              <a:rPr lang="en-US" sz="2400" dirty="0" smtClean="0"/>
-              <a:t>Less customization</a:t>
-            </a:r>
-            <a:endParaRPr lang="en-US" sz="2400" dirty="0"/>
-          </a:p>
-        </p:txBody>
-      </p:sp>
-      <p:sp>
-        <p:nvSpPr>
-          <p:cNvPr id="53" name="Slide Number Placeholder 52">
-            <a:extLst>
-              <a:ext uri="{FF2B5EF4-FFF2-40B4-BE49-F238E27FC236}">
-                <a16:creationId xmlns:a16="http://schemas.microsoft.com/office/drawing/2014/main" id="{D674A398-A2D9-421A-AAC4-14E16A9A1488}"/>
-              </a:ext>
-            </a:extLst>
-          </p:cNvPr>
-          <p:cNvSpPr>
-            <a:spLocks noGrp="1"/>
-          </p:cNvSpPr>
+      </p:pic>
+      <p:pic>
+        <p:nvPicPr>
+          <p:cNvPr id="6" name="Picture Placeholder 5"/>
+          <p:cNvPicPr>
+            <a:picLocks noGrp="1" noChangeAspect="1"/>
+          </p:cNvPicPr>
           <p:nvPr>
-            <p:ph type="sldNum" sz="quarter" idx="19"/>
+            <p:ph type="pic" sz="quarter" idx="14"/>
           </p:nvPr>
-        </p:nvSpPr>
-        <p:spPr>
-          <a:xfrm>
-            <a:off x="11230806" y="6315166"/>
-            <a:ext cx="389686" cy="393610"/>
-          </a:xfrm>
-        </p:spPr>
-        <p:txBody>
-          <a:bodyPr/>
-          <a:lstStyle/>
-          <a:p>
-            <a:fld id="{DCB4E619-4CA9-4A22-920F-20396BF50470}" type="slidenum">
-              <a:rPr lang="en-US" smtClean="0"/>
-              <a:pPr/>
-              <a:t>16</a:t>
-            </a:fld>
-            <a:endParaRPr lang="en-US" dirty="0"/>
-          </a:p>
-        </p:txBody>
-      </p:sp>
+        </p:nvPicPr>
+        <p:blipFill>
+          <a:blip r:embed="rId3">
+            <a:extLst>
+              <a:ext uri="{28A0092B-C50C-407E-A947-70E740481C1C}">
+                <a14:useLocalDpi xmlns:a14="http://schemas.microsoft.com/office/drawing/2010/main" val="0"/>
+              </a:ext>
+            </a:extLst>
+          </a:blip>
+          <a:srcRect l="12500" r="12500"/>
+          <a:stretch>
+            <a:fillRect/>
+          </a:stretch>
+        </p:blipFill>
+        <p:spPr/>
+      </p:pic>
     </p:spTree>
     <p:extLst>
       <p:ext uri="{BB962C8B-B14F-4D97-AF65-F5344CB8AC3E}">
-        <p14:creationId xmlns:p14="http://schemas.microsoft.com/office/powerpoint/2010/main" val="4000551875"/>
+        <p14:creationId xmlns:p14="http://schemas.microsoft.com/office/powerpoint/2010/main" val="1512283267"/>
       </p:ext>
     </p:extLst>
   </p:cSld>
@@ -23378,10 +23340,10 @@
       </p:grpSpPr>
       <p:sp>
         <p:nvSpPr>
-          <p:cNvPr id="22" name="Title 21">
+          <p:cNvPr id="17" name="Title 16">
             <a:extLst>
               <a:ext uri="{FF2B5EF4-FFF2-40B4-BE49-F238E27FC236}">
-                <a16:creationId xmlns:a16="http://schemas.microsoft.com/office/drawing/2014/main" id="{F635AA92-1D29-4831-89E4-1B49C265FA6C}"/>
+                <a16:creationId xmlns:a16="http://schemas.microsoft.com/office/drawing/2014/main" id="{96B69F7F-7BDF-4049-AB94-D24D1055CFD1}"/>
               </a:ext>
             </a:extLst>
           </p:cNvPr>
@@ -23392,18 +23354,19 @@
             <p:ph type="title"/>
           </p:nvPr>
         </p:nvSpPr>
-        <p:spPr/>
+        <p:spPr>
+          <a:xfrm>
+            <a:off x="640079" y="-155981"/>
+            <a:ext cx="5910095" cy="1480711"/>
+          </a:xfrm>
+        </p:spPr>
         <p:txBody>
           <a:bodyPr/>
           <a:lstStyle/>
           <a:p>
             <a:r>
               <a:rPr lang="en-US" dirty="0" smtClean="0"/>
-              <a:t>Project </a:t>
-            </a:r>
-            <a:r>
-              <a:rPr lang="en-US" dirty="0" err="1" smtClean="0"/>
-              <a:t>Libre</a:t>
+              <a:t>Pros &amp; Cons</a:t>
             </a:r>
             <a:endParaRPr lang="en-US" dirty="0"/>
           </a:p>
@@ -23411,10 +23374,10 @@
       </p:sp>
       <p:sp>
         <p:nvSpPr>
-          <p:cNvPr id="26" name="Text Placeholder 25">
+          <p:cNvPr id="19" name="Text Placeholder 18">
             <a:extLst>
               <a:ext uri="{FF2B5EF4-FFF2-40B4-BE49-F238E27FC236}">
-                <a16:creationId xmlns:a16="http://schemas.microsoft.com/office/drawing/2014/main" id="{15AFB5E9-384C-4F94-802F-F7BDC044F196}"/>
+                <a16:creationId xmlns:a16="http://schemas.microsoft.com/office/drawing/2014/main" id="{4024D790-0AE9-488A-A1A9-F732CD7A0F1E}"/>
               </a:ext>
             </a:extLst>
           </p:cNvPr>
@@ -23422,13 +23385,13 @@
             <a:spLocks noGrp="1"/>
           </p:cNvSpPr>
           <p:nvPr>
-            <p:ph type="body" idx="1"/>
+            <p:ph type="body" sz="quarter" idx="15"/>
           </p:nvPr>
         </p:nvSpPr>
         <p:spPr>
           <a:xfrm>
-            <a:off x="831849" y="5088164"/>
-            <a:ext cx="5680075" cy="1078588"/>
+            <a:off x="640080" y="1865724"/>
+            <a:ext cx="5608320" cy="3653188"/>
           </a:xfrm>
         </p:spPr>
         <p:txBody>
@@ -23436,96 +23399,104 @@
           <a:lstStyle/>
           <a:p>
             <a:r>
-              <a:rPr lang="en-US" dirty="0" err="1"/>
-              <a:t>Projectlibre</a:t>
+              <a:rPr lang="en-US" sz="2400" dirty="0" smtClean="0"/>
+              <a:t>Great collaboration</a:t>
             </a:r>
+          </a:p>
+          <a:p>
             <a:r>
-              <a:rPr lang="en-US" dirty="0"/>
-              <a:t> was founded to provide an open source replacement of Microsoft Project desktop. </a:t>
+              <a:rPr lang="en-US" sz="2400" dirty="0" smtClean="0"/>
+              <a:t>Comprehensive arrangement of tasks</a:t>
             </a:r>
+          </a:p>
+          <a:p>
             <a:r>
-              <a:rPr lang="en-US" dirty="0" smtClean="0"/>
-              <a:t>They </a:t>
+              <a:rPr lang="en-US" sz="2400" dirty="0" smtClean="0"/>
+              <a:t>Free for small teams</a:t>
             </a:r>
+          </a:p>
+          <a:p>
             <a:r>
-              <a:rPr lang="en-US" dirty="0"/>
-              <a:t>have succeeded in that mission with over 3,000,000 desktop downloads but will soon also offer a revolutionary cloud solution, </a:t>
+              <a:rPr lang="en-US" sz="2400" dirty="0" smtClean="0"/>
+              <a:t>Excellent monitoring and reporting</a:t>
             </a:r>
-            <a:r>
-              <a:rPr lang="en-US" dirty="0" err="1"/>
-              <a:t>ProjectLibre</a:t>
-            </a:r>
-            <a:r>
-              <a:rPr lang="en-US" dirty="0"/>
-              <a:t> Enterprise Cloud</a:t>
-            </a:r>
-            <a:r>
-              <a:rPr lang="en-US" dirty="0" smtClean="0"/>
-              <a:t>.</a:t>
-            </a:r>
-            <a:endParaRPr lang="en-US" dirty="0"/>
+            <a:endParaRPr lang="en-US" sz="2400" dirty="0"/>
           </a:p>
         </p:txBody>
       </p:sp>
-      <p:pic>
-        <p:nvPicPr>
-          <p:cNvPr id="4" name="Picture 3"/>
-          <p:cNvPicPr>
-            <a:picLocks noChangeAspect="1"/>
-          </p:cNvPicPr>
-          <p:nvPr/>
-        </p:nvPicPr>
-        <p:blipFill>
-          <a:blip r:embed="rId2">
-            <a:extLst>
-              <a:ext uri="{28A0092B-C50C-407E-A947-70E740481C1C}">
-                <a14:useLocalDpi xmlns:a14="http://schemas.microsoft.com/office/drawing/2010/main" val="0"/>
-              </a:ext>
-            </a:extLst>
-          </a:blip>
-          <a:stretch>
-            <a:fillRect/>
-          </a:stretch>
-        </p:blipFill>
+      <p:sp>
+        <p:nvSpPr>
+          <p:cNvPr id="20" name="Text Placeholder 19">
+            <a:extLst>
+              <a:ext uri="{FF2B5EF4-FFF2-40B4-BE49-F238E27FC236}">
+                <a16:creationId xmlns:a16="http://schemas.microsoft.com/office/drawing/2014/main" id="{EF7D456B-7C3B-486F-804B-C2860F61E5F7}"/>
+              </a:ext>
+            </a:extLst>
+          </p:cNvPr>
+          <p:cNvSpPr>
+            <a:spLocks noGrp="1"/>
+          </p:cNvSpPr>
+          <p:nvPr>
+            <p:ph type="body" sz="quarter" idx="16"/>
+          </p:nvPr>
+        </p:nvSpPr>
         <p:spPr>
           <a:xfrm>
-            <a:off x="735011" y="-484547"/>
-            <a:ext cx="2936875" cy="2936875"/>
-          </a:xfrm>
-          <a:prstGeom prst="rect">
-            <a:avLst/>
-          </a:prstGeom>
+            <a:off x="6622992" y="1865724"/>
+            <a:ext cx="4997499" cy="3653188"/>
+          </a:xfrm>
         </p:spPr>
-      </p:pic>
-      <p:pic>
-        <p:nvPicPr>
-          <p:cNvPr id="7" name="Picture Placeholder 6"/>
-          <p:cNvPicPr>
-            <a:picLocks noGrp="1" noChangeAspect="1"/>
-          </p:cNvPicPr>
+        <p:txBody>
+          <a:bodyPr/>
+          <a:lstStyle/>
+          <a:p>
+            <a:r>
+              <a:rPr lang="en-US" sz="2400" dirty="0" smtClean="0"/>
+              <a:t>Less customization</a:t>
+            </a:r>
+            <a:endParaRPr lang="en-US" sz="2400" dirty="0"/>
+          </a:p>
+        </p:txBody>
+      </p:sp>
+      <p:sp>
+        <p:nvSpPr>
+          <p:cNvPr id="53" name="Slide Number Placeholder 52">
+            <a:extLst>
+              <a:ext uri="{FF2B5EF4-FFF2-40B4-BE49-F238E27FC236}">
+                <a16:creationId xmlns:a16="http://schemas.microsoft.com/office/drawing/2014/main" id="{D674A398-A2D9-421A-AAC4-14E16A9A1488}"/>
+              </a:ext>
+            </a:extLst>
+          </p:cNvPr>
+          <p:cNvSpPr>
+            <a:spLocks noGrp="1"/>
+          </p:cNvSpPr>
           <p:nvPr>
-            <p:ph type="pic" sz="quarter" idx="14"/>
+            <p:ph type="sldNum" sz="quarter" idx="19"/>
           </p:nvPr>
-        </p:nvPicPr>
-        <p:blipFill>
-          <a:blip r:embed="rId3">
-            <a:extLst>
-              <a:ext uri="{28A0092B-C50C-407E-A947-70E740481C1C}">
-                <a14:useLocalDpi xmlns:a14="http://schemas.microsoft.com/office/drawing/2010/main" val="0"/>
-              </a:ext>
-            </a:extLst>
-          </a:blip>
-          <a:srcRect l="17822" r="17822"/>
-          <a:stretch>
-            <a:fillRect/>
-          </a:stretch>
-        </p:blipFill>
-        <p:spPr/>
-      </p:pic>
+        </p:nvSpPr>
+        <p:spPr>
+          <a:xfrm>
+            <a:off x="11230806" y="6315166"/>
+            <a:ext cx="389686" cy="393610"/>
+          </a:xfrm>
+        </p:spPr>
+        <p:txBody>
+          <a:bodyPr/>
+          <a:lstStyle/>
+          <a:p>
+            <a:fld id="{DCB4E619-4CA9-4A22-920F-20396BF50470}" type="slidenum">
+              <a:rPr lang="en-US" smtClean="0"/>
+              <a:pPr/>
+              <a:t>17</a:t>
+            </a:fld>
+            <a:endParaRPr lang="en-US" dirty="0"/>
+          </a:p>
+        </p:txBody>
+      </p:sp>
     </p:spTree>
     <p:extLst>
       <p:ext uri="{BB962C8B-B14F-4D97-AF65-F5344CB8AC3E}">
-        <p14:creationId xmlns:p14="http://schemas.microsoft.com/office/powerpoint/2010/main" val="2037144206"/>
+        <p14:creationId xmlns:p14="http://schemas.microsoft.com/office/powerpoint/2010/main" val="4000551875"/>
       </p:ext>
     </p:extLst>
   </p:cSld>
@@ -23561,10 +23532,10 @@
       </p:grpSpPr>
       <p:sp>
         <p:nvSpPr>
-          <p:cNvPr id="17" name="Title 16">
+          <p:cNvPr id="22" name="Title 21">
             <a:extLst>
               <a:ext uri="{FF2B5EF4-FFF2-40B4-BE49-F238E27FC236}">
-                <a16:creationId xmlns:a16="http://schemas.microsoft.com/office/drawing/2014/main" id="{96B69F7F-7BDF-4049-AB94-D24D1055CFD1}"/>
+                <a16:creationId xmlns:a16="http://schemas.microsoft.com/office/drawing/2014/main" id="{F635AA92-1D29-4831-89E4-1B49C265FA6C}"/>
               </a:ext>
             </a:extLst>
           </p:cNvPr>
@@ -23575,19 +23546,18 @@
             <p:ph type="title"/>
           </p:nvPr>
         </p:nvSpPr>
-        <p:spPr>
-          <a:xfrm>
-            <a:off x="640079" y="-155981"/>
-            <a:ext cx="5910095" cy="1480711"/>
-          </a:xfrm>
-        </p:spPr>
+        <p:spPr/>
         <p:txBody>
           <a:bodyPr/>
           <a:lstStyle/>
           <a:p>
             <a:r>
               <a:rPr lang="en-US" dirty="0" smtClean="0"/>
-              <a:t>Pros &amp; Cons</a:t>
+              <a:t>Project </a:t>
+            </a:r>
+            <a:r>
+              <a:rPr lang="en-US" dirty="0" err="1" smtClean="0"/>
+              <a:t>Libre</a:t>
             </a:r>
             <a:endParaRPr lang="en-US" dirty="0"/>
           </a:p>
@@ -23595,10 +23565,10 @@
       </p:sp>
       <p:sp>
         <p:nvSpPr>
-          <p:cNvPr id="19" name="Text Placeholder 18">
+          <p:cNvPr id="26" name="Text Placeholder 25">
             <a:extLst>
               <a:ext uri="{FF2B5EF4-FFF2-40B4-BE49-F238E27FC236}">
-                <a16:creationId xmlns:a16="http://schemas.microsoft.com/office/drawing/2014/main" id="{4024D790-0AE9-488A-A1A9-F732CD7A0F1E}"/>
+                <a16:creationId xmlns:a16="http://schemas.microsoft.com/office/drawing/2014/main" id="{15AFB5E9-384C-4F94-802F-F7BDC044F196}"/>
               </a:ext>
             </a:extLst>
           </p:cNvPr>
@@ -23606,13 +23576,13 @@
             <a:spLocks noGrp="1"/>
           </p:cNvSpPr>
           <p:nvPr>
-            <p:ph type="body" sz="quarter" idx="15"/>
+            <p:ph type="body" idx="1"/>
           </p:nvPr>
         </p:nvSpPr>
         <p:spPr>
           <a:xfrm>
-            <a:off x="640080" y="1865724"/>
-            <a:ext cx="5608320" cy="3653188"/>
+            <a:off x="831849" y="5088164"/>
+            <a:ext cx="5680075" cy="1078588"/>
           </a:xfrm>
         </p:spPr>
         <p:txBody>
@@ -23620,125 +23590,96 @@
           <a:lstStyle/>
           <a:p>
             <a:r>
-              <a:rPr lang="en-US" sz="2400" dirty="0"/>
-              <a:t>Microsoft Project 2010 compatibility</a:t>
-            </a:r>
-          </a:p>
-          <a:p>
-            <a:r>
-              <a:rPr lang="en-US" sz="2400" dirty="0" smtClean="0"/>
-              <a:t>Platform independent</a:t>
-            </a:r>
-            <a:endParaRPr lang="en-US" sz="2400" dirty="0"/>
-          </a:p>
-          <a:p>
-            <a:r>
-              <a:rPr lang="en-US" sz="2400" dirty="0" smtClean="0"/>
-              <a:t>Earned value costing, Gantt chart, PERT graph, Resource breakdown structure, </a:t>
+              <a:rPr lang="en-US" dirty="0" err="1"/>
+              <a:t>Projectlibre</a:t>
             </a:r>
             <a:r>
-              <a:rPr lang="en-US" sz="2400" dirty="0"/>
-              <a:t>Work breakdown structure (WBS) </a:t>
+              <a:rPr lang="en-US" dirty="0"/>
+              <a:t> was founded to provide an open source replacement of Microsoft Project desktop. </a:t>
             </a:r>
             <a:r>
-              <a:rPr lang="en-US" sz="2400" dirty="0" smtClean="0"/>
-              <a:t>chart</a:t>
-            </a:r>
-          </a:p>
-          <a:p>
-            <a:r>
-              <a:rPr lang="en-US" sz="2400" dirty="0" smtClean="0"/>
-              <a:t>Task </a:t>
+              <a:rPr lang="en-US" dirty="0" smtClean="0"/>
+              <a:t>They </a:t>
             </a:r>
             <a:r>
-              <a:rPr lang="en-US" sz="2400" dirty="0"/>
-              <a:t>usage </a:t>
+              <a:rPr lang="en-US" dirty="0"/>
+              <a:t>have succeeded in that mission with over 3,000,000 desktop downloads but will soon also offer a revolutionary cloud solution, </a:t>
             </a:r>
             <a:r>
-              <a:rPr lang="en-US" sz="2400" dirty="0" smtClean="0"/>
-              <a:t>reports</a:t>
+              <a:rPr lang="en-US" dirty="0" err="1"/>
+              <a:t>ProjectLibre</a:t>
             </a:r>
-            <a:endParaRPr lang="en-US" sz="2400" dirty="0"/>
+            <a:r>
+              <a:rPr lang="en-US" dirty="0"/>
+              <a:t> Enterprise Cloud</a:t>
+            </a:r>
+            <a:r>
+              <a:rPr lang="en-US" dirty="0" smtClean="0"/>
+              <a:t>.</a:t>
+            </a:r>
+            <a:endParaRPr lang="en-US" dirty="0"/>
           </a:p>
         </p:txBody>
       </p:sp>
-      <p:sp>
-        <p:nvSpPr>
-          <p:cNvPr id="20" name="Text Placeholder 19">
-            <a:extLst>
-              <a:ext uri="{FF2B5EF4-FFF2-40B4-BE49-F238E27FC236}">
-                <a16:creationId xmlns:a16="http://schemas.microsoft.com/office/drawing/2014/main" id="{EF7D456B-7C3B-486F-804B-C2860F61E5F7}"/>
-              </a:ext>
-            </a:extLst>
-          </p:cNvPr>
-          <p:cNvSpPr>
-            <a:spLocks noGrp="1"/>
-          </p:cNvSpPr>
-          <p:nvPr>
-            <p:ph type="body" sz="quarter" idx="16"/>
-          </p:nvPr>
-        </p:nvSpPr>
+      <p:pic>
+        <p:nvPicPr>
+          <p:cNvPr id="4" name="Picture 3"/>
+          <p:cNvPicPr>
+            <a:picLocks noChangeAspect="1"/>
+          </p:cNvPicPr>
+          <p:nvPr/>
+        </p:nvPicPr>
+        <p:blipFill>
+          <a:blip r:embed="rId2">
+            <a:extLst>
+              <a:ext uri="{28A0092B-C50C-407E-A947-70E740481C1C}">
+                <a14:useLocalDpi xmlns:a14="http://schemas.microsoft.com/office/drawing/2010/main" val="0"/>
+              </a:ext>
+            </a:extLst>
+          </a:blip>
+          <a:stretch>
+            <a:fillRect/>
+          </a:stretch>
+        </p:blipFill>
         <p:spPr>
           <a:xfrm>
-            <a:off x="6622992" y="1865724"/>
-            <a:ext cx="4997499" cy="3653188"/>
-          </a:xfrm>
+            <a:off x="735011" y="-484547"/>
+            <a:ext cx="2936875" cy="2936875"/>
+          </a:xfrm>
+          <a:prstGeom prst="rect">
+            <a:avLst/>
+          </a:prstGeom>
         </p:spPr>
-        <p:txBody>
-          <a:bodyPr/>
-          <a:lstStyle/>
-          <a:p>
-            <a:r>
-              <a:rPr lang="en-US" sz="2400" dirty="0"/>
-              <a:t>Many bug fixes and correction of </a:t>
-            </a:r>
-            <a:r>
-              <a:rPr lang="en-US" sz="2400" dirty="0" smtClean="0"/>
-              <a:t>issues</a:t>
-            </a:r>
-            <a:endParaRPr lang="en-US" sz="2400" dirty="0"/>
-          </a:p>
-        </p:txBody>
-      </p:sp>
-      <p:sp>
-        <p:nvSpPr>
-          <p:cNvPr id="53" name="Slide Number Placeholder 52">
-            <a:extLst>
-              <a:ext uri="{FF2B5EF4-FFF2-40B4-BE49-F238E27FC236}">
-                <a16:creationId xmlns:a16="http://schemas.microsoft.com/office/drawing/2014/main" id="{D674A398-A2D9-421A-AAC4-14E16A9A1488}"/>
-              </a:ext>
-            </a:extLst>
-          </p:cNvPr>
-          <p:cNvSpPr>
-            <a:spLocks noGrp="1"/>
-          </p:cNvSpPr>
+      </p:pic>
+      <p:pic>
+        <p:nvPicPr>
+          <p:cNvPr id="7" name="Picture Placeholder 6"/>
+          <p:cNvPicPr>
+            <a:picLocks noGrp="1" noChangeAspect="1"/>
+          </p:cNvPicPr>
           <p:nvPr>
-            <p:ph type="sldNum" sz="quarter" idx="19"/>
+            <p:ph type="pic" sz="quarter" idx="14"/>
           </p:nvPr>
-        </p:nvSpPr>
-        <p:spPr>
-          <a:xfrm>
-            <a:off x="11230806" y="6315166"/>
-            <a:ext cx="389686" cy="393610"/>
-          </a:xfrm>
-        </p:spPr>
-        <p:txBody>
-          <a:bodyPr/>
-          <a:lstStyle/>
-          <a:p>
-            <a:fld id="{DCB4E619-4CA9-4A22-920F-20396BF50470}" type="slidenum">
-              <a:rPr lang="en-US" smtClean="0"/>
-              <a:pPr/>
-              <a:t>18</a:t>
-            </a:fld>
-            <a:endParaRPr lang="en-US" dirty="0"/>
-          </a:p>
-        </p:txBody>
-      </p:sp>
+        </p:nvPicPr>
+        <p:blipFill>
+          <a:blip r:embed="rId3">
+            <a:extLst>
+              <a:ext uri="{28A0092B-C50C-407E-A947-70E740481C1C}">
+                <a14:useLocalDpi xmlns:a14="http://schemas.microsoft.com/office/drawing/2010/main" val="0"/>
+              </a:ext>
+            </a:extLst>
+          </a:blip>
+          <a:srcRect l="17822" r="17822"/>
+          <a:stretch>
+            <a:fillRect/>
+          </a:stretch>
+        </p:blipFill>
+        <p:spPr/>
+      </p:pic>
     </p:spTree>
     <p:extLst>
       <p:ext uri="{BB962C8B-B14F-4D97-AF65-F5344CB8AC3E}">
-        <p14:creationId xmlns:p14="http://schemas.microsoft.com/office/powerpoint/2010/main" val="4279922644"/>
+        <p14:creationId xmlns:p14="http://schemas.microsoft.com/office/powerpoint/2010/main" val="2037144206"/>
       </p:ext>
     </p:extLst>
   </p:cSld>
@@ -23774,10 +23715,10 @@
       </p:grpSpPr>
       <p:sp>
         <p:nvSpPr>
-          <p:cNvPr id="22" name="Title 21">
+          <p:cNvPr id="17" name="Title 16">
             <a:extLst>
               <a:ext uri="{FF2B5EF4-FFF2-40B4-BE49-F238E27FC236}">
-                <a16:creationId xmlns:a16="http://schemas.microsoft.com/office/drawing/2014/main" id="{F635AA92-1D29-4831-89E4-1B49C265FA6C}"/>
+                <a16:creationId xmlns:a16="http://schemas.microsoft.com/office/drawing/2014/main" id="{96B69F7F-7BDF-4049-AB94-D24D1055CFD1}"/>
               </a:ext>
             </a:extLst>
           </p:cNvPr>
@@ -23788,112 +23729,170 @@
             <p:ph type="title"/>
           </p:nvPr>
         </p:nvSpPr>
-        <p:spPr/>
+        <p:spPr>
+          <a:xfrm>
+            <a:off x="640079" y="-155981"/>
+            <a:ext cx="5910095" cy="1480711"/>
+          </a:xfrm>
+        </p:spPr>
         <p:txBody>
           <a:bodyPr/>
           <a:lstStyle/>
           <a:p>
             <a:r>
               <a:rPr lang="en-US" dirty="0" smtClean="0"/>
-              <a:t>TASKWORLD</a:t>
+              <a:t>Pros &amp; Cons</a:t>
             </a:r>
-            <a:endParaRPr lang="en-GB" dirty="0"/>
+            <a:endParaRPr lang="en-US" dirty="0"/>
           </a:p>
         </p:txBody>
       </p:sp>
       <p:sp>
         <p:nvSpPr>
-          <p:cNvPr id="5" name="Text Placeholder 4"/>
+          <p:cNvPr id="19" name="Text Placeholder 18">
+            <a:extLst>
+              <a:ext uri="{FF2B5EF4-FFF2-40B4-BE49-F238E27FC236}">
+                <a16:creationId xmlns:a16="http://schemas.microsoft.com/office/drawing/2014/main" id="{4024D790-0AE9-488A-A1A9-F732CD7A0F1E}"/>
+              </a:ext>
+            </a:extLst>
+          </p:cNvPr>
           <p:cNvSpPr>
             <a:spLocks noGrp="1"/>
           </p:cNvSpPr>
           <p:nvPr>
-            <p:ph type="body" idx="1"/>
+            <p:ph type="body" sz="quarter" idx="15"/>
           </p:nvPr>
         </p:nvSpPr>
-        <p:spPr/>
+        <p:spPr>
+          <a:xfrm>
+            <a:off x="640080" y="1865724"/>
+            <a:ext cx="5608320" cy="3653188"/>
+          </a:xfrm>
+        </p:spPr>
         <p:txBody>
           <a:bodyPr/>
           <a:lstStyle/>
           <a:p>
             <a:r>
-              <a:rPr lang="en-US" dirty="0" smtClean="0"/>
-              <a:t>Trello </a:t>
+              <a:rPr lang="en-US" sz="2400" dirty="0"/>
+              <a:t>Microsoft Project 2010 compatibility</a:t>
+            </a:r>
+          </a:p>
+          <a:p>
+            <a:r>
+              <a:rPr lang="en-US" sz="2400" dirty="0" smtClean="0"/>
+              <a:t>Platform independent</a:t>
+            </a:r>
+            <a:endParaRPr lang="en-US" sz="2400" dirty="0"/>
+          </a:p>
+          <a:p>
+            <a:r>
+              <a:rPr lang="en-US" sz="2400" dirty="0" smtClean="0"/>
+              <a:t>Earned value costing, Gantt chart, PERT graph, Resource breakdown structure, </a:t>
             </a:r>
             <a:r>
-              <a:rPr lang="en-US" dirty="0"/>
-              <a:t>is good but </a:t>
+              <a:rPr lang="en-US" sz="2400" dirty="0"/>
+              <a:t>Work breakdown structure (WBS) </a:t>
             </a:r>
             <a:r>
-              <a:rPr lang="en-US" dirty="0" err="1"/>
-              <a:t>taskworld</a:t>
+              <a:rPr lang="en-US" sz="2400" dirty="0" smtClean="0"/>
+              <a:t>chart</a:t>
+            </a:r>
+          </a:p>
+          <a:p>
+            <a:r>
+              <a:rPr lang="en-US" sz="2400" dirty="0" smtClean="0"/>
+              <a:t>Task </a:t>
             </a:r>
             <a:r>
-              <a:rPr lang="en-US" dirty="0"/>
-              <a:t> is better</a:t>
+              <a:rPr lang="en-US" sz="2400" dirty="0"/>
+              <a:t>usage </a:t>
             </a:r>
+            <a:r>
+              <a:rPr lang="en-US" sz="2400" dirty="0" smtClean="0"/>
+              <a:t>reports</a:t>
+            </a:r>
+            <a:endParaRPr lang="en-US" sz="2400" dirty="0"/>
           </a:p>
         </p:txBody>
       </p:sp>
-      <p:pic>
-        <p:nvPicPr>
-          <p:cNvPr id="2" name="Picture 1"/>
-          <p:cNvPicPr>
-            <a:picLocks noChangeAspect="1"/>
-          </p:cNvPicPr>
-          <p:nvPr/>
-        </p:nvPicPr>
-        <p:blipFill>
-          <a:blip r:embed="rId2">
-            <a:extLst>
-              <a:ext uri="{28A0092B-C50C-407E-A947-70E740481C1C}">
-                <a14:useLocalDpi xmlns:a14="http://schemas.microsoft.com/office/drawing/2010/main" val="0"/>
-              </a:ext>
-            </a:extLst>
-          </a:blip>
-          <a:stretch>
-            <a:fillRect/>
-          </a:stretch>
-        </p:blipFill>
+      <p:sp>
+        <p:nvSpPr>
+          <p:cNvPr id="20" name="Text Placeholder 19">
+            <a:extLst>
+              <a:ext uri="{FF2B5EF4-FFF2-40B4-BE49-F238E27FC236}">
+                <a16:creationId xmlns:a16="http://schemas.microsoft.com/office/drawing/2014/main" id="{EF7D456B-7C3B-486F-804B-C2860F61E5F7}"/>
+              </a:ext>
+            </a:extLst>
+          </p:cNvPr>
+          <p:cNvSpPr>
+            <a:spLocks noGrp="1"/>
+          </p:cNvSpPr>
+          <p:nvPr>
+            <p:ph type="body" sz="quarter" idx="16"/>
+          </p:nvPr>
+        </p:nvSpPr>
         <p:spPr>
           <a:xfrm>
-            <a:off x="831849" y="335810"/>
-            <a:ext cx="2113281" cy="605166"/>
-          </a:xfrm>
-          <a:prstGeom prst="rect">
-            <a:avLst/>
-          </a:prstGeom>
+            <a:off x="6622992" y="1865724"/>
+            <a:ext cx="4997499" cy="3653188"/>
+          </a:xfrm>
         </p:spPr>
-      </p:pic>
-      <p:pic>
-        <p:nvPicPr>
-          <p:cNvPr id="8" name="Picture Placeholder 7"/>
-          <p:cNvPicPr>
-            <a:picLocks noGrp="1" noChangeAspect="1"/>
-          </p:cNvPicPr>
+        <p:txBody>
+          <a:bodyPr/>
+          <a:lstStyle/>
+          <a:p>
+            <a:r>
+              <a:rPr lang="en-US" sz="2400" dirty="0"/>
+              <a:t>Many bug fixes and correction of </a:t>
+            </a:r>
+            <a:r>
+              <a:rPr lang="en-US" sz="2400" dirty="0" smtClean="0"/>
+              <a:t>issues</a:t>
+            </a:r>
+            <a:endParaRPr lang="en-US" sz="2400" dirty="0"/>
+          </a:p>
+        </p:txBody>
+      </p:sp>
+      <p:sp>
+        <p:nvSpPr>
+          <p:cNvPr id="53" name="Slide Number Placeholder 52">
+            <a:extLst>
+              <a:ext uri="{FF2B5EF4-FFF2-40B4-BE49-F238E27FC236}">
+                <a16:creationId xmlns:a16="http://schemas.microsoft.com/office/drawing/2014/main" id="{D674A398-A2D9-421A-AAC4-14E16A9A1488}"/>
+              </a:ext>
+            </a:extLst>
+          </p:cNvPr>
+          <p:cNvSpPr>
+            <a:spLocks noGrp="1"/>
+          </p:cNvSpPr>
           <p:nvPr>
-            <p:ph type="pic" sz="quarter" idx="14"/>
+            <p:ph type="sldNum" sz="quarter" idx="19"/>
           </p:nvPr>
-        </p:nvPicPr>
-        <p:blipFill>
-          <a:blip r:embed="rId3">
-            <a:extLst>
-              <a:ext uri="{28A0092B-C50C-407E-A947-70E740481C1C}">
-                <a14:useLocalDpi xmlns:a14="http://schemas.microsoft.com/office/drawing/2010/main" val="0"/>
-              </a:ext>
-            </a:extLst>
-          </a:blip>
-          <a:srcRect l="22535" r="22535"/>
-          <a:stretch>
-            <a:fillRect/>
-          </a:stretch>
-        </p:blipFill>
-        <p:spPr/>
-      </p:pic>
+        </p:nvSpPr>
+        <p:spPr>
+          <a:xfrm>
+            <a:off x="11230806" y="6315166"/>
+            <a:ext cx="389686" cy="393610"/>
+          </a:xfrm>
+        </p:spPr>
+        <p:txBody>
+          <a:bodyPr/>
+          <a:lstStyle/>
+          <a:p>
+            <a:fld id="{DCB4E619-4CA9-4A22-920F-20396BF50470}" type="slidenum">
+              <a:rPr lang="en-US" smtClean="0"/>
+              <a:pPr/>
+              <a:t>19</a:t>
+            </a:fld>
+            <a:endParaRPr lang="en-US" dirty="0"/>
+          </a:p>
+        </p:txBody>
+      </p:sp>
     </p:spTree>
     <p:extLst>
       <p:ext uri="{BB962C8B-B14F-4D97-AF65-F5344CB8AC3E}">
-        <p14:creationId xmlns:p14="http://schemas.microsoft.com/office/powerpoint/2010/main" val="2416188467"/>
+        <p14:creationId xmlns:p14="http://schemas.microsoft.com/office/powerpoint/2010/main" val="4279922644"/>
       </p:ext>
     </p:extLst>
   </p:cSld>
@@ -23929,6 +23928,1416 @@
       </p:grpSpPr>
       <p:sp>
         <p:nvSpPr>
+          <p:cNvPr id="6" name="Title 5"/>
+          <p:cNvSpPr>
+            <a:spLocks noGrp="1"/>
+          </p:cNvSpPr>
+          <p:nvPr>
+            <p:ph type="title"/>
+          </p:nvPr>
+        </p:nvSpPr>
+        <p:spPr>
+          <a:xfrm>
+            <a:off x="831849" y="263525"/>
+            <a:ext cx="5680075" cy="815975"/>
+          </a:xfrm>
+        </p:spPr>
+        <p:txBody>
+          <a:bodyPr/>
+          <a:lstStyle/>
+          <a:p>
+            <a:r>
+              <a:rPr lang="en-US" dirty="0" smtClean="0"/>
+              <a:t>What is it?</a:t>
+            </a:r>
+            <a:endParaRPr lang="en-US" dirty="0"/>
+          </a:p>
+        </p:txBody>
+      </p:sp>
+      <p:sp>
+        <p:nvSpPr>
+          <p:cNvPr id="15" name="Text Placeholder 14"/>
+          <p:cNvSpPr>
+            <a:spLocks noGrp="1"/>
+          </p:cNvSpPr>
+          <p:nvPr>
+            <p:ph type="body" idx="1"/>
+          </p:nvPr>
+        </p:nvSpPr>
+        <p:spPr>
+          <a:xfrm>
+            <a:off x="831849" y="2133600"/>
+            <a:ext cx="5680075" cy="4109352"/>
+          </a:xfrm>
+        </p:spPr>
+        <p:txBody>
+          <a:bodyPr/>
+          <a:lstStyle/>
+          <a:p>
+            <a:pPr marL="285750" indent="-285750">
+              <a:buFont typeface="Century Gothic" panose="020B0502020202020204" pitchFamily="34" charset="0"/>
+              <a:buChar char="+"/>
+            </a:pPr>
+            <a:r>
+              <a:rPr lang="en-US" dirty="0" smtClean="0"/>
+              <a:t>Planning</a:t>
+            </a:r>
+          </a:p>
+          <a:p>
+            <a:pPr marL="285750" indent="-285750">
+              <a:buFont typeface="Century Gothic" panose="020B0502020202020204" pitchFamily="34" charset="0"/>
+              <a:buChar char="+"/>
+            </a:pPr>
+            <a:r>
+              <a:rPr lang="en-US" dirty="0" smtClean="0"/>
+              <a:t>Scheduling</a:t>
+            </a:r>
+          </a:p>
+          <a:p>
+            <a:pPr marL="285750" indent="-285750">
+              <a:buFont typeface="Century Gothic" panose="020B0502020202020204" pitchFamily="34" charset="0"/>
+              <a:buChar char="+"/>
+            </a:pPr>
+            <a:r>
+              <a:rPr lang="en-US" dirty="0" smtClean="0"/>
+              <a:t>Resource allocation</a:t>
+            </a:r>
+          </a:p>
+          <a:p>
+            <a:pPr marL="285750" indent="-285750">
+              <a:buFont typeface="Century Gothic" panose="020B0502020202020204" pitchFamily="34" charset="0"/>
+              <a:buChar char="+"/>
+            </a:pPr>
+            <a:r>
+              <a:rPr lang="en-US" dirty="0" smtClean="0"/>
+              <a:t>Change management</a:t>
+            </a:r>
+          </a:p>
+          <a:p>
+            <a:pPr marL="285750" indent="-285750">
+              <a:buFont typeface="Century Gothic" panose="020B0502020202020204" pitchFamily="34" charset="0"/>
+              <a:buChar char="+"/>
+            </a:pPr>
+            <a:r>
+              <a:rPr lang="en-US" dirty="0" smtClean="0"/>
+              <a:t>Control cost and manage budgeting</a:t>
+            </a:r>
+          </a:p>
+          <a:p>
+            <a:pPr marL="285750" indent="-285750">
+              <a:buFont typeface="Century Gothic" panose="020B0502020202020204" pitchFamily="34" charset="0"/>
+              <a:buChar char="+"/>
+            </a:pPr>
+            <a:r>
+              <a:rPr lang="en-US" dirty="0" smtClean="0"/>
+              <a:t>Quality management</a:t>
+            </a:r>
+          </a:p>
+          <a:p>
+            <a:pPr marL="285750" indent="-285750">
+              <a:buFont typeface="Century Gothic" panose="020B0502020202020204" pitchFamily="34" charset="0"/>
+              <a:buChar char="+"/>
+            </a:pPr>
+            <a:r>
+              <a:rPr lang="en-US" dirty="0" smtClean="0"/>
+              <a:t>Documentation</a:t>
+            </a:r>
+          </a:p>
+          <a:p>
+            <a:pPr marL="285750" indent="-285750">
+              <a:buFont typeface="Century Gothic" panose="020B0502020202020204" pitchFamily="34" charset="0"/>
+              <a:buChar char="+"/>
+            </a:pPr>
+            <a:r>
+              <a:rPr lang="en-US" dirty="0" smtClean="0"/>
+              <a:t>Administration system</a:t>
+            </a:r>
+          </a:p>
+          <a:p>
+            <a:pPr marL="285750" indent="-285750">
+              <a:buFont typeface="Century Gothic" panose="020B0502020202020204" pitchFamily="34" charset="0"/>
+              <a:buChar char="+"/>
+            </a:pPr>
+            <a:r>
+              <a:rPr lang="en-US" dirty="0" smtClean="0"/>
+              <a:t>So on,…</a:t>
+            </a:r>
+            <a:endParaRPr lang="en-US" dirty="0"/>
+          </a:p>
+        </p:txBody>
+      </p:sp>
+      <p:sp>
+        <p:nvSpPr>
+          <p:cNvPr id="16" name="Picture Placeholder 15"/>
+          <p:cNvSpPr>
+            <a:spLocks noGrp="1"/>
+          </p:cNvSpPr>
+          <p:nvPr>
+            <p:ph type="pic" sz="quarter" idx="14"/>
+          </p:nvPr>
+        </p:nvSpPr>
+        <p:spPr/>
+      </p:sp>
+      <p:sp>
+        <p:nvSpPr>
+          <p:cNvPr id="17" name="Title 5"/>
+          <p:cNvSpPr txBox="1">
+            <a:spLocks/>
+          </p:cNvSpPr>
+          <p:nvPr/>
+        </p:nvSpPr>
+        <p:spPr>
+          <a:xfrm>
+            <a:off x="7194549" y="1536700"/>
+            <a:ext cx="3879851" cy="2400300"/>
+          </a:xfrm>
+          <a:prstGeom prst="rect">
+            <a:avLst/>
+          </a:prstGeom>
+        </p:spPr>
+        <p:txBody>
+          <a:bodyPr vert="horz" lIns="91440" tIns="45720" rIns="91440" bIns="45720" rtlCol="0" anchor="b">
+            <a:noAutofit/>
+          </a:bodyPr>
+          <a:lstStyle>
+            <a:lvl1pPr algn="l" defTabSz="914400" rtl="0" eaLnBrk="1" latinLnBrk="0" hangingPunct="1">
+              <a:lnSpc>
+                <a:spcPct val="90000"/>
+              </a:lnSpc>
+              <a:spcBef>
+                <a:spcPct val="0"/>
+              </a:spcBef>
+              <a:buNone/>
+              <a:defRPr lang="en-GB" sz="4600" b="1" kern="1200" spc="-150">
+                <a:solidFill>
+                  <a:schemeClr val="accent2"/>
+                </a:solidFill>
+                <a:latin typeface="+mj-lt"/>
+                <a:ea typeface="+mj-ea"/>
+                <a:cs typeface="+mj-cs"/>
+              </a:defRPr>
+            </a:lvl1pPr>
+          </a:lstStyle>
+          <a:p>
+            <a:pPr algn="ctr"/>
+            <a:r>
+              <a:rPr lang="en-US" dirty="0" smtClean="0">
+                <a:solidFill>
+                  <a:srgbClr val="F2F2F2"/>
+                </a:solidFill>
+              </a:rPr>
+              <a:t>Project Management Tools</a:t>
+            </a:r>
+          </a:p>
+        </p:txBody>
+      </p:sp>
+      <p:sp>
+        <p:nvSpPr>
+          <p:cNvPr id="20" name="Title 5"/>
+          <p:cNvSpPr txBox="1">
+            <a:spLocks/>
+          </p:cNvSpPr>
+          <p:nvPr/>
+        </p:nvSpPr>
+        <p:spPr>
+          <a:xfrm>
+            <a:off x="861989" y="1079500"/>
+            <a:ext cx="5680075" cy="815975"/>
+          </a:xfrm>
+          <a:prstGeom prst="rect">
+            <a:avLst/>
+          </a:prstGeom>
+        </p:spPr>
+        <p:txBody>
+          <a:bodyPr vert="horz" lIns="91440" tIns="45720" rIns="91440" bIns="45720" rtlCol="0" anchor="b">
+            <a:noAutofit/>
+          </a:bodyPr>
+          <a:lstStyle>
+            <a:lvl1pPr algn="l" defTabSz="914400" rtl="0" eaLnBrk="1" latinLnBrk="0" hangingPunct="1">
+              <a:lnSpc>
+                <a:spcPct val="90000"/>
+              </a:lnSpc>
+              <a:spcBef>
+                <a:spcPct val="0"/>
+              </a:spcBef>
+              <a:buNone/>
+              <a:defRPr lang="en-GB" sz="4600" b="1" kern="1200" spc="-150">
+                <a:solidFill>
+                  <a:schemeClr val="accent2"/>
+                </a:solidFill>
+                <a:latin typeface="+mj-lt"/>
+                <a:ea typeface="+mj-ea"/>
+                <a:cs typeface="+mj-cs"/>
+              </a:defRPr>
+            </a:lvl1pPr>
+          </a:lstStyle>
+          <a:p>
+            <a:r>
+              <a:rPr lang="en-US" dirty="0" smtClean="0"/>
+              <a:t>What can it do?</a:t>
+            </a:r>
+            <a:endParaRPr lang="en-US" dirty="0"/>
+          </a:p>
+        </p:txBody>
+      </p:sp>
+    </p:spTree>
+    <p:extLst>
+      <p:ext uri="{BB962C8B-B14F-4D97-AF65-F5344CB8AC3E}">
+        <p14:creationId xmlns:p14="http://schemas.microsoft.com/office/powerpoint/2010/main" val="440763235"/>
+      </p:ext>
+    </p:extLst>
+  </p:cSld>
+  <p:clrMapOvr>
+    <a:masterClrMapping/>
+  </p:clrMapOvr>
+  <p:timing>
+    <p:tnLst>
+      <p:par>
+        <p:cTn id="1" dur="indefinite" restart="never" nodeType="tmRoot">
+          <p:childTnLst>
+            <p:seq concurrent="1" nextAc="seek">
+              <p:cTn id="2" dur="indefinite" nodeType="mainSeq">
+                <p:childTnLst>
+                  <p:par>
+                    <p:cTn id="3" fill="hold">
+                      <p:stCondLst>
+                        <p:cond delay="indefinite"/>
+                      </p:stCondLst>
+                      <p:childTnLst>
+                        <p:par>
+                          <p:cTn id="4" fill="hold">
+                            <p:stCondLst>
+                              <p:cond delay="0"/>
+                            </p:stCondLst>
+                            <p:childTnLst>
+                              <p:par>
+                                <p:cTn id="5" presetID="42" presetClass="entr" presetSubtype="0" fill="hold" grpId="0" nodeType="clickEffect">
+                                  <p:stCondLst>
+                                    <p:cond delay="0"/>
+                                  </p:stCondLst>
+                                  <p:childTnLst>
+                                    <p:set>
+                                      <p:cBhvr>
+                                        <p:cTn id="6" dur="1" fill="hold">
+                                          <p:stCondLst>
+                                            <p:cond delay="0"/>
+                                          </p:stCondLst>
+                                        </p:cTn>
+                                        <p:tgtEl>
+                                          <p:spTgt spid="6"/>
+                                        </p:tgtEl>
+                                        <p:attrNameLst>
+                                          <p:attrName>style.visibility</p:attrName>
+                                        </p:attrNameLst>
+                                      </p:cBhvr>
+                                      <p:to>
+                                        <p:strVal val="visible"/>
+                                      </p:to>
+                                    </p:set>
+                                    <p:animEffect transition="in" filter="fade">
+                                      <p:cBhvr>
+                                        <p:cTn id="7" dur="500"/>
+                                        <p:tgtEl>
+                                          <p:spTgt spid="6"/>
+                                        </p:tgtEl>
+                                      </p:cBhvr>
+                                    </p:animEffect>
+                                    <p:anim calcmode="lin" valueType="num">
+                                      <p:cBhvr>
+                                        <p:cTn id="8" dur="500" fill="hold"/>
+                                        <p:tgtEl>
+                                          <p:spTgt spid="6"/>
+                                        </p:tgtEl>
+                                        <p:attrNameLst>
+                                          <p:attrName>ppt_x</p:attrName>
+                                        </p:attrNameLst>
+                                      </p:cBhvr>
+                                      <p:tavLst>
+                                        <p:tav tm="0">
+                                          <p:val>
+                                            <p:strVal val="#ppt_x"/>
+                                          </p:val>
+                                        </p:tav>
+                                        <p:tav tm="100000">
+                                          <p:val>
+                                            <p:strVal val="#ppt_x"/>
+                                          </p:val>
+                                        </p:tav>
+                                      </p:tavLst>
+                                    </p:anim>
+                                    <p:anim calcmode="lin" valueType="num">
+                                      <p:cBhvr>
+                                        <p:cTn id="9" dur="500" fill="hold"/>
+                                        <p:tgtEl>
+                                          <p:spTgt spid="6"/>
+                                        </p:tgtEl>
+                                        <p:attrNameLst>
+                                          <p:attrName>ppt_y</p:attrName>
+                                        </p:attrNameLst>
+                                      </p:cBhvr>
+                                      <p:tavLst>
+                                        <p:tav tm="0">
+                                          <p:val>
+                                            <p:strVal val="#ppt_y+.1"/>
+                                          </p:val>
+                                        </p:tav>
+                                        <p:tav tm="100000">
+                                          <p:val>
+                                            <p:strVal val="#ppt_y"/>
+                                          </p:val>
+                                        </p:tav>
+                                      </p:tavLst>
+                                    </p:anim>
+                                  </p:childTnLst>
+                                </p:cTn>
+                              </p:par>
+                            </p:childTnLst>
+                          </p:cTn>
+                        </p:par>
+                      </p:childTnLst>
+                    </p:cTn>
+                  </p:par>
+                  <p:par>
+                    <p:cTn id="10" fill="hold">
+                      <p:stCondLst>
+                        <p:cond delay="indefinite"/>
+                      </p:stCondLst>
+                      <p:childTnLst>
+                        <p:par>
+                          <p:cTn id="11" fill="hold">
+                            <p:stCondLst>
+                              <p:cond delay="0"/>
+                            </p:stCondLst>
+                            <p:childTnLst>
+                              <p:par>
+                                <p:cTn id="12" presetID="42" presetClass="entr" presetSubtype="0" fill="hold" grpId="0" nodeType="clickEffect">
+                                  <p:stCondLst>
+                                    <p:cond delay="0"/>
+                                  </p:stCondLst>
+                                  <p:childTnLst>
+                                    <p:set>
+                                      <p:cBhvr>
+                                        <p:cTn id="13" dur="1" fill="hold">
+                                          <p:stCondLst>
+                                            <p:cond delay="0"/>
+                                          </p:stCondLst>
+                                        </p:cTn>
+                                        <p:tgtEl>
+                                          <p:spTgt spid="20"/>
+                                        </p:tgtEl>
+                                        <p:attrNameLst>
+                                          <p:attrName>style.visibility</p:attrName>
+                                        </p:attrNameLst>
+                                      </p:cBhvr>
+                                      <p:to>
+                                        <p:strVal val="visible"/>
+                                      </p:to>
+                                    </p:set>
+                                    <p:animEffect transition="in" filter="fade">
+                                      <p:cBhvr>
+                                        <p:cTn id="14" dur="500"/>
+                                        <p:tgtEl>
+                                          <p:spTgt spid="20"/>
+                                        </p:tgtEl>
+                                      </p:cBhvr>
+                                    </p:animEffect>
+                                    <p:anim calcmode="lin" valueType="num">
+                                      <p:cBhvr>
+                                        <p:cTn id="15" dur="500" fill="hold"/>
+                                        <p:tgtEl>
+                                          <p:spTgt spid="20"/>
+                                        </p:tgtEl>
+                                        <p:attrNameLst>
+                                          <p:attrName>ppt_x</p:attrName>
+                                        </p:attrNameLst>
+                                      </p:cBhvr>
+                                      <p:tavLst>
+                                        <p:tav tm="0">
+                                          <p:val>
+                                            <p:strVal val="#ppt_x"/>
+                                          </p:val>
+                                        </p:tav>
+                                        <p:tav tm="100000">
+                                          <p:val>
+                                            <p:strVal val="#ppt_x"/>
+                                          </p:val>
+                                        </p:tav>
+                                      </p:tavLst>
+                                    </p:anim>
+                                    <p:anim calcmode="lin" valueType="num">
+                                      <p:cBhvr>
+                                        <p:cTn id="16" dur="500" fill="hold"/>
+                                        <p:tgtEl>
+                                          <p:spTgt spid="20"/>
+                                        </p:tgtEl>
+                                        <p:attrNameLst>
+                                          <p:attrName>ppt_y</p:attrName>
+                                        </p:attrNameLst>
+                                      </p:cBhvr>
+                                      <p:tavLst>
+                                        <p:tav tm="0">
+                                          <p:val>
+                                            <p:strVal val="#ppt_y+.1"/>
+                                          </p:val>
+                                        </p:tav>
+                                        <p:tav tm="100000">
+                                          <p:val>
+                                            <p:strVal val="#ppt_y"/>
+                                          </p:val>
+                                        </p:tav>
+                                      </p:tavLst>
+                                    </p:anim>
+                                  </p:childTnLst>
+                                </p:cTn>
+                              </p:par>
+                            </p:childTnLst>
+                          </p:cTn>
+                        </p:par>
+                      </p:childTnLst>
+                    </p:cTn>
+                  </p:par>
+                  <p:par>
+                    <p:cTn id="17" fill="hold">
+                      <p:stCondLst>
+                        <p:cond delay="indefinite"/>
+                      </p:stCondLst>
+                      <p:childTnLst>
+                        <p:par>
+                          <p:cTn id="18" fill="hold">
+                            <p:stCondLst>
+                              <p:cond delay="0"/>
+                            </p:stCondLst>
+                            <p:childTnLst>
+                              <p:par>
+                                <p:cTn id="19" presetID="42" presetClass="entr" presetSubtype="0" fill="hold" grpId="0" nodeType="clickEffect">
+                                  <p:stCondLst>
+                                    <p:cond delay="0"/>
+                                  </p:stCondLst>
+                                  <p:childTnLst>
+                                    <p:set>
+                                      <p:cBhvr>
+                                        <p:cTn id="20" dur="1" fill="hold">
+                                          <p:stCondLst>
+                                            <p:cond delay="0"/>
+                                          </p:stCondLst>
+                                        </p:cTn>
+                                        <p:tgtEl>
+                                          <p:spTgt spid="15"/>
+                                        </p:tgtEl>
+                                        <p:attrNameLst>
+                                          <p:attrName>style.visibility</p:attrName>
+                                        </p:attrNameLst>
+                                      </p:cBhvr>
+                                      <p:to>
+                                        <p:strVal val="visible"/>
+                                      </p:to>
+                                    </p:set>
+                                    <p:animEffect transition="in" filter="fade">
+                                      <p:cBhvr>
+                                        <p:cTn id="21" dur="500"/>
+                                        <p:tgtEl>
+                                          <p:spTgt spid="15"/>
+                                        </p:tgtEl>
+                                      </p:cBhvr>
+                                    </p:animEffect>
+                                    <p:anim calcmode="lin" valueType="num">
+                                      <p:cBhvr>
+                                        <p:cTn id="22" dur="500" fill="hold"/>
+                                        <p:tgtEl>
+                                          <p:spTgt spid="15"/>
+                                        </p:tgtEl>
+                                        <p:attrNameLst>
+                                          <p:attrName>ppt_x</p:attrName>
+                                        </p:attrNameLst>
+                                      </p:cBhvr>
+                                      <p:tavLst>
+                                        <p:tav tm="0">
+                                          <p:val>
+                                            <p:strVal val="#ppt_x"/>
+                                          </p:val>
+                                        </p:tav>
+                                        <p:tav tm="100000">
+                                          <p:val>
+                                            <p:strVal val="#ppt_x"/>
+                                          </p:val>
+                                        </p:tav>
+                                      </p:tavLst>
+                                    </p:anim>
+                                    <p:anim calcmode="lin" valueType="num">
+                                      <p:cBhvr>
+                                        <p:cTn id="23" dur="500" fill="hold"/>
+                                        <p:tgtEl>
+                                          <p:spTgt spid="15"/>
+                                        </p:tgtEl>
+                                        <p:attrNameLst>
+                                          <p:attrName>ppt_y</p:attrName>
+                                        </p:attrNameLst>
+                                      </p:cBhvr>
+                                      <p:tavLst>
+                                        <p:tav tm="0">
+                                          <p:val>
+                                            <p:strVal val="#ppt_y+.1"/>
+                                          </p:val>
+                                        </p:tav>
+                                        <p:tav tm="100000">
+                                          <p:val>
+                                            <p:strVal val="#ppt_y"/>
+                                          </p:val>
+                                        </p:tav>
+                                      </p:tavLst>
+                                    </p:anim>
+                                  </p:childTnLst>
+                                </p:cTn>
+                              </p:par>
+                            </p:childTnLst>
+                          </p:cTn>
+                        </p:par>
+                      </p:childTnLst>
+                    </p:cTn>
+                  </p:par>
+                </p:childTnLst>
+              </p:cTn>
+              <p:prevCondLst>
+                <p:cond evt="onPrev" delay="0">
+                  <p:tgtEl>
+                    <p:sldTgt/>
+                  </p:tgtEl>
+                </p:cond>
+              </p:prevCondLst>
+              <p:nextCondLst>
+                <p:cond evt="onNext" delay="0">
+                  <p:tgtEl>
+                    <p:sldTgt/>
+                  </p:tgtEl>
+                </p:cond>
+              </p:nextCondLst>
+            </p:seq>
+          </p:childTnLst>
+        </p:cTn>
+      </p:par>
+    </p:tnLst>
+    <p:bldLst>
+      <p:bldP spid="6" grpId="0"/>
+      <p:bldP spid="15" grpId="0" uiExpand="1"/>
+      <p:bldP spid="20" grpId="0"/>
+    </p:bldLst>
+  </p:timing>
+</p:sld>
+</file>
+
+<file path=ppt/slides/slide20.xml><?xml version="1.0" encoding="utf-8"?>
+<p:sld xmlns:a="http://schemas.openxmlformats.org/drawingml/2006/main" xmlns:r="http://schemas.openxmlformats.org/officeDocument/2006/relationships" xmlns:p="http://schemas.openxmlformats.org/presentationml/2006/main">
+  <p:cSld>
+    <p:spTree>
+      <p:nvGrpSpPr>
+        <p:cNvPr id="1" name=""/>
+        <p:cNvGrpSpPr/>
+        <p:nvPr/>
+      </p:nvGrpSpPr>
+      <p:grpSpPr>
+        <a:xfrm>
+          <a:off x="0" y="0"/>
+          <a:ext cx="0" cy="0"/>
+          <a:chOff x="0" y="0"/>
+          <a:chExt cx="0" cy="0"/>
+        </a:xfrm>
+      </p:grpSpPr>
+      <p:sp>
+        <p:nvSpPr>
+          <p:cNvPr id="22" name="Title 21">
+            <a:extLst>
+              <a:ext uri="{FF2B5EF4-FFF2-40B4-BE49-F238E27FC236}">
+                <a16:creationId xmlns:a16="http://schemas.microsoft.com/office/drawing/2014/main" id="{F635AA92-1D29-4831-89E4-1B49C265FA6C}"/>
+              </a:ext>
+            </a:extLst>
+          </p:cNvPr>
+          <p:cNvSpPr>
+            <a:spLocks noGrp="1"/>
+          </p:cNvSpPr>
+          <p:nvPr>
+            <p:ph type="title"/>
+          </p:nvPr>
+        </p:nvSpPr>
+        <p:spPr/>
+        <p:txBody>
+          <a:bodyPr/>
+          <a:lstStyle/>
+          <a:p>
+            <a:r>
+              <a:rPr lang="en-US" dirty="0" smtClean="0"/>
+              <a:t>TASKWORLD</a:t>
+            </a:r>
+            <a:endParaRPr lang="en-GB" dirty="0"/>
+          </a:p>
+        </p:txBody>
+      </p:sp>
+      <p:sp>
+        <p:nvSpPr>
+          <p:cNvPr id="5" name="Text Placeholder 4"/>
+          <p:cNvSpPr>
+            <a:spLocks noGrp="1"/>
+          </p:cNvSpPr>
+          <p:nvPr>
+            <p:ph type="body" idx="1"/>
+          </p:nvPr>
+        </p:nvSpPr>
+        <p:spPr/>
+        <p:txBody>
+          <a:bodyPr/>
+          <a:lstStyle/>
+          <a:p>
+            <a:r>
+              <a:rPr lang="en-US" dirty="0" smtClean="0"/>
+              <a:t>Trello </a:t>
+            </a:r>
+            <a:r>
+              <a:rPr lang="en-US" dirty="0"/>
+              <a:t>is good but </a:t>
+            </a:r>
+            <a:r>
+              <a:rPr lang="en-US" dirty="0" err="1"/>
+              <a:t>taskworld</a:t>
+            </a:r>
+            <a:r>
+              <a:rPr lang="en-US" dirty="0"/>
+              <a:t> is better</a:t>
+            </a:r>
+          </a:p>
+        </p:txBody>
+      </p:sp>
+      <p:pic>
+        <p:nvPicPr>
+          <p:cNvPr id="2" name="Picture 1"/>
+          <p:cNvPicPr>
+            <a:picLocks noChangeAspect="1"/>
+          </p:cNvPicPr>
+          <p:nvPr/>
+        </p:nvPicPr>
+        <p:blipFill>
+          <a:blip r:embed="rId2">
+            <a:extLst>
+              <a:ext uri="{28A0092B-C50C-407E-A947-70E740481C1C}">
+                <a14:useLocalDpi xmlns:a14="http://schemas.microsoft.com/office/drawing/2010/main" val="0"/>
+              </a:ext>
+            </a:extLst>
+          </a:blip>
+          <a:stretch>
+            <a:fillRect/>
+          </a:stretch>
+        </p:blipFill>
+        <p:spPr>
+          <a:xfrm>
+            <a:off x="831849" y="335810"/>
+            <a:ext cx="2113281" cy="605166"/>
+          </a:xfrm>
+          <a:prstGeom prst="rect">
+            <a:avLst/>
+          </a:prstGeom>
+        </p:spPr>
+      </p:pic>
+      <p:pic>
+        <p:nvPicPr>
+          <p:cNvPr id="8" name="Picture Placeholder 7"/>
+          <p:cNvPicPr>
+            <a:picLocks noGrp="1" noChangeAspect="1"/>
+          </p:cNvPicPr>
+          <p:nvPr>
+            <p:ph type="pic" sz="quarter" idx="14"/>
+          </p:nvPr>
+        </p:nvPicPr>
+        <p:blipFill>
+          <a:blip r:embed="rId3">
+            <a:extLst>
+              <a:ext uri="{28A0092B-C50C-407E-A947-70E740481C1C}">
+                <a14:useLocalDpi xmlns:a14="http://schemas.microsoft.com/office/drawing/2010/main" val="0"/>
+              </a:ext>
+            </a:extLst>
+          </a:blip>
+          <a:srcRect l="22535" r="22535"/>
+          <a:stretch>
+            <a:fillRect/>
+          </a:stretch>
+        </p:blipFill>
+        <p:spPr/>
+      </p:pic>
+    </p:spTree>
+    <p:extLst>
+      <p:ext uri="{BB962C8B-B14F-4D97-AF65-F5344CB8AC3E}">
+        <p14:creationId xmlns:p14="http://schemas.microsoft.com/office/powerpoint/2010/main" val="2416188467"/>
+      </p:ext>
+    </p:extLst>
+  </p:cSld>
+  <p:clrMapOvr>
+    <a:masterClrMapping/>
+  </p:clrMapOvr>
+  <p:timing>
+    <p:tnLst>
+      <p:par>
+        <p:cTn id="1" dur="indefinite" restart="never" nodeType="tmRoot"/>
+      </p:par>
+    </p:tnLst>
+  </p:timing>
+</p:sld>
+</file>
+
+<file path=ppt/slides/slide21.xml><?xml version="1.0" encoding="utf-8"?>
+<p:sld xmlns:a="http://schemas.openxmlformats.org/drawingml/2006/main" xmlns:r="http://schemas.openxmlformats.org/officeDocument/2006/relationships" xmlns:p="http://schemas.openxmlformats.org/presentationml/2006/main">
+  <p:cSld>
+    <p:spTree>
+      <p:nvGrpSpPr>
+        <p:cNvPr id="1" name=""/>
+        <p:cNvGrpSpPr/>
+        <p:nvPr/>
+      </p:nvGrpSpPr>
+      <p:grpSpPr>
+        <a:xfrm>
+          <a:off x="0" y="0"/>
+          <a:ext cx="0" cy="0"/>
+          <a:chOff x="0" y="0"/>
+          <a:chExt cx="0" cy="0"/>
+        </a:xfrm>
+      </p:grpSpPr>
+      <p:sp>
+        <p:nvSpPr>
+          <p:cNvPr id="17" name="Title 16">
+            <a:extLst>
+              <a:ext uri="{FF2B5EF4-FFF2-40B4-BE49-F238E27FC236}">
+                <a16:creationId xmlns:a16="http://schemas.microsoft.com/office/drawing/2014/main" id="{96B69F7F-7BDF-4049-AB94-D24D1055CFD1}"/>
+              </a:ext>
+            </a:extLst>
+          </p:cNvPr>
+          <p:cNvSpPr>
+            <a:spLocks noGrp="1"/>
+          </p:cNvSpPr>
+          <p:nvPr>
+            <p:ph type="title"/>
+          </p:nvPr>
+        </p:nvSpPr>
+        <p:spPr>
+          <a:xfrm>
+            <a:off x="640079" y="-155981"/>
+            <a:ext cx="5910095" cy="1480711"/>
+          </a:xfrm>
+        </p:spPr>
+        <p:txBody>
+          <a:bodyPr/>
+          <a:lstStyle/>
+          <a:p>
+            <a:r>
+              <a:rPr lang="en-US" dirty="0" smtClean="0"/>
+              <a:t>Pros &amp; Cons</a:t>
+            </a:r>
+            <a:endParaRPr lang="en-US" dirty="0"/>
+          </a:p>
+        </p:txBody>
+      </p:sp>
+      <p:sp>
+        <p:nvSpPr>
+          <p:cNvPr id="19" name="Text Placeholder 18">
+            <a:extLst>
+              <a:ext uri="{FF2B5EF4-FFF2-40B4-BE49-F238E27FC236}">
+                <a16:creationId xmlns:a16="http://schemas.microsoft.com/office/drawing/2014/main" id="{4024D790-0AE9-488A-A1A9-F732CD7A0F1E}"/>
+              </a:ext>
+            </a:extLst>
+          </p:cNvPr>
+          <p:cNvSpPr>
+            <a:spLocks noGrp="1"/>
+          </p:cNvSpPr>
+          <p:nvPr>
+            <p:ph type="body" sz="quarter" idx="15"/>
+          </p:nvPr>
+        </p:nvSpPr>
+        <p:spPr>
+          <a:xfrm>
+            <a:off x="640080" y="1865724"/>
+            <a:ext cx="5608320" cy="3653188"/>
+          </a:xfrm>
+        </p:spPr>
+        <p:txBody>
+          <a:bodyPr/>
+          <a:lstStyle/>
+          <a:p>
+            <a:r>
+              <a:rPr lang="en-US" sz="2400" dirty="0" smtClean="0"/>
+              <a:t>Do everything Trello can do</a:t>
+            </a:r>
+          </a:p>
+          <a:p>
+            <a:r>
+              <a:rPr lang="en-US" sz="2400" dirty="0" smtClean="0"/>
+              <a:t>Good customer support</a:t>
+            </a:r>
+          </a:p>
+          <a:p>
+            <a:r>
+              <a:rPr lang="en-US" sz="2400" dirty="0"/>
+              <a:t>98% Customer Satisfaction Rating</a:t>
+            </a:r>
+          </a:p>
+        </p:txBody>
+      </p:sp>
+      <p:sp>
+        <p:nvSpPr>
+          <p:cNvPr id="20" name="Text Placeholder 19">
+            <a:extLst>
+              <a:ext uri="{FF2B5EF4-FFF2-40B4-BE49-F238E27FC236}">
+                <a16:creationId xmlns:a16="http://schemas.microsoft.com/office/drawing/2014/main" id="{EF7D456B-7C3B-486F-804B-C2860F61E5F7}"/>
+              </a:ext>
+            </a:extLst>
+          </p:cNvPr>
+          <p:cNvSpPr>
+            <a:spLocks noGrp="1"/>
+          </p:cNvSpPr>
+          <p:nvPr>
+            <p:ph type="body" sz="quarter" idx="16"/>
+          </p:nvPr>
+        </p:nvSpPr>
+        <p:spPr>
+          <a:xfrm>
+            <a:off x="6622992" y="1865724"/>
+            <a:ext cx="4997499" cy="3653188"/>
+          </a:xfrm>
+        </p:spPr>
+        <p:txBody>
+          <a:bodyPr/>
+          <a:lstStyle/>
+          <a:p>
+            <a:r>
+              <a:rPr lang="en-US" sz="2400" dirty="0" smtClean="0"/>
+              <a:t>Not as good as Trello</a:t>
+            </a:r>
+          </a:p>
+          <a:p>
+            <a:r>
+              <a:rPr lang="en-US" sz="2400" dirty="0" smtClean="0"/>
+              <a:t>The mobile applications user experience is not so smooth</a:t>
+            </a:r>
+            <a:endParaRPr lang="en-US" sz="2400" dirty="0"/>
+          </a:p>
+        </p:txBody>
+      </p:sp>
+      <p:sp>
+        <p:nvSpPr>
+          <p:cNvPr id="53" name="Slide Number Placeholder 52">
+            <a:extLst>
+              <a:ext uri="{FF2B5EF4-FFF2-40B4-BE49-F238E27FC236}">
+                <a16:creationId xmlns:a16="http://schemas.microsoft.com/office/drawing/2014/main" id="{D674A398-A2D9-421A-AAC4-14E16A9A1488}"/>
+              </a:ext>
+            </a:extLst>
+          </p:cNvPr>
+          <p:cNvSpPr>
+            <a:spLocks noGrp="1"/>
+          </p:cNvSpPr>
+          <p:nvPr>
+            <p:ph type="sldNum" sz="quarter" idx="19"/>
+          </p:nvPr>
+        </p:nvSpPr>
+        <p:spPr>
+          <a:xfrm>
+            <a:off x="11230806" y="6315166"/>
+            <a:ext cx="389686" cy="393610"/>
+          </a:xfrm>
+        </p:spPr>
+        <p:txBody>
+          <a:bodyPr/>
+          <a:lstStyle/>
+          <a:p>
+            <a:fld id="{DCB4E619-4CA9-4A22-920F-20396BF50470}" type="slidenum">
+              <a:rPr lang="en-US" smtClean="0"/>
+              <a:pPr/>
+              <a:t>21</a:t>
+            </a:fld>
+            <a:endParaRPr lang="en-US" dirty="0"/>
+          </a:p>
+        </p:txBody>
+      </p:sp>
+    </p:spTree>
+    <p:extLst>
+      <p:ext uri="{BB962C8B-B14F-4D97-AF65-F5344CB8AC3E}">
+        <p14:creationId xmlns:p14="http://schemas.microsoft.com/office/powerpoint/2010/main" val="2827847552"/>
+      </p:ext>
+    </p:extLst>
+  </p:cSld>
+  <p:clrMapOvr>
+    <a:masterClrMapping/>
+  </p:clrMapOvr>
+  <p:timing>
+    <p:tnLst>
+      <p:par>
+        <p:cTn id="1" dur="indefinite" restart="never" nodeType="tmRoot"/>
+      </p:par>
+    </p:tnLst>
+  </p:timing>
+</p:sld>
+</file>
+
+<file path=ppt/slides/slide22.xml><?xml version="1.0" encoding="utf-8"?>
+<p:sld xmlns:a="http://schemas.openxmlformats.org/drawingml/2006/main" xmlns:r="http://schemas.openxmlformats.org/officeDocument/2006/relationships" xmlns:p="http://schemas.openxmlformats.org/presentationml/2006/main">
+  <p:cSld>
+    <p:spTree>
+      <p:nvGrpSpPr>
+        <p:cNvPr id="1" name=""/>
+        <p:cNvGrpSpPr/>
+        <p:nvPr/>
+      </p:nvGrpSpPr>
+      <p:grpSpPr>
+        <a:xfrm>
+          <a:off x="0" y="0"/>
+          <a:ext cx="0" cy="0"/>
+          <a:chOff x="0" y="0"/>
+          <a:chExt cx="0" cy="0"/>
+        </a:xfrm>
+      </p:grpSpPr>
+      <p:pic>
+        <p:nvPicPr>
+          <p:cNvPr id="19" name="Picture Placeholder 18" descr="scattered hearts">
+            <a:extLst>
+              <a:ext uri="{FF2B5EF4-FFF2-40B4-BE49-F238E27FC236}">
+                <a16:creationId xmlns:a16="http://schemas.microsoft.com/office/drawing/2014/main" id="{92BB8B2D-E401-2647-9892-95951D9CF0BB}"/>
+              </a:ext>
+            </a:extLst>
+          </p:cNvPr>
+          <p:cNvPicPr>
+            <a:picLocks noGrp="1" noChangeAspect="1"/>
+          </p:cNvPicPr>
+          <p:nvPr>
+            <p:ph type="pic" sz="quarter" idx="14"/>
+          </p:nvPr>
+        </p:nvPicPr>
+        <p:blipFill>
+          <a:blip r:embed="rId2" cstate="screen">
+            <a:extLst>
+              <a:ext uri="{28A0092B-C50C-407E-A947-70E740481C1C}">
+                <a14:useLocalDpi xmlns:a14="http://schemas.microsoft.com/office/drawing/2010/main"/>
+              </a:ext>
+            </a:extLst>
+          </a:blip>
+          <a:srcRect/>
+          <a:stretch>
+            <a:fillRect/>
+          </a:stretch>
+        </p:blipFill>
+        <p:spPr/>
+      </p:pic>
+      <p:sp>
+        <p:nvSpPr>
+          <p:cNvPr id="2" name="Title 1">
+            <a:extLst>
+              <a:ext uri="{FF2B5EF4-FFF2-40B4-BE49-F238E27FC236}">
+                <a16:creationId xmlns:a16="http://schemas.microsoft.com/office/drawing/2014/main" id="{8E34323A-4440-4925-884C-BF32AF969623}"/>
+              </a:ext>
+            </a:extLst>
+          </p:cNvPr>
+          <p:cNvSpPr>
+            <a:spLocks noGrp="1"/>
+          </p:cNvSpPr>
+          <p:nvPr>
+            <p:ph type="ctrTitle"/>
+          </p:nvPr>
+        </p:nvSpPr>
+        <p:spPr/>
+        <p:txBody>
+          <a:bodyPr/>
+          <a:lstStyle/>
+          <a:p>
+            <a:r>
+              <a:rPr lang="en-US" dirty="0" smtClean="0"/>
+              <a:t>THE END</a:t>
+            </a:r>
+            <a:endParaRPr lang="en-GB" dirty="0"/>
+          </a:p>
+        </p:txBody>
+      </p:sp>
+      <p:pic>
+        <p:nvPicPr>
+          <p:cNvPr id="25" name="Graphic 24" descr="User" title="Icon - Presenter Name">
+            <a:extLst>
+              <a:ext uri="{FF2B5EF4-FFF2-40B4-BE49-F238E27FC236}">
+                <a16:creationId xmlns:a16="http://schemas.microsoft.com/office/drawing/2014/main" id="{8AD9F4DD-CCDA-4C5B-AC7A-71E96FD45B25}"/>
+              </a:ext>
+            </a:extLst>
+          </p:cNvPr>
+          <p:cNvPicPr>
+            <a:picLocks noChangeAspect="1"/>
+          </p:cNvPicPr>
+          <p:nvPr/>
+        </p:nvPicPr>
+        <p:blipFill>
+          <a:blip r:embed="rId3" cstate="screen">
+            <a:extLst>
+              <a:ext uri="{28A0092B-C50C-407E-A947-70E740481C1C}">
+                <a14:useLocalDpi xmlns:a14="http://schemas.microsoft.com/office/drawing/2010/main"/>
+              </a:ext>
+              <a:ext uri="{96DAC541-7B7A-43D3-8B79-37D633B846F1}">
+                <asvg:svgBlip xmlns="" xmlns:asvg="http://schemas.microsoft.com/office/drawing/2016/SVG/main" r:embed="rId4"/>
+              </a:ext>
+            </a:extLst>
+          </a:blip>
+          <a:stretch>
+            <a:fillRect/>
+          </a:stretch>
+        </p:blipFill>
+        <p:spPr>
+          <a:xfrm>
+            <a:off x="4192357" y="4451822"/>
+            <a:ext cx="218900" cy="218900"/>
+          </a:xfrm>
+          <a:prstGeom prst="rect">
+            <a:avLst/>
+          </a:prstGeom>
+        </p:spPr>
+      </p:pic>
+      <p:sp>
+        <p:nvSpPr>
+          <p:cNvPr id="47" name="Text Placeholder 46">
+            <a:extLst>
+              <a:ext uri="{FF2B5EF4-FFF2-40B4-BE49-F238E27FC236}">
+                <a16:creationId xmlns:a16="http://schemas.microsoft.com/office/drawing/2014/main" id="{4D95FE79-CFF8-4D94-9DEC-570635FF4F8C}"/>
+              </a:ext>
+            </a:extLst>
+          </p:cNvPr>
+          <p:cNvSpPr>
+            <a:spLocks noGrp="1"/>
+          </p:cNvSpPr>
+          <p:nvPr>
+            <p:ph type="body" sz="quarter" idx="15"/>
+          </p:nvPr>
+        </p:nvSpPr>
+        <p:spPr/>
+        <p:txBody>
+          <a:bodyPr/>
+          <a:lstStyle/>
+          <a:p>
+            <a:r>
+              <a:rPr lang="en-GB" dirty="0"/>
+              <a:t>Nguyen Hong Phat</a:t>
+            </a:r>
+          </a:p>
+        </p:txBody>
+      </p:sp>
+      <p:pic>
+        <p:nvPicPr>
+          <p:cNvPr id="27" name="Graphic 26" descr="Smart Phone" title="Icon - Presenter Phone Number">
+            <a:extLst>
+              <a:ext uri="{FF2B5EF4-FFF2-40B4-BE49-F238E27FC236}">
+                <a16:creationId xmlns:a16="http://schemas.microsoft.com/office/drawing/2014/main" id="{7F57AED0-2F73-4435-986B-E6D6B090FB80}"/>
+              </a:ext>
+            </a:extLst>
+          </p:cNvPr>
+          <p:cNvPicPr>
+            <a:picLocks noChangeAspect="1"/>
+          </p:cNvPicPr>
+          <p:nvPr/>
+        </p:nvPicPr>
+        <p:blipFill>
+          <a:blip r:embed="rId5" cstate="screen">
+            <a:extLst>
+              <a:ext uri="{28A0092B-C50C-407E-A947-70E740481C1C}">
+                <a14:useLocalDpi xmlns:a14="http://schemas.microsoft.com/office/drawing/2010/main"/>
+              </a:ext>
+              <a:ext uri="{96DAC541-7B7A-43D3-8B79-37D633B846F1}">
+                <asvg:svgBlip xmlns="" xmlns:asvg="http://schemas.microsoft.com/office/drawing/2016/SVG/main" r:embed="rId6"/>
+              </a:ext>
+            </a:extLst>
+          </a:blip>
+          <a:stretch>
+            <a:fillRect/>
+          </a:stretch>
+        </p:blipFill>
+        <p:spPr>
+          <a:xfrm>
+            <a:off x="4192357" y="4888322"/>
+            <a:ext cx="218900" cy="218900"/>
+          </a:xfrm>
+          <a:prstGeom prst="rect">
+            <a:avLst/>
+          </a:prstGeom>
+        </p:spPr>
+      </p:pic>
+      <p:sp>
+        <p:nvSpPr>
+          <p:cNvPr id="48" name="Text Placeholder 47">
+            <a:extLst>
+              <a:ext uri="{FF2B5EF4-FFF2-40B4-BE49-F238E27FC236}">
+                <a16:creationId xmlns:a16="http://schemas.microsoft.com/office/drawing/2014/main" id="{06FFB8C8-0373-4CC1-AEBD-2339FD80758A}"/>
+              </a:ext>
+            </a:extLst>
+          </p:cNvPr>
+          <p:cNvSpPr>
+            <a:spLocks noGrp="1"/>
+          </p:cNvSpPr>
+          <p:nvPr>
+            <p:ph type="body" sz="quarter" idx="16"/>
+          </p:nvPr>
+        </p:nvSpPr>
+        <p:spPr/>
+        <p:txBody>
+          <a:bodyPr/>
+          <a:lstStyle/>
+          <a:p>
+            <a:r>
+              <a:rPr lang="en-US" dirty="0" smtClean="0"/>
+              <a:t>0903670437</a:t>
+            </a:r>
+            <a:endParaRPr lang="en-GB" dirty="0"/>
+          </a:p>
+        </p:txBody>
+      </p:sp>
+      <p:pic>
+        <p:nvPicPr>
+          <p:cNvPr id="26" name="Graphic 25" descr="Envelope" title="Icon Presenter Email">
+            <a:extLst>
+              <a:ext uri="{FF2B5EF4-FFF2-40B4-BE49-F238E27FC236}">
+                <a16:creationId xmlns:a16="http://schemas.microsoft.com/office/drawing/2014/main" id="{D4984F9A-48C8-4F0D-AFBE-978FEBD86F12}"/>
+              </a:ext>
+            </a:extLst>
+          </p:cNvPr>
+          <p:cNvPicPr>
+            <a:picLocks noChangeAspect="1"/>
+          </p:cNvPicPr>
+          <p:nvPr/>
+        </p:nvPicPr>
+        <p:blipFill>
+          <a:blip r:embed="rId7" cstate="screen">
+            <a:extLst>
+              <a:ext uri="{28A0092B-C50C-407E-A947-70E740481C1C}">
+                <a14:useLocalDpi xmlns:a14="http://schemas.microsoft.com/office/drawing/2010/main"/>
+              </a:ext>
+              <a:ext uri="{96DAC541-7B7A-43D3-8B79-37D633B846F1}">
+                <asvg:svgBlip xmlns="" xmlns:asvg="http://schemas.microsoft.com/office/drawing/2016/SVG/main" r:embed="rId8"/>
+              </a:ext>
+            </a:extLst>
+          </a:blip>
+          <a:stretch>
+            <a:fillRect/>
+          </a:stretch>
+        </p:blipFill>
+        <p:spPr>
+          <a:xfrm>
+            <a:off x="4192357" y="5324822"/>
+            <a:ext cx="218900" cy="218900"/>
+          </a:xfrm>
+          <a:prstGeom prst="rect">
+            <a:avLst/>
+          </a:prstGeom>
+        </p:spPr>
+      </p:pic>
+      <p:sp>
+        <p:nvSpPr>
+          <p:cNvPr id="49" name="Text Placeholder 48">
+            <a:extLst>
+              <a:ext uri="{FF2B5EF4-FFF2-40B4-BE49-F238E27FC236}">
+                <a16:creationId xmlns:a16="http://schemas.microsoft.com/office/drawing/2014/main" id="{471D5D2B-28B9-4922-9CA2-09EE845FC8CE}"/>
+              </a:ext>
+            </a:extLst>
+          </p:cNvPr>
+          <p:cNvSpPr>
+            <a:spLocks noGrp="1"/>
+          </p:cNvSpPr>
+          <p:nvPr>
+            <p:ph type="body" sz="quarter" idx="17"/>
+          </p:nvPr>
+        </p:nvSpPr>
+        <p:spPr/>
+        <p:txBody>
+          <a:bodyPr/>
+          <a:lstStyle/>
+          <a:p>
+            <a:r>
+              <a:rPr lang="en-US" dirty="0" smtClean="0"/>
+              <a:t>phatnhse63348@fpt.edu.vn</a:t>
+            </a:r>
+            <a:endParaRPr lang="en-GB" dirty="0"/>
+          </a:p>
+        </p:txBody>
+      </p:sp>
+      <p:pic>
+        <p:nvPicPr>
+          <p:cNvPr id="28" name="Graphic 27" descr="Link">
+            <a:extLst>
+              <a:ext uri="{FF2B5EF4-FFF2-40B4-BE49-F238E27FC236}">
+                <a16:creationId xmlns:a16="http://schemas.microsoft.com/office/drawing/2014/main" id="{73A362A9-D05E-4043-BA3E-8CCCD7280B5A}"/>
+              </a:ext>
+            </a:extLst>
+          </p:cNvPr>
+          <p:cNvPicPr>
+            <a:picLocks noChangeAspect="1"/>
+          </p:cNvPicPr>
+          <p:nvPr/>
+        </p:nvPicPr>
+        <p:blipFill>
+          <a:blip r:embed="rId9" cstate="screen">
+            <a:extLst>
+              <a:ext uri="{28A0092B-C50C-407E-A947-70E740481C1C}">
+                <a14:useLocalDpi xmlns:a14="http://schemas.microsoft.com/office/drawing/2010/main"/>
+              </a:ext>
+              <a:ext uri="{96DAC541-7B7A-43D3-8B79-37D633B846F1}">
+                <asvg:svgBlip xmlns="" xmlns:asvg="http://schemas.microsoft.com/office/drawing/2016/SVG/main" r:embed="rId10"/>
+              </a:ext>
+            </a:extLst>
+          </a:blip>
+          <a:stretch>
+            <a:fillRect/>
+          </a:stretch>
+        </p:blipFill>
+        <p:spPr>
+          <a:xfrm>
+            <a:off x="4179414" y="5748378"/>
+            <a:ext cx="244786" cy="244786"/>
+          </a:xfrm>
+          <a:prstGeom prst="rect">
+            <a:avLst/>
+          </a:prstGeom>
+        </p:spPr>
+      </p:pic>
+      <p:sp>
+        <p:nvSpPr>
+          <p:cNvPr id="50" name="Text Placeholder 49">
+            <a:extLst>
+              <a:ext uri="{FF2B5EF4-FFF2-40B4-BE49-F238E27FC236}">
+                <a16:creationId xmlns:a16="http://schemas.microsoft.com/office/drawing/2014/main" id="{62E8D0D1-0417-4634-A042-83CCE253F308}"/>
+              </a:ext>
+            </a:extLst>
+          </p:cNvPr>
+          <p:cNvSpPr>
+            <a:spLocks noGrp="1"/>
+          </p:cNvSpPr>
+          <p:nvPr>
+            <p:ph type="body" sz="quarter" idx="18"/>
+          </p:nvPr>
+        </p:nvSpPr>
+        <p:spPr/>
+        <p:txBody>
+          <a:bodyPr/>
+          <a:lstStyle/>
+          <a:p>
+            <a:r>
+              <a:rPr lang="en-US" dirty="0" smtClean="0"/>
+              <a:t>nguyenhongphat0.github.io</a:t>
+            </a:r>
+            <a:endParaRPr lang="en-GB" dirty="0"/>
+          </a:p>
+        </p:txBody>
+      </p:sp>
+      <p:cxnSp>
+        <p:nvCxnSpPr>
+          <p:cNvPr id="24" name="Straight Connector 23" descr="divider line">
+            <a:extLst>
+              <a:ext uri="{FF2B5EF4-FFF2-40B4-BE49-F238E27FC236}">
+                <a16:creationId xmlns:a16="http://schemas.microsoft.com/office/drawing/2014/main" id="{88ABE268-9B2A-4899-AC85-147AE076489C}"/>
+              </a:ext>
+            </a:extLst>
+          </p:cNvPr>
+          <p:cNvCxnSpPr/>
+          <p:nvPr/>
+        </p:nvCxnSpPr>
+        <p:spPr>
+          <a:xfrm>
+            <a:off x="4516210" y="4422773"/>
+            <a:ext cx="0" cy="1586498"/>
+          </a:xfrm>
+          <a:prstGeom prst="line">
+            <a:avLst/>
+          </a:prstGeom>
+          <a:ln>
+            <a:solidFill>
+              <a:schemeClr val="bg1"/>
+            </a:solidFill>
+            <a:prstDash val="dash"/>
+          </a:ln>
+        </p:spPr>
+        <p:style>
+          <a:lnRef idx="1">
+            <a:schemeClr val="accent1"/>
+          </a:lnRef>
+          <a:fillRef idx="0">
+            <a:schemeClr val="accent1"/>
+          </a:fillRef>
+          <a:effectRef idx="0">
+            <a:schemeClr val="accent1"/>
+          </a:effectRef>
+          <a:fontRef idx="minor">
+            <a:schemeClr val="tx1"/>
+          </a:fontRef>
+        </p:style>
+      </p:cxnSp>
+      <p:sp>
+        <p:nvSpPr>
+          <p:cNvPr id="40" name="TextBox 39"/>
+          <p:cNvSpPr txBox="1"/>
+          <p:nvPr/>
+        </p:nvSpPr>
+        <p:spPr>
+          <a:xfrm>
+            <a:off x="4411257" y="3860800"/>
+            <a:ext cx="3108543" cy="369332"/>
+          </a:xfrm>
+          <a:prstGeom prst="rect">
+            <a:avLst/>
+          </a:prstGeom>
+          <a:noFill/>
+        </p:spPr>
+        <p:txBody>
+          <a:bodyPr wrap="none" rtlCol="0">
+            <a:spAutoFit/>
+          </a:bodyPr>
+          <a:lstStyle/>
+          <a:p>
+            <a:r>
+              <a:rPr lang="en-US" dirty="0" smtClean="0">
+                <a:solidFill>
+                  <a:schemeClr val="bg1"/>
+                </a:solidFill>
+              </a:rPr>
+              <a:t>Any information, contact me:</a:t>
+            </a:r>
+            <a:endParaRPr lang="en-US" dirty="0">
+              <a:solidFill>
+                <a:schemeClr val="bg1"/>
+              </a:solidFill>
+            </a:endParaRPr>
+          </a:p>
+        </p:txBody>
+      </p:sp>
+    </p:spTree>
+    <p:extLst>
+      <p:ext uri="{BB962C8B-B14F-4D97-AF65-F5344CB8AC3E}">
+        <p14:creationId xmlns:p14="http://schemas.microsoft.com/office/powerpoint/2010/main" val="592886844"/>
+      </p:ext>
+    </p:extLst>
+  </p:cSld>
+  <p:clrMapOvr>
+    <a:masterClrMapping/>
+  </p:clrMapOvr>
+  <p:timing>
+    <p:tnLst>
+      <p:par>
+        <p:cTn id="1" dur="indefinite" restart="never" nodeType="tmRoot"/>
+      </p:par>
+    </p:tnLst>
+  </p:timing>
+</p:sld>
+</file>
+
+<file path=ppt/slides/slide3.xml><?xml version="1.0" encoding="utf-8"?>
+<p:sld xmlns:a="http://schemas.openxmlformats.org/drawingml/2006/main" xmlns:r="http://schemas.openxmlformats.org/officeDocument/2006/relationships" xmlns:p="http://schemas.openxmlformats.org/presentationml/2006/main">
+  <p:cSld>
+    <p:spTree>
+      <p:nvGrpSpPr>
+        <p:cNvPr id="1" name=""/>
+        <p:cNvGrpSpPr/>
+        <p:nvPr/>
+      </p:nvGrpSpPr>
+      <p:grpSpPr>
+        <a:xfrm>
+          <a:off x="0" y="0"/>
+          <a:ext cx="0" cy="0"/>
+          <a:chOff x="0" y="0"/>
+          <a:chExt cx="0" cy="0"/>
+        </a:xfrm>
+      </p:grpSpPr>
+      <p:sp>
+        <p:nvSpPr>
           <p:cNvPr id="28" name="Slide Number Placeholder 27">
             <a:extLst>
               <a:ext uri="{FF2B5EF4-FFF2-40B4-BE49-F238E27FC236}">
@@ -23951,7 +25360,7 @@
             <a:fld id="{DCB4E619-4CA9-4A22-920F-20396BF50470}" type="slidenum">
               <a:rPr lang="en-US" smtClean="0"/>
               <a:pPr/>
-              <a:t>2</a:t>
+              <a:t>3</a:t>
             </a:fld>
             <a:endParaRPr lang="en-US" dirty="0"/>
           </a:p>
@@ -25439,648 +26848,7 @@
 </p:sld>
 </file>
 
-<file path=ppt/slides/slide20.xml><?xml version="1.0" encoding="utf-8"?>
-<p:sld xmlns:a="http://schemas.openxmlformats.org/drawingml/2006/main" xmlns:r="http://schemas.openxmlformats.org/officeDocument/2006/relationships" xmlns:p="http://schemas.openxmlformats.org/presentationml/2006/main">
-  <p:cSld>
-    <p:spTree>
-      <p:nvGrpSpPr>
-        <p:cNvPr id="1" name=""/>
-        <p:cNvGrpSpPr/>
-        <p:nvPr/>
-      </p:nvGrpSpPr>
-      <p:grpSpPr>
-        <a:xfrm>
-          <a:off x="0" y="0"/>
-          <a:ext cx="0" cy="0"/>
-          <a:chOff x="0" y="0"/>
-          <a:chExt cx="0" cy="0"/>
-        </a:xfrm>
-      </p:grpSpPr>
-      <p:sp>
-        <p:nvSpPr>
-          <p:cNvPr id="17" name="Title 16">
-            <a:extLst>
-              <a:ext uri="{FF2B5EF4-FFF2-40B4-BE49-F238E27FC236}">
-                <a16:creationId xmlns:a16="http://schemas.microsoft.com/office/drawing/2014/main" id="{96B69F7F-7BDF-4049-AB94-D24D1055CFD1}"/>
-              </a:ext>
-            </a:extLst>
-          </p:cNvPr>
-          <p:cNvSpPr>
-            <a:spLocks noGrp="1"/>
-          </p:cNvSpPr>
-          <p:nvPr>
-            <p:ph type="title"/>
-          </p:nvPr>
-        </p:nvSpPr>
-        <p:spPr>
-          <a:xfrm>
-            <a:off x="640079" y="-155981"/>
-            <a:ext cx="5910095" cy="1480711"/>
-          </a:xfrm>
-        </p:spPr>
-        <p:txBody>
-          <a:bodyPr/>
-          <a:lstStyle/>
-          <a:p>
-            <a:r>
-              <a:rPr lang="en-US" dirty="0" smtClean="0"/>
-              <a:t>Pros &amp; Cons</a:t>
-            </a:r>
-            <a:endParaRPr lang="en-US" dirty="0"/>
-          </a:p>
-        </p:txBody>
-      </p:sp>
-      <p:sp>
-        <p:nvSpPr>
-          <p:cNvPr id="19" name="Text Placeholder 18">
-            <a:extLst>
-              <a:ext uri="{FF2B5EF4-FFF2-40B4-BE49-F238E27FC236}">
-                <a16:creationId xmlns:a16="http://schemas.microsoft.com/office/drawing/2014/main" id="{4024D790-0AE9-488A-A1A9-F732CD7A0F1E}"/>
-              </a:ext>
-            </a:extLst>
-          </p:cNvPr>
-          <p:cNvSpPr>
-            <a:spLocks noGrp="1"/>
-          </p:cNvSpPr>
-          <p:nvPr>
-            <p:ph type="body" sz="quarter" idx="15"/>
-          </p:nvPr>
-        </p:nvSpPr>
-        <p:spPr>
-          <a:xfrm>
-            <a:off x="640080" y="1865724"/>
-            <a:ext cx="5608320" cy="3653188"/>
-          </a:xfrm>
-        </p:spPr>
-        <p:txBody>
-          <a:bodyPr/>
-          <a:lstStyle/>
-          <a:p>
-            <a:r>
-              <a:rPr lang="en-US" sz="2400" dirty="0" smtClean="0"/>
-              <a:t>Do everything Trello can do</a:t>
-            </a:r>
-          </a:p>
-          <a:p>
-            <a:r>
-              <a:rPr lang="en-US" sz="2400" dirty="0" smtClean="0"/>
-              <a:t>Good customer support</a:t>
-            </a:r>
-          </a:p>
-          <a:p>
-            <a:r>
-              <a:rPr lang="en-US" sz="2400" dirty="0"/>
-              <a:t>98% Customer Satisfaction Rating</a:t>
-            </a:r>
-            <a:endParaRPr lang="en-US" sz="2400" dirty="0"/>
-          </a:p>
-        </p:txBody>
-      </p:sp>
-      <p:sp>
-        <p:nvSpPr>
-          <p:cNvPr id="20" name="Text Placeholder 19">
-            <a:extLst>
-              <a:ext uri="{FF2B5EF4-FFF2-40B4-BE49-F238E27FC236}">
-                <a16:creationId xmlns:a16="http://schemas.microsoft.com/office/drawing/2014/main" id="{EF7D456B-7C3B-486F-804B-C2860F61E5F7}"/>
-              </a:ext>
-            </a:extLst>
-          </p:cNvPr>
-          <p:cNvSpPr>
-            <a:spLocks noGrp="1"/>
-          </p:cNvSpPr>
-          <p:nvPr>
-            <p:ph type="body" sz="quarter" idx="16"/>
-          </p:nvPr>
-        </p:nvSpPr>
-        <p:spPr>
-          <a:xfrm>
-            <a:off x="6622992" y="1865724"/>
-            <a:ext cx="4997499" cy="3653188"/>
-          </a:xfrm>
-        </p:spPr>
-        <p:txBody>
-          <a:bodyPr/>
-          <a:lstStyle/>
-          <a:p>
-            <a:r>
-              <a:rPr lang="en-US" sz="2400" dirty="0" smtClean="0"/>
-              <a:t>Not as good as Trello</a:t>
-            </a:r>
-          </a:p>
-          <a:p>
-            <a:r>
-              <a:rPr lang="en-US" sz="2400" dirty="0" smtClean="0"/>
-              <a:t>The mobile applications user experience is not so smooth</a:t>
-            </a:r>
-            <a:endParaRPr lang="en-US" sz="2400" dirty="0"/>
-          </a:p>
-        </p:txBody>
-      </p:sp>
-      <p:sp>
-        <p:nvSpPr>
-          <p:cNvPr id="53" name="Slide Number Placeholder 52">
-            <a:extLst>
-              <a:ext uri="{FF2B5EF4-FFF2-40B4-BE49-F238E27FC236}">
-                <a16:creationId xmlns:a16="http://schemas.microsoft.com/office/drawing/2014/main" id="{D674A398-A2D9-421A-AAC4-14E16A9A1488}"/>
-              </a:ext>
-            </a:extLst>
-          </p:cNvPr>
-          <p:cNvSpPr>
-            <a:spLocks noGrp="1"/>
-          </p:cNvSpPr>
-          <p:nvPr>
-            <p:ph type="sldNum" sz="quarter" idx="19"/>
-          </p:nvPr>
-        </p:nvSpPr>
-        <p:spPr>
-          <a:xfrm>
-            <a:off x="11230806" y="6315166"/>
-            <a:ext cx="389686" cy="393610"/>
-          </a:xfrm>
-        </p:spPr>
-        <p:txBody>
-          <a:bodyPr/>
-          <a:lstStyle/>
-          <a:p>
-            <a:fld id="{DCB4E619-4CA9-4A22-920F-20396BF50470}" type="slidenum">
-              <a:rPr lang="en-US" smtClean="0"/>
-              <a:pPr/>
-              <a:t>20</a:t>
-            </a:fld>
-            <a:endParaRPr lang="en-US" dirty="0"/>
-          </a:p>
-        </p:txBody>
-      </p:sp>
-    </p:spTree>
-    <p:extLst>
-      <p:ext uri="{BB962C8B-B14F-4D97-AF65-F5344CB8AC3E}">
-        <p14:creationId xmlns:p14="http://schemas.microsoft.com/office/powerpoint/2010/main" val="2827847552"/>
-      </p:ext>
-    </p:extLst>
-  </p:cSld>
-  <p:clrMapOvr>
-    <a:masterClrMapping/>
-  </p:clrMapOvr>
-  <p:timing>
-    <p:tnLst>
-      <p:par>
-        <p:cTn id="1" dur="indefinite" restart="never" nodeType="tmRoot"/>
-      </p:par>
-    </p:tnLst>
-  </p:timing>
-</p:sld>
-</file>
-
-<file path=ppt/slides/slide21.xml><?xml version="1.0" encoding="utf-8"?>
-<p:sld xmlns:a="http://schemas.openxmlformats.org/drawingml/2006/main" xmlns:r="http://schemas.openxmlformats.org/officeDocument/2006/relationships" xmlns:p="http://schemas.openxmlformats.org/presentationml/2006/main">
-  <p:cSld>
-    <p:spTree>
-      <p:nvGrpSpPr>
-        <p:cNvPr id="1" name=""/>
-        <p:cNvGrpSpPr/>
-        <p:nvPr/>
-      </p:nvGrpSpPr>
-      <p:grpSpPr>
-        <a:xfrm>
-          <a:off x="0" y="0"/>
-          <a:ext cx="0" cy="0"/>
-          <a:chOff x="0" y="0"/>
-          <a:chExt cx="0" cy="0"/>
-        </a:xfrm>
-      </p:grpSpPr>
-      <p:pic>
-        <p:nvPicPr>
-          <p:cNvPr id="19" name="Picture Placeholder 18" descr="scattered hearts">
-            <a:extLst>
-              <a:ext uri="{FF2B5EF4-FFF2-40B4-BE49-F238E27FC236}">
-                <a16:creationId xmlns:a16="http://schemas.microsoft.com/office/drawing/2014/main" id="{92BB8B2D-E401-2647-9892-95951D9CF0BB}"/>
-              </a:ext>
-            </a:extLst>
-          </p:cNvPr>
-          <p:cNvPicPr>
-            <a:picLocks noGrp="1" noChangeAspect="1"/>
-          </p:cNvPicPr>
-          <p:nvPr>
-            <p:ph type="pic" sz="quarter" idx="14"/>
-          </p:nvPr>
-        </p:nvPicPr>
-        <p:blipFill>
-          <a:blip r:embed="rId2" cstate="screen">
-            <a:extLst>
-              <a:ext uri="{28A0092B-C50C-407E-A947-70E740481C1C}">
-                <a14:useLocalDpi xmlns:a14="http://schemas.microsoft.com/office/drawing/2010/main"/>
-              </a:ext>
-            </a:extLst>
-          </a:blip>
-          <a:srcRect/>
-          <a:stretch>
-            <a:fillRect/>
-          </a:stretch>
-        </p:blipFill>
-        <p:spPr/>
-      </p:pic>
-      <p:sp>
-        <p:nvSpPr>
-          <p:cNvPr id="2" name="Title 1">
-            <a:extLst>
-              <a:ext uri="{FF2B5EF4-FFF2-40B4-BE49-F238E27FC236}">
-                <a16:creationId xmlns:a16="http://schemas.microsoft.com/office/drawing/2014/main" id="{8E34323A-4440-4925-884C-BF32AF969623}"/>
-              </a:ext>
-            </a:extLst>
-          </p:cNvPr>
-          <p:cNvSpPr>
-            <a:spLocks noGrp="1"/>
-          </p:cNvSpPr>
-          <p:nvPr>
-            <p:ph type="ctrTitle"/>
-          </p:nvPr>
-        </p:nvSpPr>
-        <p:spPr/>
-        <p:txBody>
-          <a:bodyPr/>
-          <a:lstStyle/>
-          <a:p>
-            <a:r>
-              <a:rPr lang="en-US" dirty="0" smtClean="0"/>
-              <a:t>THE END</a:t>
-            </a:r>
-            <a:endParaRPr lang="en-GB" dirty="0"/>
-          </a:p>
-        </p:txBody>
-      </p:sp>
-      <p:pic>
-        <p:nvPicPr>
-          <p:cNvPr id="25" name="Graphic 24" descr="User" title="Icon - Presenter Name">
-            <a:extLst>
-              <a:ext uri="{FF2B5EF4-FFF2-40B4-BE49-F238E27FC236}">
-                <a16:creationId xmlns:a16="http://schemas.microsoft.com/office/drawing/2014/main" id="{8AD9F4DD-CCDA-4C5B-AC7A-71E96FD45B25}"/>
-              </a:ext>
-            </a:extLst>
-          </p:cNvPr>
-          <p:cNvPicPr>
-            <a:picLocks noChangeAspect="1"/>
-          </p:cNvPicPr>
-          <p:nvPr/>
-        </p:nvPicPr>
-        <p:blipFill>
-          <a:blip r:embed="rId3" cstate="screen">
-            <a:extLst>
-              <a:ext uri="{28A0092B-C50C-407E-A947-70E740481C1C}">
-                <a14:useLocalDpi xmlns:a14="http://schemas.microsoft.com/office/drawing/2010/main"/>
-              </a:ext>
-              <a:ext uri="{96DAC541-7B7A-43D3-8B79-37D633B846F1}">
-                <asvg:svgBlip xmlns:asvg="http://schemas.microsoft.com/office/drawing/2016/SVG/main" xmlns="" r:embed="rId4"/>
-              </a:ext>
-            </a:extLst>
-          </a:blip>
-          <a:stretch>
-            <a:fillRect/>
-          </a:stretch>
-        </p:blipFill>
-        <p:spPr>
-          <a:xfrm>
-            <a:off x="4192357" y="4451822"/>
-            <a:ext cx="218900" cy="218900"/>
-          </a:xfrm>
-          <a:prstGeom prst="rect">
-            <a:avLst/>
-          </a:prstGeom>
-        </p:spPr>
-      </p:pic>
-      <p:sp>
-        <p:nvSpPr>
-          <p:cNvPr id="47" name="Text Placeholder 46">
-            <a:extLst>
-              <a:ext uri="{FF2B5EF4-FFF2-40B4-BE49-F238E27FC236}">
-                <a16:creationId xmlns:a16="http://schemas.microsoft.com/office/drawing/2014/main" id="{4D95FE79-CFF8-4D94-9DEC-570635FF4F8C}"/>
-              </a:ext>
-            </a:extLst>
-          </p:cNvPr>
-          <p:cNvSpPr>
-            <a:spLocks noGrp="1"/>
-          </p:cNvSpPr>
-          <p:nvPr>
-            <p:ph type="body" sz="quarter" idx="15"/>
-          </p:nvPr>
-        </p:nvSpPr>
-        <p:spPr/>
-        <p:txBody>
-          <a:bodyPr/>
-          <a:lstStyle/>
-          <a:p>
-            <a:r>
-              <a:rPr lang="en-GB" dirty="0"/>
-              <a:t>Nguyen Hong Phat</a:t>
-            </a:r>
-            <a:endParaRPr lang="en-GB" dirty="0"/>
-          </a:p>
-        </p:txBody>
-      </p:sp>
-      <p:pic>
-        <p:nvPicPr>
-          <p:cNvPr id="27" name="Graphic 26" descr="Smart Phone" title="Icon - Presenter Phone Number">
-            <a:extLst>
-              <a:ext uri="{FF2B5EF4-FFF2-40B4-BE49-F238E27FC236}">
-                <a16:creationId xmlns:a16="http://schemas.microsoft.com/office/drawing/2014/main" id="{7F57AED0-2F73-4435-986B-E6D6B090FB80}"/>
-              </a:ext>
-            </a:extLst>
-          </p:cNvPr>
-          <p:cNvPicPr>
-            <a:picLocks noChangeAspect="1"/>
-          </p:cNvPicPr>
-          <p:nvPr/>
-        </p:nvPicPr>
-        <p:blipFill>
-          <a:blip r:embed="rId5" cstate="screen">
-            <a:extLst>
-              <a:ext uri="{28A0092B-C50C-407E-A947-70E740481C1C}">
-                <a14:useLocalDpi xmlns:a14="http://schemas.microsoft.com/office/drawing/2010/main"/>
-              </a:ext>
-              <a:ext uri="{96DAC541-7B7A-43D3-8B79-37D633B846F1}">
-                <asvg:svgBlip xmlns:asvg="http://schemas.microsoft.com/office/drawing/2016/SVG/main" xmlns="" r:embed="rId6"/>
-              </a:ext>
-            </a:extLst>
-          </a:blip>
-          <a:stretch>
-            <a:fillRect/>
-          </a:stretch>
-        </p:blipFill>
-        <p:spPr>
-          <a:xfrm>
-            <a:off x="4192357" y="4888322"/>
-            <a:ext cx="218900" cy="218900"/>
-          </a:xfrm>
-          <a:prstGeom prst="rect">
-            <a:avLst/>
-          </a:prstGeom>
-        </p:spPr>
-      </p:pic>
-      <p:sp>
-        <p:nvSpPr>
-          <p:cNvPr id="48" name="Text Placeholder 47">
-            <a:extLst>
-              <a:ext uri="{FF2B5EF4-FFF2-40B4-BE49-F238E27FC236}">
-                <a16:creationId xmlns:a16="http://schemas.microsoft.com/office/drawing/2014/main" id="{06FFB8C8-0373-4CC1-AEBD-2339FD80758A}"/>
-              </a:ext>
-            </a:extLst>
-          </p:cNvPr>
-          <p:cNvSpPr>
-            <a:spLocks noGrp="1"/>
-          </p:cNvSpPr>
-          <p:nvPr>
-            <p:ph type="body" sz="quarter" idx="16"/>
-          </p:nvPr>
-        </p:nvSpPr>
-        <p:spPr/>
-        <p:txBody>
-          <a:bodyPr/>
-          <a:lstStyle/>
-          <a:p>
-            <a:r>
-              <a:rPr lang="en-US" dirty="0" smtClean="0"/>
-              <a:t>0903670437</a:t>
-            </a:r>
-            <a:endParaRPr lang="en-GB" dirty="0"/>
-          </a:p>
-        </p:txBody>
-      </p:sp>
-      <p:pic>
-        <p:nvPicPr>
-          <p:cNvPr id="26" name="Graphic 25" descr="Envelope" title="Icon Presenter Email">
-            <a:extLst>
-              <a:ext uri="{FF2B5EF4-FFF2-40B4-BE49-F238E27FC236}">
-                <a16:creationId xmlns:a16="http://schemas.microsoft.com/office/drawing/2014/main" id="{D4984F9A-48C8-4F0D-AFBE-978FEBD86F12}"/>
-              </a:ext>
-            </a:extLst>
-          </p:cNvPr>
-          <p:cNvPicPr>
-            <a:picLocks noChangeAspect="1"/>
-          </p:cNvPicPr>
-          <p:nvPr/>
-        </p:nvPicPr>
-        <p:blipFill>
-          <a:blip r:embed="rId7" cstate="screen">
-            <a:extLst>
-              <a:ext uri="{28A0092B-C50C-407E-A947-70E740481C1C}">
-                <a14:useLocalDpi xmlns:a14="http://schemas.microsoft.com/office/drawing/2010/main"/>
-              </a:ext>
-              <a:ext uri="{96DAC541-7B7A-43D3-8B79-37D633B846F1}">
-                <asvg:svgBlip xmlns:asvg="http://schemas.microsoft.com/office/drawing/2016/SVG/main" xmlns="" r:embed="rId8"/>
-              </a:ext>
-            </a:extLst>
-          </a:blip>
-          <a:stretch>
-            <a:fillRect/>
-          </a:stretch>
-        </p:blipFill>
-        <p:spPr>
-          <a:xfrm>
-            <a:off x="4192357" y="5324822"/>
-            <a:ext cx="218900" cy="218900"/>
-          </a:xfrm>
-          <a:prstGeom prst="rect">
-            <a:avLst/>
-          </a:prstGeom>
-        </p:spPr>
-      </p:pic>
-      <p:sp>
-        <p:nvSpPr>
-          <p:cNvPr id="49" name="Text Placeholder 48">
-            <a:extLst>
-              <a:ext uri="{FF2B5EF4-FFF2-40B4-BE49-F238E27FC236}">
-                <a16:creationId xmlns:a16="http://schemas.microsoft.com/office/drawing/2014/main" id="{471D5D2B-28B9-4922-9CA2-09EE845FC8CE}"/>
-              </a:ext>
-            </a:extLst>
-          </p:cNvPr>
-          <p:cNvSpPr>
-            <a:spLocks noGrp="1"/>
-          </p:cNvSpPr>
-          <p:nvPr>
-            <p:ph type="body" sz="quarter" idx="17"/>
-          </p:nvPr>
-        </p:nvSpPr>
-        <p:spPr/>
-        <p:txBody>
-          <a:bodyPr/>
-          <a:lstStyle/>
-          <a:p>
-            <a:r>
-              <a:rPr lang="en-US" dirty="0" smtClean="0"/>
-              <a:t>phatnhse63348@fpt.edu.vn</a:t>
-            </a:r>
-            <a:endParaRPr lang="en-GB" dirty="0"/>
-          </a:p>
-        </p:txBody>
-      </p:sp>
-      <p:pic>
-        <p:nvPicPr>
-          <p:cNvPr id="28" name="Graphic 27" descr="Link">
-            <a:extLst>
-              <a:ext uri="{FF2B5EF4-FFF2-40B4-BE49-F238E27FC236}">
-                <a16:creationId xmlns:a16="http://schemas.microsoft.com/office/drawing/2014/main" id="{73A362A9-D05E-4043-BA3E-8CCCD7280B5A}"/>
-              </a:ext>
-            </a:extLst>
-          </p:cNvPr>
-          <p:cNvPicPr>
-            <a:picLocks noChangeAspect="1"/>
-          </p:cNvPicPr>
-          <p:nvPr/>
-        </p:nvPicPr>
-        <p:blipFill>
-          <a:blip r:embed="rId9" cstate="screen">
-            <a:extLst>
-              <a:ext uri="{28A0092B-C50C-407E-A947-70E740481C1C}">
-                <a14:useLocalDpi xmlns:a14="http://schemas.microsoft.com/office/drawing/2010/main"/>
-              </a:ext>
-              <a:ext uri="{96DAC541-7B7A-43D3-8B79-37D633B846F1}">
-                <asvg:svgBlip xmlns:asvg="http://schemas.microsoft.com/office/drawing/2016/SVG/main" xmlns="" r:embed="rId10"/>
-              </a:ext>
-            </a:extLst>
-          </a:blip>
-          <a:stretch>
-            <a:fillRect/>
-          </a:stretch>
-        </p:blipFill>
-        <p:spPr>
-          <a:xfrm>
-            <a:off x="4179414" y="5748378"/>
-            <a:ext cx="244786" cy="244786"/>
-          </a:xfrm>
-          <a:prstGeom prst="rect">
-            <a:avLst/>
-          </a:prstGeom>
-        </p:spPr>
-      </p:pic>
-      <p:sp>
-        <p:nvSpPr>
-          <p:cNvPr id="50" name="Text Placeholder 49">
-            <a:extLst>
-              <a:ext uri="{FF2B5EF4-FFF2-40B4-BE49-F238E27FC236}">
-                <a16:creationId xmlns:a16="http://schemas.microsoft.com/office/drawing/2014/main" id="{62E8D0D1-0417-4634-A042-83CCE253F308}"/>
-              </a:ext>
-            </a:extLst>
-          </p:cNvPr>
-          <p:cNvSpPr>
-            <a:spLocks noGrp="1"/>
-          </p:cNvSpPr>
-          <p:nvPr>
-            <p:ph type="body" sz="quarter" idx="18"/>
-          </p:nvPr>
-        </p:nvSpPr>
-        <p:spPr/>
-        <p:txBody>
-          <a:bodyPr/>
-          <a:lstStyle/>
-          <a:p>
-            <a:r>
-              <a:rPr lang="en-US" dirty="0" smtClean="0"/>
-              <a:t>nguyenhongphat0.github.io</a:t>
-            </a:r>
-            <a:endParaRPr lang="en-GB" dirty="0"/>
-          </a:p>
-        </p:txBody>
-      </p:sp>
-      <p:cxnSp>
-        <p:nvCxnSpPr>
-          <p:cNvPr id="24" name="Straight Connector 23" descr="divider line">
-            <a:extLst>
-              <a:ext uri="{FF2B5EF4-FFF2-40B4-BE49-F238E27FC236}">
-                <a16:creationId xmlns:a16="http://schemas.microsoft.com/office/drawing/2014/main" id="{88ABE268-9B2A-4899-AC85-147AE076489C}"/>
-              </a:ext>
-            </a:extLst>
-          </p:cNvPr>
-          <p:cNvCxnSpPr/>
-          <p:nvPr/>
-        </p:nvCxnSpPr>
-        <p:spPr>
-          <a:xfrm>
-            <a:off x="4516210" y="4422773"/>
-            <a:ext cx="0" cy="1586498"/>
-          </a:xfrm>
-          <a:prstGeom prst="line">
-            <a:avLst/>
-          </a:prstGeom>
-          <a:ln>
-            <a:solidFill>
-              <a:schemeClr val="bg1"/>
-            </a:solidFill>
-            <a:prstDash val="dash"/>
-          </a:ln>
-        </p:spPr>
-        <p:style>
-          <a:lnRef idx="1">
-            <a:schemeClr val="accent1"/>
-          </a:lnRef>
-          <a:fillRef idx="0">
-            <a:schemeClr val="accent1"/>
-          </a:fillRef>
-          <a:effectRef idx="0">
-            <a:schemeClr val="accent1"/>
-          </a:effectRef>
-          <a:fontRef idx="minor">
-            <a:schemeClr val="tx1"/>
-          </a:fontRef>
-        </p:style>
-      </p:cxnSp>
-      <p:sp>
-        <p:nvSpPr>
-          <p:cNvPr id="40" name="TextBox 39"/>
-          <p:cNvSpPr txBox="1"/>
-          <p:nvPr/>
-        </p:nvSpPr>
-        <p:spPr>
-          <a:xfrm>
-            <a:off x="4411257" y="3860800"/>
-            <a:ext cx="3108543" cy="369332"/>
-          </a:xfrm>
-          <a:prstGeom prst="rect">
-            <a:avLst/>
-          </a:prstGeom>
-          <a:noFill/>
-        </p:spPr>
-        <p:txBody>
-          <a:bodyPr wrap="none" rtlCol="0">
-            <a:spAutoFit/>
-          </a:bodyPr>
-          <a:lstStyle/>
-          <a:p>
-            <a:r>
-              <a:rPr lang="en-US" dirty="0" smtClean="0">
-                <a:solidFill>
-                  <a:schemeClr val="bg1"/>
-                </a:solidFill>
-              </a:rPr>
-              <a:t>Any information, contact me:</a:t>
-            </a:r>
-            <a:endParaRPr lang="en-US" dirty="0">
-              <a:solidFill>
-                <a:schemeClr val="bg1"/>
-              </a:solidFill>
-            </a:endParaRPr>
-          </a:p>
-        </p:txBody>
-      </p:sp>
-    </p:spTree>
-    <p:extLst>
-      <p:ext uri="{BB962C8B-B14F-4D97-AF65-F5344CB8AC3E}">
-        <p14:creationId xmlns:p14="http://schemas.microsoft.com/office/powerpoint/2010/main" val="592886844"/>
-      </p:ext>
-    </p:extLst>
-  </p:cSld>
-  <p:clrMapOvr>
-    <a:masterClrMapping/>
-  </p:clrMapOvr>
-  <p:timing>
-    <p:tnLst>
-      <p:par>
-        <p:cTn id="1" dur="indefinite" restart="never" nodeType="tmRoot"/>
-      </p:par>
-    </p:tnLst>
-  </p:timing>
-</p:sld>
-</file>
-
-<file path=ppt/slides/slide3.xml><?xml version="1.0" encoding="utf-8"?>
+<file path=ppt/slides/slide4.xml><?xml version="1.0" encoding="utf-8"?>
 <p:sld xmlns:a="http://schemas.openxmlformats.org/drawingml/2006/main" xmlns:r="http://schemas.openxmlformats.org/officeDocument/2006/relationships" xmlns:p="http://schemas.openxmlformats.org/presentationml/2006/main">
   <p:cSld>
     <p:bg>
@@ -26223,217 +26991,6 @@
     <p:extLst>
       <p:ext uri="{BB962C8B-B14F-4D97-AF65-F5344CB8AC3E}">
         <p14:creationId xmlns:p14="http://schemas.microsoft.com/office/powerpoint/2010/main" val="18344939"/>
-      </p:ext>
-    </p:extLst>
-  </p:cSld>
-  <p:clrMapOvr>
-    <a:masterClrMapping/>
-  </p:clrMapOvr>
-  <p:timing>
-    <p:tnLst>
-      <p:par>
-        <p:cTn id="1" dur="indefinite" restart="never" nodeType="tmRoot"/>
-      </p:par>
-    </p:tnLst>
-  </p:timing>
-</p:sld>
-</file>
-
-<file path=ppt/slides/slide4.xml><?xml version="1.0" encoding="utf-8"?>
-<p:sld xmlns:a="http://schemas.openxmlformats.org/drawingml/2006/main" xmlns:r="http://schemas.openxmlformats.org/officeDocument/2006/relationships" xmlns:p="http://schemas.openxmlformats.org/presentationml/2006/main">
-  <p:cSld>
-    <p:spTree>
-      <p:nvGrpSpPr>
-        <p:cNvPr id="1" name=""/>
-        <p:cNvGrpSpPr/>
-        <p:nvPr/>
-      </p:nvGrpSpPr>
-      <p:grpSpPr>
-        <a:xfrm>
-          <a:off x="0" y="0"/>
-          <a:ext cx="0" cy="0"/>
-          <a:chOff x="0" y="0"/>
-          <a:chExt cx="0" cy="0"/>
-        </a:xfrm>
-      </p:grpSpPr>
-      <p:sp>
-        <p:nvSpPr>
-          <p:cNvPr id="17" name="Title 16">
-            <a:extLst>
-              <a:ext uri="{FF2B5EF4-FFF2-40B4-BE49-F238E27FC236}">
-                <a16:creationId xmlns:a16="http://schemas.microsoft.com/office/drawing/2014/main" id="{96B69F7F-7BDF-4049-AB94-D24D1055CFD1}"/>
-              </a:ext>
-            </a:extLst>
-          </p:cNvPr>
-          <p:cNvSpPr>
-            <a:spLocks noGrp="1"/>
-          </p:cNvSpPr>
-          <p:nvPr>
-            <p:ph type="title"/>
-          </p:nvPr>
-        </p:nvSpPr>
-        <p:spPr>
-          <a:xfrm>
-            <a:off x="640079" y="-155981"/>
-            <a:ext cx="5910095" cy="1480711"/>
-          </a:xfrm>
-        </p:spPr>
-        <p:txBody>
-          <a:bodyPr/>
-          <a:lstStyle/>
-          <a:p>
-            <a:r>
-              <a:rPr lang="en-US" dirty="0" smtClean="0"/>
-              <a:t>Pros &amp; Cons</a:t>
-            </a:r>
-            <a:endParaRPr lang="en-US" dirty="0"/>
-          </a:p>
-        </p:txBody>
-      </p:sp>
-      <p:sp>
-        <p:nvSpPr>
-          <p:cNvPr id="19" name="Text Placeholder 18">
-            <a:extLst>
-              <a:ext uri="{FF2B5EF4-FFF2-40B4-BE49-F238E27FC236}">
-                <a16:creationId xmlns:a16="http://schemas.microsoft.com/office/drawing/2014/main" id="{4024D790-0AE9-488A-A1A9-F732CD7A0F1E}"/>
-              </a:ext>
-            </a:extLst>
-          </p:cNvPr>
-          <p:cNvSpPr>
-            <a:spLocks noGrp="1"/>
-          </p:cNvSpPr>
-          <p:nvPr>
-            <p:ph type="body" sz="quarter" idx="15"/>
-          </p:nvPr>
-        </p:nvSpPr>
-        <p:spPr>
-          <a:xfrm>
-            <a:off x="640080" y="1865724"/>
-            <a:ext cx="5608320" cy="3653188"/>
-          </a:xfrm>
-        </p:spPr>
-        <p:txBody>
-          <a:bodyPr/>
-          <a:lstStyle/>
-          <a:p>
-            <a:r>
-              <a:rPr lang="en-US" sz="2400" dirty="0" smtClean="0"/>
-              <a:t>Number 1 project management, used by giant company</a:t>
-            </a:r>
-          </a:p>
-          <a:p>
-            <a:r>
-              <a:rPr lang="en-US" sz="2400" dirty="0" smtClean="0"/>
-              <a:t>Hyper rich features</a:t>
-            </a:r>
-            <a:endParaRPr lang="en-US" sz="2400" dirty="0"/>
-          </a:p>
-          <a:p>
-            <a:r>
-              <a:rPr lang="en-US" sz="2400" dirty="0" smtClean="0"/>
-              <a:t>Ability to see task and progress</a:t>
-            </a:r>
-            <a:endParaRPr lang="en-US" sz="2400" dirty="0"/>
-          </a:p>
-          <a:p>
-            <a:r>
-              <a:rPr lang="en-US" sz="2400" dirty="0" smtClean="0"/>
-              <a:t>Data visualization</a:t>
-            </a:r>
-            <a:endParaRPr lang="en-US" sz="2400" dirty="0"/>
-          </a:p>
-        </p:txBody>
-      </p:sp>
-      <p:sp>
-        <p:nvSpPr>
-          <p:cNvPr id="20" name="Text Placeholder 19">
-            <a:extLst>
-              <a:ext uri="{FF2B5EF4-FFF2-40B4-BE49-F238E27FC236}">
-                <a16:creationId xmlns:a16="http://schemas.microsoft.com/office/drawing/2014/main" id="{EF7D456B-7C3B-486F-804B-C2860F61E5F7}"/>
-              </a:ext>
-            </a:extLst>
-          </p:cNvPr>
-          <p:cNvSpPr>
-            <a:spLocks noGrp="1"/>
-          </p:cNvSpPr>
-          <p:nvPr>
-            <p:ph type="body" sz="quarter" idx="16"/>
-          </p:nvPr>
-        </p:nvSpPr>
-        <p:spPr>
-          <a:xfrm>
-            <a:off x="6622992" y="1865724"/>
-            <a:ext cx="4997499" cy="3653188"/>
-          </a:xfrm>
-        </p:spPr>
-        <p:txBody>
-          <a:bodyPr/>
-          <a:lstStyle/>
-          <a:p>
-            <a:r>
-              <a:rPr lang="en-US" sz="2400" dirty="0" smtClean="0"/>
-              <a:t>No testing specific functionality</a:t>
-            </a:r>
-            <a:endParaRPr lang="en-US" sz="2400" dirty="0"/>
-          </a:p>
-          <a:p>
-            <a:r>
-              <a:rPr lang="en-US" sz="2400" dirty="0" smtClean="0"/>
-              <a:t>Can be overwhelming with small to medium project</a:t>
-            </a:r>
-            <a:endParaRPr lang="en-US" sz="2400" dirty="0"/>
-          </a:p>
-          <a:p>
-            <a:r>
-              <a:rPr lang="en-US" sz="2400" dirty="0" smtClean="0"/>
-              <a:t>It’s not free</a:t>
-            </a:r>
-            <a:endParaRPr lang="en-US" sz="2400" dirty="0"/>
-          </a:p>
-          <a:p>
-            <a:endParaRPr lang="en-US" sz="2400" dirty="0"/>
-          </a:p>
-        </p:txBody>
-      </p:sp>
-      <p:sp>
-        <p:nvSpPr>
-          <p:cNvPr id="53" name="Slide Number Placeholder 52">
-            <a:extLst>
-              <a:ext uri="{FF2B5EF4-FFF2-40B4-BE49-F238E27FC236}">
-                <a16:creationId xmlns:a16="http://schemas.microsoft.com/office/drawing/2014/main" id="{D674A398-A2D9-421A-AAC4-14E16A9A1488}"/>
-              </a:ext>
-            </a:extLst>
-          </p:cNvPr>
-          <p:cNvSpPr>
-            <a:spLocks noGrp="1"/>
-          </p:cNvSpPr>
-          <p:nvPr>
-            <p:ph type="sldNum" sz="quarter" idx="19"/>
-          </p:nvPr>
-        </p:nvSpPr>
-        <p:spPr>
-          <a:xfrm>
-            <a:off x="11230806" y="6315166"/>
-            <a:ext cx="389686" cy="393610"/>
-          </a:xfrm>
-        </p:spPr>
-        <p:txBody>
-          <a:bodyPr/>
-          <a:lstStyle/>
-          <a:p>
-            <a:fld id="{DCB4E619-4CA9-4A22-920F-20396BF50470}" type="slidenum">
-              <a:rPr lang="en-US" smtClean="0"/>
-              <a:pPr/>
-              <a:t>4</a:t>
-            </a:fld>
-            <a:endParaRPr lang="en-US" dirty="0"/>
-          </a:p>
-        </p:txBody>
-      </p:sp>
-    </p:spTree>
-    <p:extLst>
-      <p:ext uri="{BB962C8B-B14F-4D97-AF65-F5344CB8AC3E}">
-        <p14:creationId xmlns:p14="http://schemas.microsoft.com/office/powerpoint/2010/main" val="3156793556"/>
       </p:ext>
     </p:extLst>
   </p:cSld>
@@ -26469,10 +27026,10 @@
       </p:grpSpPr>
       <p:sp>
         <p:nvSpPr>
-          <p:cNvPr id="22" name="Title 21">
+          <p:cNvPr id="17" name="Title 16">
             <a:extLst>
               <a:ext uri="{FF2B5EF4-FFF2-40B4-BE49-F238E27FC236}">
-                <a16:creationId xmlns:a16="http://schemas.microsoft.com/office/drawing/2014/main" id="{F635AA92-1D29-4831-89E4-1B49C265FA6C}"/>
+                <a16:creationId xmlns:a16="http://schemas.microsoft.com/office/drawing/2014/main" id="{96B69F7F-7BDF-4049-AB94-D24D1055CFD1}"/>
               </a:ext>
             </a:extLst>
           </p:cNvPr>
@@ -26483,100 +27040,168 @@
             <p:ph type="title"/>
           </p:nvPr>
         </p:nvSpPr>
-        <p:spPr/>
+        <p:spPr>
+          <a:xfrm>
+            <a:off x="640079" y="-155981"/>
+            <a:ext cx="5910095" cy="1480711"/>
+          </a:xfrm>
+        </p:spPr>
         <p:txBody>
           <a:bodyPr/>
           <a:lstStyle/>
           <a:p>
             <a:r>
               <a:rPr lang="en-US" dirty="0" smtClean="0"/>
-              <a:t>TRELLO</a:t>
+              <a:t>Pros &amp; Cons</a:t>
             </a:r>
-            <a:endParaRPr lang="en-GB" dirty="0"/>
+            <a:endParaRPr lang="en-US" dirty="0"/>
           </a:p>
         </p:txBody>
       </p:sp>
-      <p:pic>
-        <p:nvPicPr>
-          <p:cNvPr id="4" name="Picture 3"/>
-          <p:cNvPicPr>
-            <a:picLocks noChangeAspect="1"/>
-          </p:cNvPicPr>
-          <p:nvPr/>
-        </p:nvPicPr>
-        <p:blipFill>
-          <a:blip r:embed="rId2">
-            <a:extLst>
-              <a:ext uri="{28A0092B-C50C-407E-A947-70E740481C1C}">
-                <a14:useLocalDpi xmlns:a14="http://schemas.microsoft.com/office/drawing/2010/main" val="0"/>
-              </a:ext>
-            </a:extLst>
-          </a:blip>
-          <a:stretch>
-            <a:fillRect/>
-          </a:stretch>
-        </p:blipFill>
-        <p:spPr>
-          <a:xfrm>
-            <a:off x="831849" y="584200"/>
-            <a:ext cx="982980" cy="1092200"/>
-          </a:xfrm>
-          <a:prstGeom prst="rect">
-            <a:avLst/>
-          </a:prstGeom>
-        </p:spPr>
-      </p:pic>
       <p:sp>
         <p:nvSpPr>
-          <p:cNvPr id="5" name="Text Placeholder 4"/>
+          <p:cNvPr id="19" name="Text Placeholder 18">
+            <a:extLst>
+              <a:ext uri="{FF2B5EF4-FFF2-40B4-BE49-F238E27FC236}">
+                <a16:creationId xmlns:a16="http://schemas.microsoft.com/office/drawing/2014/main" id="{4024D790-0AE9-488A-A1A9-F732CD7A0F1E}"/>
+              </a:ext>
+            </a:extLst>
+          </p:cNvPr>
           <p:cNvSpPr>
             <a:spLocks noGrp="1"/>
           </p:cNvSpPr>
           <p:nvPr>
-            <p:ph type="body" idx="1"/>
+            <p:ph type="body" sz="quarter" idx="15"/>
           </p:nvPr>
         </p:nvSpPr>
-        <p:spPr/>
+        <p:spPr>
+          <a:xfrm>
+            <a:off x="640080" y="1865724"/>
+            <a:ext cx="5608320" cy="3653188"/>
+          </a:xfrm>
+        </p:spPr>
         <p:txBody>
           <a:bodyPr/>
           <a:lstStyle/>
           <a:p>
             <a:r>
-              <a:rPr lang="en-US" dirty="0"/>
-              <a:t>Infinitely flexible. Incredibly easy to use. Great mobile apps. It's free. Trello keeps track of everything, from the big picture to the minute details.</a:t>
+              <a:rPr lang="en-US" sz="2400" dirty="0" smtClean="0"/>
+              <a:t>Number 1 project management, used by giant company</a:t>
             </a:r>
+          </a:p>
+          <a:p>
+            <a:r>
+              <a:rPr lang="en-US" sz="2400" dirty="0" smtClean="0"/>
+              <a:t>Hyper rich features</a:t>
+            </a:r>
+            <a:endParaRPr lang="en-US" sz="2400" dirty="0"/>
+          </a:p>
+          <a:p>
+            <a:r>
+              <a:rPr lang="en-US" sz="2400" dirty="0" smtClean="0"/>
+              <a:t>Ability to see task and progress</a:t>
+            </a:r>
+            <a:endParaRPr lang="en-US" sz="2400" dirty="0"/>
+          </a:p>
+          <a:p>
+            <a:r>
+              <a:rPr lang="en-US" sz="2400" dirty="0" smtClean="0"/>
+              <a:t>Data visualization</a:t>
+            </a:r>
+            <a:endParaRPr lang="en-US" sz="2400" dirty="0"/>
           </a:p>
         </p:txBody>
       </p:sp>
-      <p:pic>
-        <p:nvPicPr>
-          <p:cNvPr id="6" name="Picture Placeholder 5"/>
-          <p:cNvPicPr>
-            <a:picLocks noGrp="1" noChangeAspect="1"/>
-          </p:cNvPicPr>
+      <p:sp>
+        <p:nvSpPr>
+          <p:cNvPr id="20" name="Text Placeholder 19">
+            <a:extLst>
+              <a:ext uri="{FF2B5EF4-FFF2-40B4-BE49-F238E27FC236}">
+                <a16:creationId xmlns:a16="http://schemas.microsoft.com/office/drawing/2014/main" id="{EF7D456B-7C3B-486F-804B-C2860F61E5F7}"/>
+              </a:ext>
+            </a:extLst>
+          </p:cNvPr>
+          <p:cNvSpPr>
+            <a:spLocks noGrp="1"/>
+          </p:cNvSpPr>
           <p:nvPr>
-            <p:ph type="pic" sz="quarter" idx="14"/>
+            <p:ph type="body" sz="quarter" idx="16"/>
           </p:nvPr>
-        </p:nvPicPr>
-        <p:blipFill>
-          <a:blip r:embed="rId3">
-            <a:extLst>
-              <a:ext uri="{28A0092B-C50C-407E-A947-70E740481C1C}">
-                <a14:useLocalDpi xmlns:a14="http://schemas.microsoft.com/office/drawing/2010/main" val="0"/>
-              </a:ext>
-            </a:extLst>
-          </a:blip>
-          <a:srcRect l="22803" r="22803"/>
-          <a:stretch>
-            <a:fillRect/>
-          </a:stretch>
-        </p:blipFill>
-        <p:spPr/>
-      </p:pic>
+        </p:nvSpPr>
+        <p:spPr>
+          <a:xfrm>
+            <a:off x="6622992" y="1865724"/>
+            <a:ext cx="4997499" cy="3653188"/>
+          </a:xfrm>
+        </p:spPr>
+        <p:txBody>
+          <a:bodyPr/>
+          <a:lstStyle/>
+          <a:p>
+            <a:r>
+              <a:rPr lang="en-US" sz="2400" dirty="0" smtClean="0"/>
+              <a:t>No testing specific functionality</a:t>
+            </a:r>
+            <a:endParaRPr lang="en-US" sz="2400" dirty="0"/>
+          </a:p>
+          <a:p>
+            <a:r>
+              <a:rPr lang="en-US" sz="2400" dirty="0" smtClean="0"/>
+              <a:t>Can be overwhelming with small to medium project</a:t>
+            </a:r>
+            <a:endParaRPr lang="en-US" sz="2400" dirty="0"/>
+          </a:p>
+          <a:p>
+            <a:r>
+              <a:rPr lang="en-US" sz="2400" dirty="0" smtClean="0"/>
+              <a:t>It’s not free</a:t>
+            </a:r>
+            <a:endParaRPr lang="en-US" sz="2400" dirty="0"/>
+          </a:p>
+          <a:p>
+            <a:endParaRPr lang="en-US" sz="2400" dirty="0"/>
+          </a:p>
+        </p:txBody>
+      </p:sp>
+      <p:sp>
+        <p:nvSpPr>
+          <p:cNvPr id="53" name="Slide Number Placeholder 52">
+            <a:extLst>
+              <a:ext uri="{FF2B5EF4-FFF2-40B4-BE49-F238E27FC236}">
+                <a16:creationId xmlns:a16="http://schemas.microsoft.com/office/drawing/2014/main" id="{D674A398-A2D9-421A-AAC4-14E16A9A1488}"/>
+              </a:ext>
+            </a:extLst>
+          </p:cNvPr>
+          <p:cNvSpPr>
+            <a:spLocks noGrp="1"/>
+          </p:cNvSpPr>
+          <p:nvPr>
+            <p:ph type="sldNum" sz="quarter" idx="19"/>
+          </p:nvPr>
+        </p:nvSpPr>
+        <p:spPr>
+          <a:xfrm>
+            <a:off x="11230806" y="6315166"/>
+            <a:ext cx="389686" cy="393610"/>
+          </a:xfrm>
+        </p:spPr>
+        <p:txBody>
+          <a:bodyPr/>
+          <a:lstStyle/>
+          <a:p>
+            <a:fld id="{DCB4E619-4CA9-4A22-920F-20396BF50470}" type="slidenum">
+              <a:rPr lang="en-US" smtClean="0"/>
+              <a:pPr/>
+              <a:t>5</a:t>
+            </a:fld>
+            <a:endParaRPr lang="en-US" dirty="0"/>
+          </a:p>
+        </p:txBody>
+      </p:sp>
     </p:spTree>
     <p:extLst>
       <p:ext uri="{BB962C8B-B14F-4D97-AF65-F5344CB8AC3E}">
-        <p14:creationId xmlns:p14="http://schemas.microsoft.com/office/powerpoint/2010/main" val="2530319519"/>
+        <p14:creationId xmlns:p14="http://schemas.microsoft.com/office/powerpoint/2010/main" val="3156793556"/>
       </p:ext>
     </p:extLst>
   </p:cSld>
@@ -26612,6 +27237,149 @@
       </p:grpSpPr>
       <p:sp>
         <p:nvSpPr>
+          <p:cNvPr id="22" name="Title 21">
+            <a:extLst>
+              <a:ext uri="{FF2B5EF4-FFF2-40B4-BE49-F238E27FC236}">
+                <a16:creationId xmlns:a16="http://schemas.microsoft.com/office/drawing/2014/main" id="{F635AA92-1D29-4831-89E4-1B49C265FA6C}"/>
+              </a:ext>
+            </a:extLst>
+          </p:cNvPr>
+          <p:cNvSpPr>
+            <a:spLocks noGrp="1"/>
+          </p:cNvSpPr>
+          <p:nvPr>
+            <p:ph type="title"/>
+          </p:nvPr>
+        </p:nvSpPr>
+        <p:spPr/>
+        <p:txBody>
+          <a:bodyPr/>
+          <a:lstStyle/>
+          <a:p>
+            <a:r>
+              <a:rPr lang="en-US" dirty="0" smtClean="0"/>
+              <a:t>TRELLO</a:t>
+            </a:r>
+            <a:endParaRPr lang="en-GB" dirty="0"/>
+          </a:p>
+        </p:txBody>
+      </p:sp>
+      <p:pic>
+        <p:nvPicPr>
+          <p:cNvPr id="4" name="Picture 3"/>
+          <p:cNvPicPr>
+            <a:picLocks noChangeAspect="1"/>
+          </p:cNvPicPr>
+          <p:nvPr/>
+        </p:nvPicPr>
+        <p:blipFill>
+          <a:blip r:embed="rId2">
+            <a:extLst>
+              <a:ext uri="{28A0092B-C50C-407E-A947-70E740481C1C}">
+                <a14:useLocalDpi xmlns:a14="http://schemas.microsoft.com/office/drawing/2010/main" val="0"/>
+              </a:ext>
+            </a:extLst>
+          </a:blip>
+          <a:stretch>
+            <a:fillRect/>
+          </a:stretch>
+        </p:blipFill>
+        <p:spPr>
+          <a:xfrm>
+            <a:off x="831849" y="584200"/>
+            <a:ext cx="982980" cy="1092200"/>
+          </a:xfrm>
+          <a:prstGeom prst="rect">
+            <a:avLst/>
+          </a:prstGeom>
+        </p:spPr>
+      </p:pic>
+      <p:sp>
+        <p:nvSpPr>
+          <p:cNvPr id="5" name="Text Placeholder 4"/>
+          <p:cNvSpPr>
+            <a:spLocks noGrp="1"/>
+          </p:cNvSpPr>
+          <p:nvPr>
+            <p:ph type="body" idx="1"/>
+          </p:nvPr>
+        </p:nvSpPr>
+        <p:spPr/>
+        <p:txBody>
+          <a:bodyPr/>
+          <a:lstStyle/>
+          <a:p>
+            <a:r>
+              <a:rPr lang="en-US" dirty="0"/>
+              <a:t>Infinitely flexible. Incredibly easy to use. Great mobile apps. It's free. Trello keeps track of everything, from the big picture to the minute details.</a:t>
+            </a:r>
+          </a:p>
+        </p:txBody>
+      </p:sp>
+      <p:pic>
+        <p:nvPicPr>
+          <p:cNvPr id="6" name="Picture Placeholder 5"/>
+          <p:cNvPicPr>
+            <a:picLocks noGrp="1" noChangeAspect="1"/>
+          </p:cNvPicPr>
+          <p:nvPr>
+            <p:ph type="pic" sz="quarter" idx="14"/>
+          </p:nvPr>
+        </p:nvPicPr>
+        <p:blipFill>
+          <a:blip r:embed="rId3">
+            <a:extLst>
+              <a:ext uri="{28A0092B-C50C-407E-A947-70E740481C1C}">
+                <a14:useLocalDpi xmlns:a14="http://schemas.microsoft.com/office/drawing/2010/main" val="0"/>
+              </a:ext>
+            </a:extLst>
+          </a:blip>
+          <a:srcRect l="22803" r="22803"/>
+          <a:stretch>
+            <a:fillRect/>
+          </a:stretch>
+        </p:blipFill>
+        <p:spPr/>
+      </p:pic>
+    </p:spTree>
+    <p:extLst>
+      <p:ext uri="{BB962C8B-B14F-4D97-AF65-F5344CB8AC3E}">
+        <p14:creationId xmlns:p14="http://schemas.microsoft.com/office/powerpoint/2010/main" val="2530319519"/>
+      </p:ext>
+    </p:extLst>
+  </p:cSld>
+  <p:clrMapOvr>
+    <a:masterClrMapping/>
+  </p:clrMapOvr>
+  <p:timing>
+    <p:tnLst>
+      <p:par>
+        <p:cTn id="1" dur="indefinite" restart="never" nodeType="tmRoot"/>
+      </p:par>
+    </p:tnLst>
+  </p:timing>
+</p:sld>
+</file>
+
+<file path=ppt/slides/slide7.xml><?xml version="1.0" encoding="utf-8"?>
+<p:sld xmlns:a="http://schemas.openxmlformats.org/drawingml/2006/main" xmlns:r="http://schemas.openxmlformats.org/officeDocument/2006/relationships" xmlns:p="http://schemas.openxmlformats.org/presentationml/2006/main">
+  <p:cSld>
+    <p:spTree>
+      <p:nvGrpSpPr>
+        <p:cNvPr id="1" name=""/>
+        <p:cNvGrpSpPr/>
+        <p:nvPr/>
+      </p:nvGrpSpPr>
+      <p:grpSpPr>
+        <a:xfrm>
+          <a:off x="0" y="0"/>
+          <a:ext cx="0" cy="0"/>
+          <a:chOff x="0" y="0"/>
+          <a:chExt cx="0" cy="0"/>
+        </a:xfrm>
+      </p:grpSpPr>
+      <p:sp>
+        <p:nvSpPr>
           <p:cNvPr id="17" name="Title 16">
             <a:extLst>
               <a:ext uri="{FF2B5EF4-FFF2-40B4-BE49-F238E27FC236}">
@@ -26761,7 +27529,7 @@
             <a:fld id="{DCB4E619-4CA9-4A22-920F-20396BF50470}" type="slidenum">
               <a:rPr lang="en-US" smtClean="0"/>
               <a:pPr/>
-              <a:t>6</a:t>
+              <a:t>7</a:t>
             </a:fld>
             <a:endParaRPr lang="en-US" dirty="0"/>
           </a:p>
@@ -26787,7 +27555,7 @@
 </p:sld>
 </file>
 
-<file path=ppt/slides/slide7.xml><?xml version="1.0" encoding="utf-8"?>
+<file path=ppt/slides/slide8.xml><?xml version="1.0" encoding="utf-8"?>
 <p:sld xmlns:a="http://schemas.openxmlformats.org/drawingml/2006/main" xmlns:r="http://schemas.openxmlformats.org/officeDocument/2006/relationships" xmlns:p="http://schemas.openxmlformats.org/presentationml/2006/main">
   <p:cSld>
     <p:bg>
@@ -26937,206 +27705,6 @@
     <p:extLst>
       <p:ext uri="{BB962C8B-B14F-4D97-AF65-F5344CB8AC3E}">
         <p14:creationId xmlns:p14="http://schemas.microsoft.com/office/powerpoint/2010/main" val="1865872958"/>
-      </p:ext>
-    </p:extLst>
-  </p:cSld>
-  <p:clrMapOvr>
-    <a:masterClrMapping/>
-  </p:clrMapOvr>
-  <p:timing>
-    <p:tnLst>
-      <p:par>
-        <p:cTn id="1" dur="indefinite" restart="never" nodeType="tmRoot"/>
-      </p:par>
-    </p:tnLst>
-  </p:timing>
-</p:sld>
-</file>
-
-<file path=ppt/slides/slide8.xml><?xml version="1.0" encoding="utf-8"?>
-<p:sld xmlns:a="http://schemas.openxmlformats.org/drawingml/2006/main" xmlns:r="http://schemas.openxmlformats.org/officeDocument/2006/relationships" xmlns:p="http://schemas.openxmlformats.org/presentationml/2006/main">
-  <p:cSld>
-    <p:spTree>
-      <p:nvGrpSpPr>
-        <p:cNvPr id="1" name=""/>
-        <p:cNvGrpSpPr/>
-        <p:nvPr/>
-      </p:nvGrpSpPr>
-      <p:grpSpPr>
-        <a:xfrm>
-          <a:off x="0" y="0"/>
-          <a:ext cx="0" cy="0"/>
-          <a:chOff x="0" y="0"/>
-          <a:chExt cx="0" cy="0"/>
-        </a:xfrm>
-      </p:grpSpPr>
-      <p:sp>
-        <p:nvSpPr>
-          <p:cNvPr id="17" name="Title 16">
-            <a:extLst>
-              <a:ext uri="{FF2B5EF4-FFF2-40B4-BE49-F238E27FC236}">
-                <a16:creationId xmlns:a16="http://schemas.microsoft.com/office/drawing/2014/main" id="{96B69F7F-7BDF-4049-AB94-D24D1055CFD1}"/>
-              </a:ext>
-            </a:extLst>
-          </p:cNvPr>
-          <p:cNvSpPr>
-            <a:spLocks noGrp="1"/>
-          </p:cNvSpPr>
-          <p:nvPr>
-            <p:ph type="title"/>
-          </p:nvPr>
-        </p:nvSpPr>
-        <p:spPr>
-          <a:xfrm>
-            <a:off x="640079" y="-155981"/>
-            <a:ext cx="5910095" cy="1480711"/>
-          </a:xfrm>
-        </p:spPr>
-        <p:txBody>
-          <a:bodyPr/>
-          <a:lstStyle/>
-          <a:p>
-            <a:r>
-              <a:rPr lang="en-US" dirty="0" smtClean="0"/>
-              <a:t>Pros &amp; Cons</a:t>
-            </a:r>
-            <a:endParaRPr lang="en-US" dirty="0"/>
-          </a:p>
-        </p:txBody>
-      </p:sp>
-      <p:sp>
-        <p:nvSpPr>
-          <p:cNvPr id="19" name="Text Placeholder 18">
-            <a:extLst>
-              <a:ext uri="{FF2B5EF4-FFF2-40B4-BE49-F238E27FC236}">
-                <a16:creationId xmlns:a16="http://schemas.microsoft.com/office/drawing/2014/main" id="{4024D790-0AE9-488A-A1A9-F732CD7A0F1E}"/>
-              </a:ext>
-            </a:extLst>
-          </p:cNvPr>
-          <p:cNvSpPr>
-            <a:spLocks noGrp="1"/>
-          </p:cNvSpPr>
-          <p:nvPr>
-            <p:ph type="body" sz="quarter" idx="15"/>
-          </p:nvPr>
-        </p:nvSpPr>
-        <p:spPr>
-          <a:xfrm>
-            <a:off x="640080" y="1865724"/>
-            <a:ext cx="5608320" cy="3653188"/>
-          </a:xfrm>
-        </p:spPr>
-        <p:txBody>
-          <a:bodyPr/>
-          <a:lstStyle/>
-          <a:p>
-            <a:r>
-              <a:rPr lang="en-US" sz="2400" dirty="0" smtClean="0"/>
-              <a:t>Clear and intuitive interface</a:t>
-            </a:r>
-          </a:p>
-          <a:p>
-            <a:r>
-              <a:rPr lang="en-US" sz="2400" dirty="0" smtClean="0"/>
-              <a:t>Top-notch communication tool</a:t>
-            </a:r>
-            <a:endParaRPr lang="en-US" sz="2400" dirty="0"/>
-          </a:p>
-          <a:p>
-            <a:r>
-              <a:rPr lang="en-US" sz="2400" dirty="0" smtClean="0"/>
-              <a:t>Great integration</a:t>
-            </a:r>
-          </a:p>
-          <a:p>
-            <a:r>
-              <a:rPr lang="en-US" sz="2400" dirty="0" smtClean="0"/>
-              <a:t>Free for small team</a:t>
-            </a:r>
-            <a:endParaRPr lang="en-US" sz="2400" dirty="0"/>
-          </a:p>
-        </p:txBody>
-      </p:sp>
-      <p:sp>
-        <p:nvSpPr>
-          <p:cNvPr id="20" name="Text Placeholder 19">
-            <a:extLst>
-              <a:ext uri="{FF2B5EF4-FFF2-40B4-BE49-F238E27FC236}">
-                <a16:creationId xmlns:a16="http://schemas.microsoft.com/office/drawing/2014/main" id="{EF7D456B-7C3B-486F-804B-C2860F61E5F7}"/>
-              </a:ext>
-            </a:extLst>
-          </p:cNvPr>
-          <p:cNvSpPr>
-            <a:spLocks noGrp="1"/>
-          </p:cNvSpPr>
-          <p:nvPr>
-            <p:ph type="body" sz="quarter" idx="16"/>
-          </p:nvPr>
-        </p:nvSpPr>
-        <p:spPr>
-          <a:xfrm>
-            <a:off x="6622992" y="1865724"/>
-            <a:ext cx="4997499" cy="3653188"/>
-          </a:xfrm>
-        </p:spPr>
-        <p:txBody>
-          <a:bodyPr/>
-          <a:lstStyle/>
-          <a:p>
-            <a:r>
-              <a:rPr lang="en-US" sz="2400" dirty="0" smtClean="0"/>
-              <a:t>A bit steeper learning curve</a:t>
-            </a:r>
-            <a:endParaRPr lang="en-US" sz="2400" dirty="0"/>
-          </a:p>
-          <a:p>
-            <a:r>
-              <a:rPr lang="en-US" sz="2400" dirty="0" smtClean="0"/>
-              <a:t>The hotkey sometime make people confuse</a:t>
-            </a:r>
-            <a:endParaRPr lang="en-US" sz="2400" dirty="0"/>
-          </a:p>
-        </p:txBody>
-      </p:sp>
-      <p:sp>
-        <p:nvSpPr>
-          <p:cNvPr id="53" name="Slide Number Placeholder 52">
-            <a:extLst>
-              <a:ext uri="{FF2B5EF4-FFF2-40B4-BE49-F238E27FC236}">
-                <a16:creationId xmlns:a16="http://schemas.microsoft.com/office/drawing/2014/main" id="{D674A398-A2D9-421A-AAC4-14E16A9A1488}"/>
-              </a:ext>
-            </a:extLst>
-          </p:cNvPr>
-          <p:cNvSpPr>
-            <a:spLocks noGrp="1"/>
-          </p:cNvSpPr>
-          <p:nvPr>
-            <p:ph type="sldNum" sz="quarter" idx="19"/>
-          </p:nvPr>
-        </p:nvSpPr>
-        <p:spPr>
-          <a:xfrm>
-            <a:off x="11230806" y="6315166"/>
-            <a:ext cx="389686" cy="393610"/>
-          </a:xfrm>
-        </p:spPr>
-        <p:txBody>
-          <a:bodyPr/>
-          <a:lstStyle/>
-          <a:p>
-            <a:fld id="{DCB4E619-4CA9-4A22-920F-20396BF50470}" type="slidenum">
-              <a:rPr lang="en-US" smtClean="0"/>
-              <a:pPr/>
-              <a:t>8</a:t>
-            </a:fld>
-            <a:endParaRPr lang="en-US" dirty="0"/>
-          </a:p>
-        </p:txBody>
-      </p:sp>
-    </p:spTree>
-    <p:extLst>
-      <p:ext uri="{BB962C8B-B14F-4D97-AF65-F5344CB8AC3E}">
-        <p14:creationId xmlns:p14="http://schemas.microsoft.com/office/powerpoint/2010/main" val="148239323"/>
       </p:ext>
     </p:extLst>
   </p:cSld>
@@ -27172,10 +27740,10 @@
       </p:grpSpPr>
       <p:sp>
         <p:nvSpPr>
-          <p:cNvPr id="22" name="Title 21">
+          <p:cNvPr id="17" name="Title 16">
             <a:extLst>
               <a:ext uri="{FF2B5EF4-FFF2-40B4-BE49-F238E27FC236}">
-                <a16:creationId xmlns:a16="http://schemas.microsoft.com/office/drawing/2014/main" id="{F635AA92-1D29-4831-89E4-1B49C265FA6C}"/>
+                <a16:creationId xmlns:a16="http://schemas.microsoft.com/office/drawing/2014/main" id="{96B69F7F-7BDF-4049-AB94-D24D1055CFD1}"/>
               </a:ext>
             </a:extLst>
           </p:cNvPr>
@@ -27186,110 +27754,157 @@
             <p:ph type="title"/>
           </p:nvPr>
         </p:nvSpPr>
-        <p:spPr/>
+        <p:spPr>
+          <a:xfrm>
+            <a:off x="640079" y="-155981"/>
+            <a:ext cx="5910095" cy="1480711"/>
+          </a:xfrm>
+        </p:spPr>
         <p:txBody>
           <a:bodyPr/>
           <a:lstStyle/>
           <a:p>
             <a:r>
               <a:rPr lang="en-US" dirty="0" smtClean="0"/>
-              <a:t>Microsoft Project</a:t>
+              <a:t>Pros &amp; Cons</a:t>
             </a:r>
-            <a:endParaRPr lang="en-GB" dirty="0"/>
+            <a:endParaRPr lang="en-US" dirty="0"/>
           </a:p>
         </p:txBody>
       </p:sp>
       <p:sp>
         <p:nvSpPr>
-          <p:cNvPr id="5" name="Text Placeholder 4"/>
+          <p:cNvPr id="19" name="Text Placeholder 18">
+            <a:extLst>
+              <a:ext uri="{FF2B5EF4-FFF2-40B4-BE49-F238E27FC236}">
+                <a16:creationId xmlns:a16="http://schemas.microsoft.com/office/drawing/2014/main" id="{4024D790-0AE9-488A-A1A9-F732CD7A0F1E}"/>
+              </a:ext>
+            </a:extLst>
+          </p:cNvPr>
           <p:cNvSpPr>
             <a:spLocks noGrp="1"/>
           </p:cNvSpPr>
           <p:nvPr>
-            <p:ph type="body" idx="1"/>
+            <p:ph type="body" sz="quarter" idx="15"/>
           </p:nvPr>
         </p:nvSpPr>
-        <p:spPr/>
+        <p:spPr>
+          <a:xfrm>
+            <a:off x="640080" y="1865724"/>
+            <a:ext cx="5608320" cy="3653188"/>
+          </a:xfrm>
+        </p:spPr>
         <p:txBody>
           <a:bodyPr/>
           <a:lstStyle/>
           <a:p>
             <a:r>
-              <a:rPr lang="en-US" dirty="0"/>
-              <a:t>With agile in </a:t>
+              <a:rPr lang="en-US" sz="2400" dirty="0" smtClean="0"/>
+              <a:t>Clear and intuitive interface</a:t>
             </a:r>
+          </a:p>
+          <a:p>
             <a:r>
-              <a:rPr lang="en-US" b="1" dirty="0"/>
-              <a:t>Microsoft Project</a:t>
+              <a:rPr lang="en-US" sz="2400" dirty="0" smtClean="0"/>
+              <a:t>Top-notch communication tool</a:t>
             </a:r>
+            <a:endParaRPr lang="en-US" sz="2400" dirty="0"/>
+          </a:p>
+          <a:p>
             <a:r>
-              <a:rPr lang="en-US" dirty="0"/>
-              <a:t>, you can manage agile projects by using simple, visual task boards that support Scrum, Kanban, or custom workflows. Choose whatever methodology makes sense for your </a:t>
+              <a:rPr lang="en-US" sz="2400" dirty="0" smtClean="0"/>
+              <a:t>Great integration</a:t>
             </a:r>
+          </a:p>
+          <a:p>
             <a:r>
-              <a:rPr lang="en-US" b="1" dirty="0"/>
-              <a:t>project</a:t>
+              <a:rPr lang="en-US" sz="2400" dirty="0" smtClean="0"/>
+              <a:t>Free for small team</a:t>
             </a:r>
-            <a:r>
-              <a:rPr lang="en-US" dirty="0"/>
-              <a:t>: agile, waterfall, or hybrid. </a:t>
-            </a:r>
+            <a:endParaRPr lang="en-US" sz="2400" dirty="0"/>
           </a:p>
         </p:txBody>
       </p:sp>
-      <p:pic>
-        <p:nvPicPr>
-          <p:cNvPr id="3" name="Picture Placeholder 2"/>
-          <p:cNvPicPr>
-            <a:picLocks noGrp="1" noChangeAspect="1"/>
-          </p:cNvPicPr>
+      <p:sp>
+        <p:nvSpPr>
+          <p:cNvPr id="20" name="Text Placeholder 19">
+            <a:extLst>
+              <a:ext uri="{FF2B5EF4-FFF2-40B4-BE49-F238E27FC236}">
+                <a16:creationId xmlns:a16="http://schemas.microsoft.com/office/drawing/2014/main" id="{EF7D456B-7C3B-486F-804B-C2860F61E5F7}"/>
+              </a:ext>
+            </a:extLst>
+          </p:cNvPr>
+          <p:cNvSpPr>
+            <a:spLocks noGrp="1"/>
+          </p:cNvSpPr>
           <p:nvPr>
-            <p:ph type="pic" sz="quarter" idx="14"/>
+            <p:ph type="body" sz="quarter" idx="16"/>
           </p:nvPr>
-        </p:nvPicPr>
-        <p:blipFill>
-          <a:blip r:embed="rId2">
-            <a:extLst>
-              <a:ext uri="{28A0092B-C50C-407E-A947-70E740481C1C}">
-                <a14:useLocalDpi xmlns:a14="http://schemas.microsoft.com/office/drawing/2010/main" val="0"/>
-              </a:ext>
-            </a:extLst>
-          </a:blip>
-          <a:srcRect l="21861" r="21861"/>
-          <a:stretch>
-            <a:fillRect/>
-          </a:stretch>
-        </p:blipFill>
-        <p:spPr/>
-      </p:pic>
-      <p:pic>
-        <p:nvPicPr>
-          <p:cNvPr id="7" name="Picture 6"/>
-          <p:cNvPicPr>
-            <a:picLocks noChangeAspect="1"/>
-          </p:cNvPicPr>
-          <p:nvPr/>
-        </p:nvPicPr>
-        <p:blipFill>
-          <a:blip r:embed="rId3"/>
-          <a:stretch>
-            <a:fillRect/>
-          </a:stretch>
-        </p:blipFill>
+        </p:nvSpPr>
         <p:spPr>
           <a:xfrm>
-            <a:off x="831849" y="335810"/>
-            <a:ext cx="1495425" cy="1495425"/>
-          </a:xfrm>
-          <a:prstGeom prst="rect">
-            <a:avLst/>
-          </a:prstGeom>
+            <a:off x="6622992" y="1865724"/>
+            <a:ext cx="4997499" cy="3653188"/>
+          </a:xfrm>
         </p:spPr>
-      </p:pic>
+        <p:txBody>
+          <a:bodyPr/>
+          <a:lstStyle/>
+          <a:p>
+            <a:r>
+              <a:rPr lang="en-US" sz="2400" dirty="0" smtClean="0"/>
+              <a:t>A bit steeper learning curve</a:t>
+            </a:r>
+            <a:endParaRPr lang="en-US" sz="2400" dirty="0"/>
+          </a:p>
+          <a:p>
+            <a:r>
+              <a:rPr lang="en-US" sz="2400" dirty="0" smtClean="0"/>
+              <a:t>The hotkey sometime make people confuse</a:t>
+            </a:r>
+            <a:endParaRPr lang="en-US" sz="2400" dirty="0"/>
+          </a:p>
+        </p:txBody>
+      </p:sp>
+      <p:sp>
+        <p:nvSpPr>
+          <p:cNvPr id="53" name="Slide Number Placeholder 52">
+            <a:extLst>
+              <a:ext uri="{FF2B5EF4-FFF2-40B4-BE49-F238E27FC236}">
+                <a16:creationId xmlns:a16="http://schemas.microsoft.com/office/drawing/2014/main" id="{D674A398-A2D9-421A-AAC4-14E16A9A1488}"/>
+              </a:ext>
+            </a:extLst>
+          </p:cNvPr>
+          <p:cNvSpPr>
+            <a:spLocks noGrp="1"/>
+          </p:cNvSpPr>
+          <p:nvPr>
+            <p:ph type="sldNum" sz="quarter" idx="19"/>
+          </p:nvPr>
+        </p:nvSpPr>
+        <p:spPr>
+          <a:xfrm>
+            <a:off x="11230806" y="6315166"/>
+            <a:ext cx="389686" cy="393610"/>
+          </a:xfrm>
+        </p:spPr>
+        <p:txBody>
+          <a:bodyPr/>
+          <a:lstStyle/>
+          <a:p>
+            <a:fld id="{DCB4E619-4CA9-4A22-920F-20396BF50470}" type="slidenum">
+              <a:rPr lang="en-US" smtClean="0"/>
+              <a:pPr/>
+              <a:t>9</a:t>
+            </a:fld>
+            <a:endParaRPr lang="en-US" dirty="0"/>
+          </a:p>
+        </p:txBody>
+      </p:sp>
     </p:spTree>
     <p:extLst>
       <p:ext uri="{BB962C8B-B14F-4D97-AF65-F5344CB8AC3E}">
-        <p14:creationId xmlns:p14="http://schemas.microsoft.com/office/powerpoint/2010/main" val="1432470125"/>
+        <p14:creationId xmlns:p14="http://schemas.microsoft.com/office/powerpoint/2010/main" val="148239323"/>
       </p:ext>
     </p:extLst>
   </p:cSld>
@@ -28098,15 +28713,6 @@
 </file>
 
 <file path=customXml/item1.xml><?xml version="1.0" encoding="utf-8"?>
-<?mso-contentType ?>
-<FormTemplates xmlns="http://schemas.microsoft.com/sharepoint/v3/contenttype/forms">
-  <Display>DocumentLibraryForm</Display>
-  <Edit>DocumentLibraryForm</Edit>
-  <New>DocumentLibraryForm</New>
-</FormTemplates>
-</file>
-
-<file path=customXml/item2.xml><?xml version="1.0" encoding="utf-8"?>
 <ct:contentTypeSchema xmlns:ct="http://schemas.microsoft.com/office/2006/metadata/contentType" xmlns:ma="http://schemas.microsoft.com/office/2006/metadata/properties/metaAttributes" ct:_="" ma:_="" ma:contentTypeName="Document" ma:contentTypeID="0x01010079F111ED35F8CC479449609E8A0923A6" ma:contentTypeVersion="11" ma:contentTypeDescription="Create a new document." ma:contentTypeScope="" ma:versionID="96291512c1ee715ab617f4c07df79fc1">
   <xsd:schema xmlns:xsd="http://www.w3.org/2001/XMLSchema" xmlns:xs="http://www.w3.org/2001/XMLSchema" xmlns:p="http://schemas.microsoft.com/office/2006/metadata/properties" xmlns:ns2="71af3243-3dd4-4a8d-8c0d-dd76da1f02a5" xmlns:ns3="16c05727-aa75-4e4a-9b5f-8a80a1165891" targetNamespace="http://schemas.microsoft.com/office/2006/metadata/properties" ma:root="true" ma:fieldsID="8256c27c40ca5c40ce1cf6c44f0205df" ns2:_="" ns3:_="">
     <xsd:import namespace="71af3243-3dd4-4a8d-8c0d-dd76da1f02a5"/>
@@ -28317,6 +28923,15 @@
 </ct:contentTypeSchema>
 </file>
 
+<file path=customXml/item2.xml><?xml version="1.0" encoding="utf-8"?>
+<?mso-contentType ?>
+<FormTemplates xmlns="http://schemas.microsoft.com/sharepoint/v3/contenttype/forms">
+  <Display>DocumentLibraryForm</Display>
+  <Edit>DocumentLibraryForm</Edit>
+  <New>DocumentLibraryForm</New>
+</FormTemplates>
+</file>
+
 <file path=customXml/item3.xml><?xml version="1.0" encoding="utf-8"?>
 <p:properties xmlns:p="http://schemas.microsoft.com/office/2006/metadata/properties" xmlns:xsi="http://www.w3.org/2001/XMLSchema-instance" xmlns:pc="http://schemas.microsoft.com/office/infopath/2007/PartnerControls">
   <documentManagement>
@@ -28326,14 +28941,6 @@
 </file>
 
 <file path=customXml/itemProps1.xml><?xml version="1.0" encoding="utf-8"?>
-<ds:datastoreItem xmlns:ds="http://schemas.openxmlformats.org/officeDocument/2006/customXml" ds:itemID="{5466AFDE-A9D6-4DD8-B471-43BFA03A3F3E}">
-  <ds:schemaRefs>
-    <ds:schemaRef ds:uri="http://schemas.microsoft.com/sharepoint/v3/contenttype/forms"/>
-  </ds:schemaRefs>
-</ds:datastoreItem>
-</file>
-
-<file path=customXml/itemProps2.xml><?xml version="1.0" encoding="utf-8"?>
 <ds:datastoreItem xmlns:ds="http://schemas.openxmlformats.org/officeDocument/2006/customXml" ds:itemID="{0AAA3571-52B9-4794-9A69-E71F204CB997}">
   <ds:schemaRefs>
     <ds:schemaRef ds:uri="http://schemas.microsoft.com/office/2006/metadata/contentType"/>
@@ -28352,6 +28959,14 @@
 </ds:datastoreItem>
 </file>
 
+<file path=customXml/itemProps2.xml><?xml version="1.0" encoding="utf-8"?>
+<ds:datastoreItem xmlns:ds="http://schemas.openxmlformats.org/officeDocument/2006/customXml" ds:itemID="{5466AFDE-A9D6-4DD8-B471-43BFA03A3F3E}">
+  <ds:schemaRefs>
+    <ds:schemaRef ds:uri="http://schemas.microsoft.com/sharepoint/v3/contenttype/forms"/>
+  </ds:schemaRefs>
+</ds:datastoreItem>
+</file>
+
 <file path=customXml/itemProps3.xml><?xml version="1.0" encoding="utf-8"?>
 <ds:datastoreItem xmlns:ds="http://schemas.openxmlformats.org/officeDocument/2006/customXml" ds:itemID="{0F8F95F1-64A1-4047-9BA0-D956C2834297}">
   <ds:schemaRefs>
